--- a/MoLOverviewPoster2019.pptx
+++ b/MoLOverviewPoster2019.pptx
@@ -193,7 +193,7 @@
           <a:p>
             <a:fld id="{B179243D-0E3E-4D4F-90E9-F9F1DBB34143}" type="datetimeFigureOut">
               <a:rPr lang="en-US" smtClean="0"/>
-              <a:t>5/7/19</a:t>
+              <a:t>5/10/19</a:t>
             </a:fld>
             <a:endParaRPr lang="en-US"/>
           </a:p>
@@ -2319,7 +2319,7 @@
           </a:ln>
           <a:extLst>
             <a:ext uri="{C572A759-6A51-4108-AA02-DFA0A04FC94B}">
-              <ma14:wrappingTextBoxFlag xmlns:ma14="http://schemas.microsoft.com/office/mac/drawingml/2011/main" xmlns="" val="1"/>
+              <ma14:wrappingTextBoxFlag xmlns="" xmlns:ma14="http://schemas.microsoft.com/office/mac/drawingml/2011/main" val="1"/>
             </a:ext>
           </a:extLst>
         </p:spPr>
@@ -2362,7 +2362,7 @@
           </a:ln>
           <a:extLst>
             <a:ext uri="{C572A759-6A51-4108-AA02-DFA0A04FC94B}">
-              <ma14:wrappingTextBoxFlag xmlns:ma14="http://schemas.microsoft.com/office/mac/drawingml/2011/main" xmlns="" val="1"/>
+              <ma14:wrappingTextBoxFlag xmlns="" xmlns:ma14="http://schemas.microsoft.com/office/mac/drawingml/2011/main" val="1"/>
             </a:ext>
           </a:extLst>
         </p:spPr>
@@ -3109,63 +3109,6 @@
         </p:sp>
         <p:sp>
           <p:nvSpPr>
-            <p:cNvPr id="117" name="L-Shape 116"/>
-            <p:cNvSpPr/>
-            <p:nvPr/>
-          </p:nvSpPr>
-          <p:spPr>
-            <a:xfrm rot="10800000">
-              <a:off x="11843892" y="9976140"/>
-              <a:ext cx="22945172" cy="14148692"/>
-            </a:xfrm>
-            <a:prstGeom prst="corner">
-              <a:avLst>
-                <a:gd name="adj1" fmla="val 74139"/>
-                <a:gd name="adj2" fmla="val 26459"/>
-              </a:avLst>
-            </a:prstGeom>
-            <a:solidFill>
-              <a:srgbClr val="FFFF00">
-                <a:alpha val="25098"/>
-              </a:srgbClr>
-            </a:solidFill>
-            <a:ln>
-              <a:solidFill>
-                <a:srgbClr val="7030A0"/>
-              </a:solidFill>
-            </a:ln>
-          </p:spPr>
-          <p:style>
-            <a:lnRef idx="2">
-              <a:schemeClr val="dk1"/>
-            </a:lnRef>
-            <a:fillRef idx="0">
-              <a:schemeClr val="dk1"/>
-            </a:fillRef>
-            <a:effectRef idx="1">
-              <a:schemeClr val="dk1"/>
-            </a:effectRef>
-            <a:fontRef idx="minor">
-              <a:schemeClr val="tx1"/>
-            </a:fontRef>
-          </p:style>
-          <p:txBody>
-            <a:bodyPr rot="0" spcFirstLastPara="1" vertOverflow="overflow" horzOverflow="overflow" vert="horz" wrap="square" lIns="91439" tIns="45719" rIns="91439" bIns="45719" numCol="1" spcCol="38100" rtlCol="0" anchor="t">
-              <a:noAutofit/>
-            </a:bodyPr>
-            <a:lstStyle/>
-            <a:p>
-              <a:pPr algn="l" defTabSz="914193" rtl="0" latinLnBrk="1" hangingPunct="0"/>
-              <a:endParaRPr lang="en-US" sz="2000" dirty="0">
-                <a:solidFill>
-                  <a:srgbClr val="000000"/>
-                </a:solidFill>
-              </a:endParaRPr>
-            </a:p>
-          </p:txBody>
-        </p:sp>
-        <p:sp>
-          <p:nvSpPr>
             <p:cNvPr id="10" name="L-Shape 9"/>
             <p:cNvSpPr/>
             <p:nvPr/>
@@ -3230,8 +3173,8 @@
         </p:nvSpPr>
         <p:spPr>
           <a:xfrm>
-            <a:off x="31667875" y="16164595"/>
-            <a:ext cx="6495403" cy="4984556"/>
+            <a:off x="22795688" y="18225679"/>
+            <a:ext cx="11974143" cy="6011463"/>
           </a:xfrm>
           <a:prstGeom prst="roundRect">
             <a:avLst>
@@ -3614,7 +3557,7 @@
               </a:pPr>
               <a:r>
                 <a:rPr lang="en-US" sz="2900" dirty="0"/>
-                <a:t>2020/21</a:t>
+                <a:t>not in 2019/20</a:t>
               </a:r>
             </a:p>
           </p:txBody>
@@ -3628,7 +3571,7 @@
         </p:nvSpPr>
         <p:spPr>
           <a:xfrm>
-            <a:off x="624858" y="27873220"/>
+            <a:off x="298201" y="28205528"/>
             <a:ext cx="3563027" cy="1700895"/>
           </a:xfrm>
           <a:prstGeom prst="rect">
@@ -3639,7 +3582,7 @@
           </a:ln>
           <a:extLst>
             <a:ext uri="{C572A759-6A51-4108-AA02-DFA0A04FC94B}">
-              <ma14:wrappingTextBoxFlag xmlns:ma14="http://schemas.microsoft.com/office/mac/drawingml/2011/main" xmlns="" val="1"/>
+              <ma14:wrappingTextBoxFlag xmlns="" xmlns:ma14="http://schemas.microsoft.com/office/mac/drawingml/2011/main" val="1"/>
             </a:ext>
           </a:extLst>
         </p:spPr>
@@ -3669,6 +3612,69 @@
               <a:t>Logic</a:t>
             </a:r>
             <a:endParaRPr sz="3900" b="1" dirty="0"/>
+          </a:p>
+        </p:txBody>
+      </p:sp>
+      <p:sp>
+        <p:nvSpPr>
+          <p:cNvPr id="180" name="L-Shape 179">
+            <a:extLst>
+              <a:ext uri="{FF2B5EF4-FFF2-40B4-BE49-F238E27FC236}">
+                <a16:creationId xmlns:a16="http://schemas.microsoft.com/office/drawing/2014/main" id="{A0DB95FB-2FFF-0949-8332-D2A7578B1C50}"/>
+              </a:ext>
+            </a:extLst>
+          </p:cNvPr>
+          <p:cNvSpPr/>
+          <p:nvPr/>
+        </p:nvSpPr>
+        <p:spPr>
+          <a:xfrm rot="5400000">
+            <a:off x="17262377" y="3948249"/>
+            <a:ext cx="10478293" cy="22945173"/>
+          </a:xfrm>
+          <a:prstGeom prst="corner">
+            <a:avLst>
+              <a:gd name="adj1" fmla="val 143964"/>
+              <a:gd name="adj2" fmla="val 56842"/>
+            </a:avLst>
+          </a:prstGeom>
+          <a:solidFill>
+            <a:srgbClr val="FFFF00">
+              <a:alpha val="25098"/>
+            </a:srgbClr>
+          </a:solidFill>
+          <a:ln>
+            <a:solidFill>
+              <a:srgbClr val="7030A0"/>
+            </a:solidFill>
+          </a:ln>
+        </p:spPr>
+        <p:style>
+          <a:lnRef idx="2">
+            <a:schemeClr val="dk1"/>
+          </a:lnRef>
+          <a:fillRef idx="0">
+            <a:schemeClr val="dk1"/>
+          </a:fillRef>
+          <a:effectRef idx="1">
+            <a:schemeClr val="dk1"/>
+          </a:effectRef>
+          <a:fontRef idx="minor">
+            <a:schemeClr val="tx1"/>
+          </a:fontRef>
+        </p:style>
+        <p:txBody>
+          <a:bodyPr rot="0" spcFirstLastPara="1" vertOverflow="overflow" horzOverflow="overflow" vert="horz" wrap="square" lIns="91439" tIns="45719" rIns="91439" bIns="45719" numCol="1" spcCol="38100" rtlCol="0" anchor="t">
+            <a:noAutofit/>
+          </a:bodyPr>
+          <a:lstStyle/>
+          <a:p>
+            <a:pPr algn="l" defTabSz="914193" rtl="0" latinLnBrk="1" hangingPunct="0"/>
+            <a:endParaRPr lang="en-US" sz="2000" dirty="0">
+              <a:solidFill>
+                <a:srgbClr val="000000"/>
+              </a:solidFill>
+            </a:endParaRPr>
           </a:p>
         </p:txBody>
       </p:sp>
@@ -3691,7 +3697,7 @@
           </a:ln>
           <a:extLst>
             <a:ext uri="{C572A759-6A51-4108-AA02-DFA0A04FC94B}">
-              <ma14:wrappingTextBoxFlag xmlns:ma14="http://schemas.microsoft.com/office/mac/drawingml/2011/main" xmlns="" val="1"/>
+              <ma14:wrappingTextBoxFlag xmlns="" xmlns:ma14="http://schemas.microsoft.com/office/mac/drawingml/2011/main" val="1"/>
             </a:ext>
           </a:extLst>
         </p:spPr>
@@ -3735,7 +3741,7 @@
           </a:ln>
           <a:extLst>
             <a:ext uri="{C572A759-6A51-4108-AA02-DFA0A04FC94B}">
-              <ma14:wrappingTextBoxFlag xmlns:ma14="http://schemas.microsoft.com/office/mac/drawingml/2011/main" xmlns="" val="1"/>
+              <ma14:wrappingTextBoxFlag xmlns="" xmlns:ma14="http://schemas.microsoft.com/office/mac/drawingml/2011/main" val="1"/>
             </a:ext>
           </a:extLst>
         </p:spPr>
@@ -3795,7 +3801,7 @@
           </a:ln>
           <a:extLst>
             <a:ext uri="{C572A759-6A51-4108-AA02-DFA0A04FC94B}">
-              <ma14:wrappingTextBoxFlag xmlns:ma14="http://schemas.microsoft.com/office/mac/drawingml/2011/main" xmlns="" val="1"/>
+              <ma14:wrappingTextBoxFlag xmlns="" xmlns:ma14="http://schemas.microsoft.com/office/mac/drawingml/2011/main" val="1"/>
             </a:ext>
           </a:extLst>
         </p:spPr>
@@ -4112,7 +4118,7 @@
               </a:ln>
               <a:extLst>
                 <a:ext uri="{C572A759-6A51-4108-AA02-DFA0A04FC94B}">
-                  <ma14:wrappingTextBoxFlag xmlns:ma14="http://schemas.microsoft.com/office/mac/drawingml/2011/main" xmlns="" val="1"/>
+                  <ma14:wrappingTextBoxFlag xmlns="" xmlns:ma14="http://schemas.microsoft.com/office/mac/drawingml/2011/main" val="1"/>
                 </a:ext>
               </a:extLst>
             </p:spPr>
@@ -4149,48 +4155,6 @@
       </p:grpSp>
       <p:sp>
         <p:nvSpPr>
-          <p:cNvPr id="182" name="Shape 248"/>
-          <p:cNvSpPr/>
-          <p:nvPr/>
-        </p:nvSpPr>
-        <p:spPr>
-          <a:xfrm flipH="1" flipV="1">
-            <a:off x="2719912" y="21752093"/>
-            <a:ext cx="0" cy="1233809"/>
-          </a:xfrm>
-          <a:prstGeom prst="line">
-            <a:avLst/>
-          </a:prstGeom>
-          <a:ln w="76200">
-            <a:solidFill/>
-            <a:headEnd type="triangle"/>
-          </a:ln>
-          <a:effectLst>
-            <a:outerShdw blurRad="38100" dist="20000" dir="5400000" rotWithShape="0">
-              <a:srgbClr val="000000">
-                <a:alpha val="38000"/>
-              </a:srgbClr>
-            </a:outerShdw>
-          </a:effectLst>
-        </p:spPr>
-        <p:txBody>
-          <a:bodyPr lIns="0" tIns="0" rIns="0" bIns="0"/>
-          <a:lstStyle/>
-          <a:p>
-            <a:pPr algn="ctr" defTabSz="457097">
-              <a:defRPr sz="1200">
-                <a:latin typeface="+mn-lt"/>
-                <a:ea typeface="+mn-ea"/>
-                <a:cs typeface="+mn-cs"/>
-                <a:sym typeface="Helvetica"/>
-              </a:defRPr>
-            </a:pPr>
-            <a:endParaRPr/>
-          </a:p>
-        </p:txBody>
-      </p:sp>
-      <p:sp>
-        <p:nvSpPr>
           <p:cNvPr id="183" name="Shape 248"/>
           <p:cNvSpPr/>
           <p:nvPr/>
@@ -4250,7 +4214,7 @@
           </a:ln>
           <a:extLst>
             <a:ext uri="{C572A759-6A51-4108-AA02-DFA0A04FC94B}">
-              <ma14:wrappingTextBoxFlag xmlns:ma14="http://schemas.microsoft.com/office/mac/drawingml/2011/main" xmlns="" val="1"/>
+              <ma14:wrappingTextBoxFlag xmlns="" xmlns:ma14="http://schemas.microsoft.com/office/mac/drawingml/2011/main" val="1"/>
             </a:ext>
           </a:extLst>
         </p:spPr>
@@ -4294,7 +4258,7 @@
           </a:ln>
           <a:extLst>
             <a:ext uri="{C572A759-6A51-4108-AA02-DFA0A04FC94B}">
-              <ma14:wrappingTextBoxFlag xmlns:ma14="http://schemas.microsoft.com/office/mac/drawingml/2011/main" xmlns="" val="1"/>
+              <ma14:wrappingTextBoxFlag xmlns="" xmlns:ma14="http://schemas.microsoft.com/office/mac/drawingml/2011/main" val="1"/>
             </a:ext>
           </a:extLst>
         </p:spPr>
@@ -4450,7 +4414,7 @@
             </a:ln>
             <a:extLst>
               <a:ext uri="{C572A759-6A51-4108-AA02-DFA0A04FC94B}">
-                <ma14:wrappingTextBoxFlag xmlns:ma14="http://schemas.microsoft.com/office/mac/drawingml/2011/main" xmlns="" val="1"/>
+                <ma14:wrappingTextBoxFlag xmlns="" xmlns:ma14="http://schemas.microsoft.com/office/mac/drawingml/2011/main" val="1"/>
               </a:ext>
             </a:extLst>
           </p:spPr>
@@ -4503,7 +4467,7 @@
           </a:ln>
           <a:extLst>
             <a:ext uri="{C572A759-6A51-4108-AA02-DFA0A04FC94B}">
-              <ma14:wrappingTextBoxFlag xmlns:ma14="http://schemas.microsoft.com/office/mac/drawingml/2011/main" xmlns="" val="1"/>
+              <ma14:wrappingTextBoxFlag xmlns="" xmlns:ma14="http://schemas.microsoft.com/office/mac/drawingml/2011/main" val="1"/>
             </a:ext>
           </a:extLst>
         </p:spPr>
@@ -4676,21 +4640,7 @@
                 <a:latin typeface="Calibri" charset="0"/>
                 <a:cs typeface="Calibri" charset="0"/>
               </a:rPr>
-              <a:t>-FNWI] Basic Probability: Programming  (</a:t>
-            </a:r>
-            <a:r>
-              <a:rPr lang="en-US" sz="2900" dirty="0" err="1">
-                <a:latin typeface="Calibri" charset="0"/>
-                <a:cs typeface="Calibri" charset="0"/>
-              </a:rPr>
-              <a:t>Dotlacil</a:t>
-            </a:r>
-            <a:r>
-              <a:rPr lang="en-US" sz="2900" dirty="0">
-                <a:latin typeface="Calibri" charset="0"/>
-                <a:cs typeface="Calibri" charset="0"/>
-              </a:rPr>
-              <a:t>) </a:t>
+              <a:t>-FNWI] Basic Probability: Programming  (Aziz) </a:t>
             </a:r>
             <a:br>
               <a:rPr lang="en-US" sz="2900" dirty="0">
@@ -4704,95 +4654,6 @@
                 <a:cs typeface="Calibri" charset="0"/>
               </a:rPr>
               <a:t>[3EC]</a:t>
-            </a:r>
-          </a:p>
-        </p:txBody>
-      </p:sp>
-      <p:sp>
-        <p:nvSpPr>
-          <p:cNvPr id="82" name="Shape 82"/>
-          <p:cNvSpPr/>
-          <p:nvPr/>
-        </p:nvSpPr>
-        <p:spPr>
-          <a:xfrm>
-            <a:off x="38409413" y="15860807"/>
-            <a:ext cx="3829095" cy="2430000"/>
-          </a:xfrm>
-          <a:prstGeom prst="roundRect">
-            <a:avLst>
-              <a:gd name="adj" fmla="val 16667"/>
-            </a:avLst>
-          </a:prstGeom>
-          <a:gradFill flip="none" rotWithShape="1">
-            <a:gsLst>
-              <a:gs pos="0">
-                <a:srgbClr val="C8B2E9"/>
-              </a:gs>
-              <a:gs pos="35000">
-                <a:srgbClr val="D8C9EE"/>
-              </a:gs>
-              <a:gs pos="100000">
-                <a:srgbClr val="F0EAF9"/>
-              </a:gs>
-            </a:gsLst>
-            <a:lin ang="16200000" scaled="0"/>
-          </a:gradFill>
-          <a:ln w="9525" cap="flat">
-            <a:solidFill>
-              <a:srgbClr val="7D60A0"/>
-            </a:solidFill>
-            <a:prstDash val="solid"/>
-            <a:bevel/>
-          </a:ln>
-          <a:effectLst>
-            <a:outerShdw blurRad="38100" dist="20000" dir="5400000" rotWithShape="0">
-              <a:srgbClr val="000000">
-                <a:alpha val="38000"/>
-              </a:srgbClr>
-            </a:outerShdw>
-          </a:effectLst>
-        </p:spPr>
-        <p:txBody>
-          <a:bodyPr wrap="square" lIns="0" tIns="0" rIns="0" bIns="0" numCol="1" anchor="ctr">
-            <a:noAutofit/>
-          </a:bodyPr>
-          <a:lstStyle/>
-          <a:p>
-            <a:pPr algn="ctr"/>
-            <a:r>
-              <a:rPr lang="en-US" sz="2900" dirty="0"/>
-              <a:t>[</a:t>
-            </a:r>
-            <a:r>
-              <a:rPr lang="en-US" sz="2900" dirty="0" err="1"/>
-              <a:t>MScB&amp;CS</a:t>
-            </a:r>
-            <a:r>
-              <a:rPr lang="en-US" sz="2900" dirty="0"/>
-              <a:t>] </a:t>
-            </a:r>
-            <a:br>
-              <a:rPr lang="en-US" sz="2900" dirty="0"/>
-            </a:br>
-            <a:r>
-              <a:rPr lang="en-US" sz="2900" dirty="0"/>
-              <a:t>Seminar Combining Symbolic and Statistical Methods in AI </a:t>
-            </a:r>
-            <a:br>
-              <a:rPr lang="en-US" sz="2900" dirty="0"/>
-            </a:br>
-            <a:r>
-              <a:rPr lang="en-US" sz="2900" dirty="0"/>
-              <a:t>(van </a:t>
-            </a:r>
-            <a:r>
-              <a:rPr lang="en-US" sz="2900" dirty="0" err="1"/>
-              <a:t>Harmelen</a:t>
-            </a:r>
-            <a:r>
-              <a:rPr lang="en-US" sz="2900" dirty="0"/>
-              <a:t>)</a:t>
             </a:r>
           </a:p>
         </p:txBody>
@@ -4983,134 +4844,23 @@
               <a:gd name="adj" fmla="val 16667"/>
             </a:avLst>
           </a:prstGeom>
-          <a:ln/>
-        </p:spPr>
-        <p:style>
-          <a:lnRef idx="1">
-            <a:schemeClr val="accent1"/>
-          </a:lnRef>
-          <a:fillRef idx="3">
-            <a:schemeClr val="accent1"/>
-          </a:fillRef>
-          <a:effectRef idx="2">
-            <a:schemeClr val="accent1"/>
-          </a:effectRef>
-          <a:fontRef idx="minor">
-            <a:schemeClr val="lt1"/>
-          </a:fontRef>
-        </p:style>
-        <p:txBody>
-          <a:bodyPr wrap="square" lIns="0" tIns="0" rIns="0" bIns="0" numCol="1" anchor="ctr">
-            <a:noAutofit/>
-          </a:bodyPr>
-          <a:lstStyle/>
-          <a:p>
-            <a:pPr algn="ctr"/>
-            <a:r>
-              <a:rPr lang="en-US" sz="2900" dirty="0">
-                <a:solidFill>
-                  <a:schemeClr val="lt1"/>
-                </a:solidFill>
-                <a:latin typeface="Calibri" charset="0"/>
-                <a:cs typeface="Calibri" charset="0"/>
-              </a:rPr>
-              <a:t>[</a:t>
-            </a:r>
-            <a:r>
-              <a:rPr lang="en-US" sz="2900" dirty="0" err="1">
-                <a:solidFill>
-                  <a:schemeClr val="lt1"/>
-                </a:solidFill>
-                <a:latin typeface="Calibri" charset="0"/>
-                <a:cs typeface="Calibri" charset="0"/>
-              </a:rPr>
-              <a:t>MoL</a:t>
-            </a:r>
-            <a:r>
-              <a:rPr lang="en-US" sz="2900" dirty="0">
-                <a:solidFill>
-                  <a:schemeClr val="lt1"/>
-                </a:solidFill>
-                <a:latin typeface="Calibri" charset="0"/>
-                <a:cs typeface="Calibri" charset="0"/>
-              </a:rPr>
-              <a:t>-FNWI] </a:t>
-            </a:r>
-            <a:br>
-              <a:rPr lang="en-US" sz="2900" dirty="0">
-                <a:solidFill>
-                  <a:schemeClr val="lt1"/>
-                </a:solidFill>
-                <a:latin typeface="Calibri" charset="0"/>
-                <a:cs typeface="Calibri" charset="0"/>
-              </a:rPr>
-            </a:br>
-            <a:r>
-              <a:rPr lang="en-US" sz="2900" dirty="0">
-                <a:solidFill>
-                  <a:schemeClr val="lt1"/>
-                </a:solidFill>
-                <a:latin typeface="Calibri" charset="0"/>
-                <a:cs typeface="Calibri" charset="0"/>
-              </a:rPr>
-              <a:t>Logical Methods in Cognitive Science (</a:t>
-            </a:r>
-            <a:r>
-              <a:rPr lang="en-US" sz="2900" dirty="0" err="1">
-                <a:solidFill>
-                  <a:schemeClr val="lt1"/>
-                </a:solidFill>
-                <a:latin typeface="Calibri" charset="0"/>
-                <a:cs typeface="Calibri" charset="0"/>
-              </a:rPr>
-              <a:t>Szymanik</a:t>
-            </a:r>
-            <a:r>
-              <a:rPr lang="en-US" sz="2900" dirty="0">
-                <a:solidFill>
-                  <a:schemeClr val="lt1"/>
-                </a:solidFill>
-                <a:latin typeface="Calibri" charset="0"/>
-                <a:cs typeface="Calibri" charset="0"/>
-              </a:rPr>
-              <a:t>)</a:t>
-            </a:r>
-          </a:p>
-        </p:txBody>
-      </p:sp>
-      <p:sp>
-        <p:nvSpPr>
-          <p:cNvPr id="166" name="Shape 166"/>
-          <p:cNvSpPr/>
-          <p:nvPr/>
-        </p:nvSpPr>
-        <p:spPr>
-          <a:xfrm>
-            <a:off x="30522548" y="13218039"/>
-            <a:ext cx="3276000" cy="2430000"/>
-          </a:xfrm>
-          <a:prstGeom prst="roundRect">
-            <a:avLst>
-              <a:gd name="adj" fmla="val 16667"/>
-            </a:avLst>
-          </a:prstGeom>
           <a:gradFill flip="none" rotWithShape="1">
             <a:gsLst>
               <a:gs pos="0">
-                <a:srgbClr val="C8B2E9"/>
+                <a:srgbClr val="DAFEA4"/>
               </a:gs>
               <a:gs pos="35000">
-                <a:srgbClr val="D8C9EE"/>
+                <a:srgbClr val="E4FDBF"/>
               </a:gs>
               <a:gs pos="100000">
-                <a:srgbClr val="F0EAF9"/>
+                <a:srgbClr val="F5FFE6"/>
               </a:gs>
             </a:gsLst>
             <a:lin ang="16200000" scaled="0"/>
           </a:gradFill>
           <a:ln w="9525" cap="flat">
             <a:solidFill>
-              <a:srgbClr val="7D60A0"/>
+              <a:srgbClr val="98B955"/>
             </a:solidFill>
             <a:prstDash val="solid"/>
             <a:bevel/>
@@ -5129,28 +4879,139 @@
           </a:bodyPr>
           <a:lstStyle/>
           <a:p>
-            <a:pPr lvl="0" algn="ctr">
-              <a:defRPr sz="1800"/>
-            </a:pPr>
-            <a:r>
-              <a:rPr lang="en-US" sz="2900" dirty="0"/>
+            <a:pPr algn="ctr"/>
+            <a:r>
+              <a:rPr lang="en-US" sz="2900" dirty="0">
+                <a:latin typeface="Calibri"/>
+                <a:cs typeface="Calibri"/>
+              </a:rPr>
               <a:t>[</a:t>
             </a:r>
             <a:r>
-              <a:rPr lang="en-US" sz="2900" dirty="0" err="1"/>
+              <a:rPr lang="en-US" sz="2900" dirty="0" err="1">
+                <a:latin typeface="Calibri"/>
+                <a:cs typeface="Calibri"/>
+              </a:rPr>
+              <a:t>MoL</a:t>
+            </a:r>
+            <a:r>
+              <a:rPr lang="en-US" sz="2900" dirty="0">
+                <a:latin typeface="Calibri"/>
+                <a:cs typeface="Calibri"/>
+              </a:rPr>
+              <a:t>-FNWI] Semantics and Cognition (</a:t>
+            </a:r>
+            <a:r>
+              <a:rPr lang="en-US" sz="2900" dirty="0" err="1">
+                <a:latin typeface="Calibri"/>
+                <a:cs typeface="Calibri"/>
+              </a:rPr>
+              <a:t>Szymanik</a:t>
+            </a:r>
+            <a:r>
+              <a:rPr lang="en-US" sz="2900" dirty="0">
+                <a:latin typeface="Calibri"/>
+                <a:cs typeface="Calibri"/>
+              </a:rPr>
+              <a:t>)</a:t>
+            </a:r>
+          </a:p>
+        </p:txBody>
+      </p:sp>
+      <p:sp>
+        <p:nvSpPr>
+          <p:cNvPr id="166" name="Shape 166"/>
+          <p:cNvSpPr/>
+          <p:nvPr/>
+        </p:nvSpPr>
+        <p:spPr>
+          <a:xfrm>
+            <a:off x="30622761" y="13216708"/>
+            <a:ext cx="3276000" cy="2430000"/>
+          </a:xfrm>
+          <a:prstGeom prst="roundRect">
+            <a:avLst>
+              <a:gd name="adj" fmla="val 16667"/>
+            </a:avLst>
+          </a:prstGeom>
+          <a:ln>
+            <a:noFill/>
+          </a:ln>
+        </p:spPr>
+        <p:style>
+          <a:lnRef idx="1">
+            <a:schemeClr val="dk1"/>
+          </a:lnRef>
+          <a:fillRef idx="2">
+            <a:schemeClr val="dk1"/>
+          </a:fillRef>
+          <a:effectRef idx="1">
+            <a:schemeClr val="dk1"/>
+          </a:effectRef>
+          <a:fontRef idx="minor">
+            <a:schemeClr val="dk1"/>
+          </a:fontRef>
+        </p:style>
+        <p:txBody>
+          <a:bodyPr wrap="square" lIns="0" tIns="0" rIns="0" bIns="0" numCol="1" anchor="ctr">
+            <a:noAutofit/>
+          </a:bodyPr>
+          <a:lstStyle/>
+          <a:p>
+            <a:pPr algn="ctr"/>
+            <a:r>
+              <a:rPr lang="en-US" sz="2900" dirty="0">
+                <a:solidFill>
+                  <a:schemeClr val="dk1">
+                    <a:alpha val="25000"/>
+                  </a:schemeClr>
+                </a:solidFill>
+                <a:latin typeface="Calibri" charset="0"/>
+                <a:ea typeface="+mn-ea"/>
+                <a:cs typeface="Calibri" charset="0"/>
+              </a:rPr>
+              <a:t>[</a:t>
+            </a:r>
+            <a:r>
+              <a:rPr lang="en-US" sz="2900" dirty="0" err="1">
+                <a:solidFill>
+                  <a:schemeClr val="dk1">
+                    <a:alpha val="25000"/>
+                  </a:schemeClr>
+                </a:solidFill>
+                <a:latin typeface="Calibri" charset="0"/>
+                <a:ea typeface="+mn-ea"/>
+                <a:cs typeface="Calibri" charset="0"/>
+              </a:rPr>
               <a:t>MScB&amp;CS</a:t>
             </a:r>
             <a:r>
-              <a:rPr lang="en-US" sz="2900" dirty="0"/>
+              <a:rPr lang="en-US" sz="2900" dirty="0">
+                <a:solidFill>
+                  <a:schemeClr val="dk1">
+                    <a:alpha val="25000"/>
+                  </a:schemeClr>
+                </a:solidFill>
+                <a:latin typeface="Calibri" charset="0"/>
+                <a:ea typeface="+mn-ea"/>
+                <a:cs typeface="Calibri" charset="0"/>
+              </a:rPr>
               <a:t>] Cognitive Models of Language and Music </a:t>
             </a:r>
           </a:p>
           <a:p>
-            <a:pPr lvl="0" algn="ctr">
-              <a:defRPr sz="1800"/>
-            </a:pPr>
-            <a:r>
-              <a:rPr lang="en-US" sz="2900" dirty="0"/>
+            <a:pPr algn="ctr"/>
+            <a:r>
+              <a:rPr lang="en-US" sz="2900" dirty="0">
+                <a:solidFill>
+                  <a:schemeClr val="dk1">
+                    <a:alpha val="25000"/>
+                  </a:schemeClr>
+                </a:solidFill>
+                <a:latin typeface="Calibri" charset="0"/>
+                <a:ea typeface="+mn-ea"/>
+                <a:cs typeface="Calibri" charset="0"/>
+              </a:rPr>
               <a:t>(Lentz)</a:t>
             </a:r>
           </a:p>
@@ -5240,138 +5101,7 @@
         </p:nvSpPr>
         <p:spPr>
           <a:xfrm>
-            <a:off x="27064299" y="13218039"/>
-            <a:ext cx="3276000" cy="2430000"/>
-          </a:xfrm>
-          <a:prstGeom prst="roundRect">
-            <a:avLst>
-              <a:gd name="adj" fmla="val 16667"/>
-            </a:avLst>
-          </a:prstGeom>
-          <a:ln>
-            <a:noFill/>
-          </a:ln>
-        </p:spPr>
-        <p:style>
-          <a:lnRef idx="1">
-            <a:schemeClr val="dk1"/>
-          </a:lnRef>
-          <a:fillRef idx="2">
-            <a:schemeClr val="dk1"/>
-          </a:fillRef>
-          <a:effectRef idx="1">
-            <a:schemeClr val="dk1"/>
-          </a:effectRef>
-          <a:fontRef idx="minor">
-            <a:schemeClr val="dk1"/>
-          </a:fontRef>
-        </p:style>
-        <p:txBody>
-          <a:bodyPr wrap="square" lIns="0" tIns="0" rIns="0" bIns="0" numCol="1" anchor="ctr">
-            <a:noAutofit/>
-          </a:bodyPr>
-          <a:lstStyle/>
-          <a:p>
-            <a:pPr algn="ctr"/>
-            <a:r>
-              <a:rPr lang="en-US" sz="2900" dirty="0">
-                <a:solidFill>
-                  <a:schemeClr val="dk1">
-                    <a:alpha val="25000"/>
-                  </a:schemeClr>
-                </a:solidFill>
-                <a:latin typeface="Calibri" charset="0"/>
-                <a:cs typeface="Calibri" charset="0"/>
-              </a:rPr>
-              <a:t>[</a:t>
-            </a:r>
-            <a:r>
-              <a:rPr lang="en-US" sz="2900" dirty="0" err="1">
-                <a:solidFill>
-                  <a:schemeClr val="dk1">
-                    <a:alpha val="25000"/>
-                  </a:schemeClr>
-                </a:solidFill>
-                <a:latin typeface="Calibri" charset="0"/>
-                <a:cs typeface="Calibri" charset="0"/>
-              </a:rPr>
-              <a:t>MoL</a:t>
-            </a:r>
-            <a:r>
-              <a:rPr lang="en-US" sz="2900" dirty="0">
-                <a:solidFill>
-                  <a:schemeClr val="dk1">
-                    <a:alpha val="25000"/>
-                  </a:schemeClr>
-                </a:solidFill>
-                <a:latin typeface="Calibri" charset="0"/>
-                <a:cs typeface="Calibri" charset="0"/>
-              </a:rPr>
-              <a:t>-FNWI] </a:t>
-            </a:r>
-            <a:br>
-              <a:rPr lang="en-US" sz="2900" dirty="0">
-                <a:solidFill>
-                  <a:schemeClr val="dk1">
-                    <a:alpha val="25000"/>
-                  </a:schemeClr>
-                </a:solidFill>
-                <a:latin typeface="Calibri" charset="0"/>
-                <a:cs typeface="Calibri" charset="0"/>
-              </a:rPr>
-            </a:br>
-            <a:r>
-              <a:rPr lang="en-US" sz="2900" dirty="0">
-                <a:solidFill>
-                  <a:schemeClr val="dk1">
-                    <a:alpha val="25000"/>
-                  </a:schemeClr>
-                </a:solidFill>
-                <a:latin typeface="Calibri" charset="0"/>
-                <a:cs typeface="Calibri" charset="0"/>
-              </a:rPr>
-              <a:t>Comp Semantics and Pragmatics (Fernandez)</a:t>
-            </a:r>
-            <a:br>
-              <a:rPr lang="en-US" sz="2900" dirty="0">
-                <a:solidFill>
-                  <a:schemeClr val="dk1">
-                    <a:alpha val="25000"/>
-                  </a:schemeClr>
-                </a:solidFill>
-                <a:latin typeface="Calibri" charset="0"/>
-                <a:cs typeface="Calibri" charset="0"/>
-              </a:rPr>
-            </a:br>
-            <a:r>
-              <a:rPr lang="en-US" sz="2900" dirty="0">
-                <a:latin typeface="Calibri" charset="0"/>
-                <a:ea typeface="Calibri" charset="0"/>
-                <a:cs typeface="Calibri" charset="0"/>
-              </a:rPr>
-              <a:t>in 2019/20 only</a:t>
-            </a:r>
-            <a:endParaRPr lang="en-US" sz="2900" dirty="0">
-              <a:solidFill>
-                <a:schemeClr val="dk1">
-                  <a:alpha val="25000"/>
-                </a:schemeClr>
-              </a:solidFill>
-              <a:latin typeface="Calibri" charset="0"/>
-              <a:cs typeface="Calibri" charset="0"/>
-            </a:endParaRPr>
-          </a:p>
-        </p:txBody>
-      </p:sp>
-      <p:sp>
-        <p:nvSpPr>
-          <p:cNvPr id="196" name="Shape 196"/>
-          <p:cNvSpPr/>
-          <p:nvPr/>
-        </p:nvSpPr>
-        <p:spPr>
-          <a:xfrm>
-            <a:off x="38835849" y="13202251"/>
+            <a:off x="27064299" y="13217962"/>
             <a:ext cx="3276000" cy="2430000"/>
           </a:xfrm>
           <a:prstGeom prst="roundRect">
@@ -5414,42 +5144,179 @@
           </a:bodyPr>
           <a:lstStyle/>
           <a:p>
-            <a:pPr lvl="0" algn="ctr">
-              <a:defRPr sz="1800"/>
-            </a:pPr>
-            <a:r>
-              <a:rPr lang="en-US" sz="2900" dirty="0"/>
+            <a:pPr algn="ctr"/>
+            <a:r>
+              <a:rPr lang="en-US" sz="2900" dirty="0">
+                <a:latin typeface="Calibri"/>
+                <a:cs typeface="Calibri"/>
+              </a:rPr>
               <a:t>[</a:t>
             </a:r>
             <a:r>
-              <a:rPr lang="en-US" sz="2900" dirty="0" err="1"/>
+              <a:rPr lang="en-US" sz="2900" dirty="0" err="1">
+                <a:latin typeface="Calibri"/>
+                <a:cs typeface="Calibri"/>
+              </a:rPr>
+              <a:t>MoL</a:t>
+            </a:r>
+            <a:r>
+              <a:rPr lang="en-US" sz="2900" dirty="0">
+                <a:latin typeface="Calibri"/>
+                <a:cs typeface="Calibri"/>
+              </a:rPr>
+              <a:t>-FNWI] </a:t>
+            </a:r>
+            <a:br>
+              <a:rPr lang="en-US" sz="2900" dirty="0">
+                <a:latin typeface="Calibri"/>
+                <a:cs typeface="Calibri"/>
+              </a:rPr>
+            </a:br>
+            <a:r>
+              <a:rPr lang="en-US" sz="2900" dirty="0">
+                <a:latin typeface="Calibri"/>
+                <a:cs typeface="Calibri"/>
+              </a:rPr>
+              <a:t>Computational Dialogue Modelling (Fernandez)</a:t>
+            </a:r>
+          </a:p>
+        </p:txBody>
+      </p:sp>
+      <p:sp>
+        <p:nvSpPr>
+          <p:cNvPr id="196" name="Shape 196"/>
+          <p:cNvSpPr/>
+          <p:nvPr/>
+        </p:nvSpPr>
+        <p:spPr>
+          <a:xfrm>
+            <a:off x="38653123" y="15919297"/>
+            <a:ext cx="3276000" cy="2430000"/>
+          </a:xfrm>
+          <a:prstGeom prst="roundRect">
+            <a:avLst>
+              <a:gd name="adj" fmla="val 16667"/>
+            </a:avLst>
+          </a:prstGeom>
+          <a:ln/>
+        </p:spPr>
+        <p:style>
+          <a:lnRef idx="1">
+            <a:schemeClr val="accent1"/>
+          </a:lnRef>
+          <a:fillRef idx="3">
+            <a:schemeClr val="accent1"/>
+          </a:fillRef>
+          <a:effectRef idx="2">
+            <a:schemeClr val="accent1"/>
+          </a:effectRef>
+          <a:fontRef idx="minor">
+            <a:schemeClr val="lt1"/>
+          </a:fontRef>
+        </p:style>
+        <p:txBody>
+          <a:bodyPr wrap="square" lIns="0" tIns="0" rIns="0" bIns="0" numCol="1" anchor="ctr">
+            <a:noAutofit/>
+          </a:bodyPr>
+          <a:lstStyle/>
+          <a:p>
+            <a:pPr algn="ctr"/>
+            <a:r>
+              <a:rPr lang="en-US" sz="2900" dirty="0">
+                <a:solidFill>
+                  <a:schemeClr val="lt1"/>
+                </a:solidFill>
+                <a:latin typeface="Calibri" charset="0"/>
+                <a:ea typeface="+mn-ea"/>
+                <a:cs typeface="Calibri" charset="0"/>
+              </a:rPr>
+              <a:t>[</a:t>
+            </a:r>
+            <a:r>
+              <a:rPr lang="en-US" sz="2900" dirty="0" err="1">
+                <a:solidFill>
+                  <a:schemeClr val="lt1"/>
+                </a:solidFill>
+                <a:latin typeface="Calibri" charset="0"/>
+                <a:ea typeface="+mn-ea"/>
+                <a:cs typeface="Calibri" charset="0"/>
+              </a:rPr>
               <a:t>MScAI</a:t>
             </a:r>
             <a:r>
-              <a:rPr lang="en-US" sz="2900" dirty="0"/>
+              <a:rPr lang="en-US" sz="2900" dirty="0">
+                <a:solidFill>
+                  <a:schemeClr val="lt1"/>
+                </a:solidFill>
+                <a:latin typeface="Calibri" charset="0"/>
+                <a:ea typeface="+mn-ea"/>
+                <a:cs typeface="Calibri" charset="0"/>
+              </a:rPr>
               <a:t>] </a:t>
             </a:r>
             <a:br>
-              <a:rPr lang="en-US" sz="2900" dirty="0"/>
+              <a:rPr lang="en-US" sz="2900" dirty="0">
+                <a:solidFill>
+                  <a:schemeClr val="lt1"/>
+                </a:solidFill>
+                <a:latin typeface="Calibri" charset="0"/>
+                <a:ea typeface="+mn-ea"/>
+                <a:cs typeface="Calibri" charset="0"/>
+              </a:rPr>
             </a:br>
             <a:r>
-              <a:rPr lang="en-US" sz="2900" dirty="0"/>
-              <a:t>Statistical Methods for Natural Language Semantics</a:t>
+              <a:rPr lang="en-US" sz="2900" dirty="0">
+                <a:solidFill>
+                  <a:schemeClr val="lt1"/>
+                </a:solidFill>
+                <a:latin typeface="Calibri" charset="0"/>
+                <a:ea typeface="+mn-ea"/>
+                <a:cs typeface="Calibri" charset="0"/>
+              </a:rPr>
+              <a:t>Deep Learning for Natural Language Processing</a:t>
             </a:r>
             <a:br>
-              <a:rPr lang="en-US" sz="2900" dirty="0"/>
+              <a:rPr lang="en-US" sz="2900" dirty="0">
+                <a:solidFill>
+                  <a:schemeClr val="lt1"/>
+                </a:solidFill>
+                <a:latin typeface="Calibri" charset="0"/>
+                <a:ea typeface="+mn-ea"/>
+                <a:cs typeface="Calibri" charset="0"/>
+              </a:rPr>
             </a:br>
             <a:r>
-              <a:rPr lang="en-US" sz="2900" dirty="0"/>
+              <a:rPr lang="en-US" sz="2900" dirty="0">
+                <a:solidFill>
+                  <a:schemeClr val="lt1"/>
+                </a:solidFill>
+                <a:latin typeface="Calibri" charset="0"/>
+                <a:ea typeface="+mn-ea"/>
+                <a:cs typeface="Calibri" charset="0"/>
+              </a:rPr>
               <a:t>(</a:t>
             </a:r>
             <a:r>
-              <a:rPr lang="en-US" sz="2900" dirty="0" err="1"/>
-              <a:t>Shutova</a:t>
-            </a:r>
-            <a:r>
-              <a:rPr lang="en-US" sz="2900" dirty="0"/>
-              <a:t>)</a:t>
+              <a:rPr lang="en-US" sz="2900" dirty="0" err="1">
+                <a:solidFill>
+                  <a:schemeClr val="lt1"/>
+                </a:solidFill>
+                <a:latin typeface="Calibri" charset="0"/>
+                <a:ea typeface="+mn-ea"/>
+                <a:cs typeface="Calibri" charset="0"/>
+              </a:rPr>
+              <a:t>Monz</a:t>
+            </a:r>
+            <a:r>
+              <a:rPr lang="en-US" sz="2900" dirty="0">
+                <a:solidFill>
+                  <a:schemeClr val="lt1"/>
+                </a:solidFill>
+                <a:latin typeface="Calibri" charset="0"/>
+                <a:ea typeface="+mn-ea"/>
+                <a:cs typeface="Calibri" charset="0"/>
+              </a:rPr>
+              <a:t>, Aziz)</a:t>
             </a:r>
           </a:p>
         </p:txBody>
@@ -5525,7 +5392,23 @@
             </a:br>
             <a:r>
               <a:rPr lang="en-US" sz="2900" dirty="0"/>
-              <a:t>Natural Language Processing 2 (Sima'an)</a:t>
+              <a:t>Natural Language Processing 2 (</a:t>
+            </a:r>
+            <a:r>
+              <a:rPr lang="en-US" sz="2900" dirty="0" err="1"/>
+              <a:t>Zuidema</a:t>
+            </a:r>
+            <a:r>
+              <a:rPr lang="en-US" sz="2900" dirty="0"/>
+              <a:t>, </a:t>
+            </a:r>
+            <a:r>
+              <a:rPr lang="en-US" sz="2900" dirty="0" err="1"/>
+              <a:t>coord</a:t>
+            </a:r>
+            <a:r>
+              <a:rPr lang="en-US" sz="2900" dirty="0"/>
+              <a:t>)</a:t>
             </a:r>
           </a:p>
         </p:txBody>
@@ -5615,22 +5498,20 @@
               <a:gd name="adj" fmla="val 16667"/>
             </a:avLst>
           </a:prstGeom>
-          <a:ln>
-            <a:noFill/>
-          </a:ln>
+          <a:ln/>
         </p:spPr>
         <p:style>
           <a:lnRef idx="1">
-            <a:schemeClr val="dk1"/>
+            <a:schemeClr val="accent1"/>
           </a:lnRef>
-          <a:fillRef idx="2">
-            <a:schemeClr val="dk1"/>
+          <a:fillRef idx="3">
+            <a:schemeClr val="accent1"/>
           </a:fillRef>
-          <a:effectRef idx="1">
-            <a:schemeClr val="dk1"/>
+          <a:effectRef idx="2">
+            <a:schemeClr val="accent1"/>
           </a:effectRef>
           <a:fontRef idx="minor">
-            <a:schemeClr val="dk1"/>
+            <a:schemeClr val="lt1"/>
           </a:fontRef>
         </p:style>
         <p:txBody>
@@ -5643,12 +5524,9 @@
             <a:r>
               <a:rPr lang="en-US" sz="2900" dirty="0">
                 <a:solidFill>
-                  <a:schemeClr val="dk1">
-                    <a:alpha val="25000"/>
-                  </a:schemeClr>
+                  <a:schemeClr val="lt1"/>
                 </a:solidFill>
                 <a:latin typeface="Calibri" charset="0"/>
-                <a:ea typeface="+mn-ea"/>
                 <a:cs typeface="Calibri" charset="0"/>
               </a:rPr>
               <a:t>[MoL-FGW] Rationality, Cognition and Reasoning </a:t>
@@ -5656,24 +5534,18 @@
             <a:br>
               <a:rPr lang="en-US" sz="2900" dirty="0">
                 <a:solidFill>
-                  <a:schemeClr val="dk1">
-                    <a:alpha val="25000"/>
-                  </a:schemeClr>
+                  <a:schemeClr val="lt1"/>
                 </a:solidFill>
                 <a:latin typeface="Calibri" charset="0"/>
-                <a:ea typeface="+mn-ea"/>
                 <a:cs typeface="Calibri" charset="0"/>
               </a:rPr>
             </a:br>
             <a:r>
               <a:rPr lang="en-US" sz="2900" dirty="0">
                 <a:solidFill>
-                  <a:schemeClr val="dk1">
-                    <a:alpha val="25000"/>
-                  </a:schemeClr>
+                  <a:schemeClr val="lt1"/>
                 </a:solidFill>
                 <a:latin typeface="Calibri" charset="0"/>
-                <a:ea typeface="+mn-ea"/>
                 <a:cs typeface="Calibri" charset="0"/>
               </a:rPr>
               <a:t>(van </a:t>
@@ -5681,12 +5553,9 @@
             <a:r>
               <a:rPr lang="en-US" sz="2900" dirty="0" err="1">
                 <a:solidFill>
-                  <a:schemeClr val="dk1">
-                    <a:alpha val="25000"/>
-                  </a:schemeClr>
+                  <a:schemeClr val="lt1"/>
                 </a:solidFill>
                 <a:latin typeface="Calibri" charset="0"/>
-                <a:ea typeface="+mn-ea"/>
                 <a:cs typeface="Calibri" charset="0"/>
               </a:rPr>
               <a:t>Lambalgen</a:t>
@@ -5694,46 +5563,13 @@
             <a:r>
               <a:rPr lang="en-US" sz="2900" dirty="0">
                 <a:solidFill>
-                  <a:schemeClr val="dk1">
-                    <a:alpha val="25000"/>
-                  </a:schemeClr>
+                  <a:schemeClr val="lt1"/>
                 </a:solidFill>
                 <a:latin typeface="Calibri" charset="0"/>
-                <a:ea typeface="+mn-ea"/>
                 <a:cs typeface="Calibri" charset="0"/>
               </a:rPr>
               <a:t>)</a:t>
             </a:r>
-            <a:br>
-              <a:rPr lang="en-US" sz="2900" dirty="0">
-                <a:solidFill>
-                  <a:schemeClr val="dk1">
-                    <a:alpha val="25000"/>
-                  </a:schemeClr>
-                </a:solidFill>
-                <a:latin typeface="Calibri" charset="0"/>
-                <a:ea typeface="+mn-ea"/>
-                <a:cs typeface="Calibri" charset="0"/>
-              </a:rPr>
-            </a:br>
-            <a:r>
-              <a:rPr lang="en-US" sz="2900" dirty="0">
-                <a:latin typeface="Calibri" charset="0"/>
-                <a:ea typeface="Calibri" charset="0"/>
-                <a:cs typeface="Calibri" charset="0"/>
-              </a:rPr>
-              <a:t>in 2019/20 only</a:t>
-            </a:r>
-            <a:endParaRPr lang="en-US" sz="2900" dirty="0">
-              <a:solidFill>
-                <a:schemeClr val="dk1">
-                  <a:alpha val="25000"/>
-                </a:schemeClr>
-              </a:solidFill>
-              <a:latin typeface="Calibri" charset="0"/>
-              <a:ea typeface="+mn-ea"/>
-              <a:cs typeface="Calibri" charset="0"/>
-            </a:endParaRPr>
           </a:p>
         </p:txBody>
       </p:sp>
@@ -5924,35 +5760,22 @@
               <a:gd name="adj" fmla="val 16667"/>
             </a:avLst>
           </a:prstGeom>
-          <a:gradFill flip="none" rotWithShape="1">
-            <a:gsLst>
-              <a:gs pos="0">
-                <a:srgbClr val="FFD1BB"/>
-              </a:gs>
-              <a:gs pos="35000">
-                <a:srgbClr val="FFDECF"/>
-              </a:gs>
-              <a:gs pos="100000">
-                <a:srgbClr val="FFF2ED"/>
-              </a:gs>
-            </a:gsLst>
-            <a:lin ang="16200000" scaled="0"/>
-          </a:gradFill>
-          <a:ln w="9525" cap="flat">
-            <a:solidFill>
-              <a:srgbClr val="F69240"/>
-            </a:solidFill>
-            <a:prstDash val="solid"/>
-            <a:bevel/>
-          </a:ln>
-          <a:effectLst>
-            <a:outerShdw blurRad="38100" dist="20000" dir="5400000" rotWithShape="0">
-              <a:srgbClr val="000000">
-                <a:alpha val="38000"/>
-              </a:srgbClr>
-            </a:outerShdw>
-          </a:effectLst>
+          <a:ln/>
         </p:spPr>
+        <p:style>
+          <a:lnRef idx="1">
+            <a:schemeClr val="accent1"/>
+          </a:lnRef>
+          <a:fillRef idx="3">
+            <a:schemeClr val="accent1"/>
+          </a:fillRef>
+          <a:effectRef idx="2">
+            <a:schemeClr val="accent1"/>
+          </a:effectRef>
+          <a:fontRef idx="minor">
+            <a:schemeClr val="lt1"/>
+          </a:fontRef>
+        </p:style>
         <p:txBody>
           <a:bodyPr wrap="square" lIns="0" tIns="0" rIns="0" bIns="0" numCol="1" anchor="ctr">
             <a:noAutofit/>
@@ -5962,48 +5785,69 @@
             <a:pPr algn="ctr"/>
             <a:r>
               <a:rPr lang="en-US" sz="2900" dirty="0">
-                <a:latin typeface="Calibri"/>
-                <a:cs typeface="Calibri"/>
+                <a:solidFill>
+                  <a:schemeClr val="lt1"/>
+                </a:solidFill>
+                <a:latin typeface="Calibri" charset="0"/>
+                <a:cs typeface="Calibri" charset="0"/>
               </a:rPr>
               <a:t>[</a:t>
             </a:r>
             <a:r>
               <a:rPr lang="en-US" sz="2900" dirty="0" err="1">
-                <a:latin typeface="Calibri"/>
-                <a:cs typeface="Calibri"/>
+                <a:solidFill>
+                  <a:schemeClr val="lt1"/>
+                </a:solidFill>
+                <a:latin typeface="Calibri" charset="0"/>
+                <a:cs typeface="Calibri" charset="0"/>
               </a:rPr>
               <a:t>MoL</a:t>
             </a:r>
             <a:r>
               <a:rPr lang="en-US" sz="2900" dirty="0">
-                <a:latin typeface="Calibri"/>
-                <a:cs typeface="Calibri"/>
+                <a:solidFill>
+                  <a:schemeClr val="lt1"/>
+                </a:solidFill>
+                <a:latin typeface="Calibri" charset="0"/>
+                <a:cs typeface="Calibri" charset="0"/>
               </a:rPr>
               <a:t>-FNWI] </a:t>
             </a:r>
             <a:br>
               <a:rPr lang="en-US" sz="2900" dirty="0">
-                <a:latin typeface="Calibri"/>
-                <a:cs typeface="Calibri"/>
+                <a:solidFill>
+                  <a:schemeClr val="lt1"/>
+                </a:solidFill>
+                <a:latin typeface="Calibri" charset="0"/>
+                <a:cs typeface="Calibri" charset="0"/>
               </a:rPr>
             </a:br>
             <a:r>
               <a:rPr lang="en-US" sz="2900" dirty="0">
-                <a:latin typeface="Calibri"/>
-                <a:cs typeface="Calibri"/>
+                <a:solidFill>
+                  <a:schemeClr val="lt1"/>
+                </a:solidFill>
+                <a:latin typeface="Calibri" charset="0"/>
+                <a:cs typeface="Calibri" charset="0"/>
               </a:rPr>
               <a:t>Epistemic Paradoxes and Philosophical Puzzles </a:t>
             </a:r>
             <a:br>
               <a:rPr lang="en-US" sz="2900" dirty="0">
-                <a:latin typeface="Calibri"/>
-                <a:cs typeface="Calibri"/>
+                <a:solidFill>
+                  <a:schemeClr val="lt1"/>
+                </a:solidFill>
+                <a:latin typeface="Calibri" charset="0"/>
+                <a:cs typeface="Calibri" charset="0"/>
               </a:rPr>
             </a:br>
             <a:r>
               <a:rPr lang="en-US" sz="2900" dirty="0">
-                <a:latin typeface="Calibri"/>
-                <a:cs typeface="Calibri"/>
+                <a:solidFill>
+                  <a:schemeClr val="lt1"/>
+                </a:solidFill>
+                <a:latin typeface="Calibri" charset="0"/>
+                <a:cs typeface="Calibri" charset="0"/>
               </a:rPr>
               <a:t>(Smets)</a:t>
             </a:r>
@@ -6205,20 +6049,20 @@
           <a:gradFill flip="none" rotWithShape="1">
             <a:gsLst>
               <a:gs pos="0">
-                <a:srgbClr val="DAFEA4"/>
+                <a:srgbClr val="C8B2E9"/>
               </a:gs>
               <a:gs pos="35000">
-                <a:srgbClr val="E4FDBF"/>
+                <a:srgbClr val="D8C9EE"/>
               </a:gs>
               <a:gs pos="100000">
-                <a:srgbClr val="F5FFE6"/>
+                <a:srgbClr val="F0EAF9"/>
               </a:gs>
             </a:gsLst>
             <a:lin ang="16200000" scaled="0"/>
           </a:gradFill>
           <a:ln w="9525" cap="flat">
             <a:solidFill>
-              <a:srgbClr val="98B955"/>
+              <a:srgbClr val="7D60A0"/>
             </a:solidFill>
             <a:prstDash val="solid"/>
             <a:bevel/>
@@ -6294,20 +6138,20 @@
           <a:gradFill flip="none" rotWithShape="1">
             <a:gsLst>
               <a:gs pos="0">
-                <a:srgbClr val="DAFEA4"/>
+                <a:srgbClr val="FFD1BB"/>
               </a:gs>
               <a:gs pos="35000">
-                <a:srgbClr val="E4FDBF"/>
+                <a:srgbClr val="FFDECF"/>
               </a:gs>
               <a:gs pos="100000">
-                <a:srgbClr val="F5FFE6"/>
+                <a:srgbClr val="FFF2ED"/>
               </a:gs>
             </a:gsLst>
             <a:lin ang="16200000" scaled="0"/>
           </a:gradFill>
           <a:ln w="9525" cap="flat">
             <a:solidFill>
-              <a:srgbClr val="98B955"/>
+              <a:srgbClr val="F69240"/>
             </a:solidFill>
             <a:prstDash val="solid"/>
             <a:bevel/>
@@ -6326,9 +6170,7 @@
           </a:bodyPr>
           <a:lstStyle/>
           <a:p>
-            <a:pPr lvl="0" algn="ctr">
-              <a:defRPr sz="1800"/>
-            </a:pPr>
+            <a:pPr algn="ctr"/>
             <a:r>
               <a:rPr lang="en-US" sz="2900" dirty="0"/>
               <a:t>[</a:t>
@@ -6415,23 +6257,7 @@
             </a:r>
             <a:r>
               <a:rPr lang="en-US" sz="2900" dirty="0"/>
-              <a:t>-FGW] </a:t>
-            </a:r>
-          </a:p>
-          <a:p>
-            <a:pPr lvl="0" algn="ctr">
-              <a:defRPr sz="1800"/>
-            </a:pPr>
-            <a:r>
-              <a:rPr lang="en-US" sz="2900" dirty="0"/>
-              <a:t>Ontology: Philosophical Perspectives</a:t>
-            </a:r>
-            <a:br>
-              <a:rPr lang="en-US" sz="2900" dirty="0"/>
-            </a:br>
-            <a:r>
-              <a:rPr lang="en-US" sz="2900" dirty="0"/>
-              <a:t>(TBC)</a:t>
+              <a:t>-FGW]  Ontology: Philosophical Perspectives (Schipper) </a:t>
             </a:r>
           </a:p>
         </p:txBody>
@@ -6522,27 +6348,7 @@
                 <a:latin typeface="Calibri" charset="0"/>
                 <a:cs typeface="Calibri" charset="0"/>
               </a:rPr>
-              <a:t>(</a:t>
-            </a:r>
-            <a:r>
-              <a:rPr lang="en-US" sz="2900" dirty="0" err="1">
-                <a:solidFill>
-                  <a:schemeClr val="lt1"/>
-                </a:solidFill>
-                <a:latin typeface="Calibri" charset="0"/>
-                <a:cs typeface="Calibri" charset="0"/>
-              </a:rPr>
-              <a:t>Cremers</a:t>
-            </a:r>
-            <a:r>
-              <a:rPr lang="en-US" sz="2900" dirty="0">
-                <a:solidFill>
-                  <a:schemeClr val="lt1"/>
-                </a:solidFill>
-                <a:latin typeface="Calibri" charset="0"/>
-                <a:cs typeface="Calibri" charset="0"/>
-              </a:rPr>
-              <a:t>) </a:t>
+              <a:t>(Aziz) </a:t>
             </a:r>
             <a:br>
               <a:rPr lang="en-US" sz="2900" dirty="0">
@@ -6574,7 +6380,7 @@
         </p:nvSpPr>
         <p:spPr>
           <a:xfrm>
-            <a:off x="23014565" y="21560736"/>
+            <a:off x="23014565" y="27050823"/>
             <a:ext cx="3276000" cy="2430000"/>
           </a:xfrm>
           <a:prstGeom prst="roundRect">
@@ -6828,205 +6634,7 @@
         </p:nvSpPr>
         <p:spPr>
           <a:xfrm>
-            <a:off x="34515371" y="27173194"/>
-            <a:ext cx="3420000" cy="2430000"/>
-          </a:xfrm>
-          <a:prstGeom prst="roundRect">
-            <a:avLst>
-              <a:gd name="adj" fmla="val 16667"/>
-            </a:avLst>
-          </a:prstGeom>
-          <a:gradFill flip="none" rotWithShape="1">
-            <a:gsLst>
-              <a:gs pos="0">
-                <a:srgbClr val="C8B2E9"/>
-              </a:gs>
-              <a:gs pos="35000">
-                <a:srgbClr val="D8C9EE"/>
-              </a:gs>
-              <a:gs pos="100000">
-                <a:srgbClr val="FFD1BB"/>
-              </a:gs>
-            </a:gsLst>
-            <a:lin ang="5400000" scaled="0"/>
-          </a:gradFill>
-          <a:ln w="9525" cap="flat">
-            <a:solidFill>
-              <a:schemeClr val="accent4">
-                <a:lumMod val="75000"/>
-              </a:schemeClr>
-            </a:solidFill>
-            <a:prstDash val="solid"/>
-            <a:bevel/>
-          </a:ln>
-          <a:effectLst>
-            <a:outerShdw blurRad="38100" dist="20000" dir="5400000" rotWithShape="0">
-              <a:srgbClr val="000000">
-                <a:alpha val="38000"/>
-              </a:srgbClr>
-            </a:outerShdw>
-          </a:effectLst>
-        </p:spPr>
-        <p:txBody>
-          <a:bodyPr wrap="square" lIns="0" tIns="0" rIns="0" bIns="0" numCol="1" anchor="ctr">
-            <a:noAutofit/>
-          </a:bodyPr>
-          <a:lstStyle/>
-          <a:p>
-            <a:pPr lvl="0" algn="ctr">
-              <a:defRPr sz="1800"/>
-            </a:pPr>
-            <a:r>
-              <a:rPr lang="en-US" sz="2900" dirty="0"/>
-              <a:t>[</a:t>
-            </a:r>
-            <a:r>
-              <a:rPr lang="en-US" sz="2900" dirty="0" err="1"/>
-              <a:t>MastMath-UvA</a:t>
-            </a:r>
-            <a:r>
-              <a:rPr lang="en-US" sz="2900" dirty="0"/>
-              <a:t>] Quantum computing </a:t>
-            </a:r>
-            <a:br>
-              <a:rPr lang="en-US" sz="2900" dirty="0"/>
-            </a:br>
-            <a:r>
-              <a:rPr lang="en-US" sz="2900" dirty="0"/>
-              <a:t>(de Wolf)</a:t>
-            </a:r>
-          </a:p>
-          <a:p>
-            <a:pPr lvl="0" algn="ctr">
-              <a:defRPr sz="1800"/>
-            </a:pPr>
-            <a:r>
-              <a:rPr lang="en-US" sz="2900" dirty="0"/>
-              <a:t>[8EC]</a:t>
-            </a:r>
-          </a:p>
-        </p:txBody>
-      </p:sp>
-      <p:sp>
-        <p:nvSpPr>
-          <p:cNvPr id="160" name="Shape 160"/>
-          <p:cNvSpPr/>
-          <p:nvPr/>
-        </p:nvSpPr>
-        <p:spPr>
-          <a:xfrm>
-            <a:off x="30522548" y="21811674"/>
-            <a:ext cx="3276000" cy="2232000"/>
-          </a:xfrm>
-          <a:prstGeom prst="roundRect">
-            <a:avLst>
-              <a:gd name="adj" fmla="val 16667"/>
-            </a:avLst>
-          </a:prstGeom>
-          <a:ln/>
-        </p:spPr>
-        <p:style>
-          <a:lnRef idx="1">
-            <a:schemeClr val="accent1"/>
-          </a:lnRef>
-          <a:fillRef idx="3">
-            <a:schemeClr val="accent1"/>
-          </a:fillRef>
-          <a:effectRef idx="2">
-            <a:schemeClr val="accent1"/>
-          </a:effectRef>
-          <a:fontRef idx="minor">
-            <a:schemeClr val="lt1"/>
-          </a:fontRef>
-        </p:style>
-        <p:txBody>
-          <a:bodyPr wrap="square" lIns="0" tIns="0" rIns="0" bIns="0" numCol="1" anchor="ctr">
-            <a:noAutofit/>
-          </a:bodyPr>
-          <a:lstStyle/>
-          <a:p>
-            <a:pPr algn="ctr"/>
-            <a:r>
-              <a:rPr lang="en-US" sz="2900" dirty="0">
-                <a:solidFill>
-                  <a:schemeClr val="lt1"/>
-                </a:solidFill>
-                <a:latin typeface="Calibri" charset="0"/>
-                <a:cs typeface="Calibri" charset="0"/>
-              </a:rPr>
-              <a:t>[</a:t>
-            </a:r>
-            <a:r>
-              <a:rPr lang="en-US" sz="2900" dirty="0" err="1">
-                <a:solidFill>
-                  <a:schemeClr val="lt1"/>
-                </a:solidFill>
-                <a:latin typeface="Calibri" charset="0"/>
-                <a:cs typeface="Calibri" charset="0"/>
-              </a:rPr>
-              <a:t>MoL</a:t>
-            </a:r>
-            <a:r>
-              <a:rPr lang="en-US" sz="2900" dirty="0">
-                <a:solidFill>
-                  <a:schemeClr val="lt1"/>
-                </a:solidFill>
-                <a:latin typeface="Calibri" charset="0"/>
-                <a:cs typeface="Calibri" charset="0"/>
-              </a:rPr>
-              <a:t>-FNWI] Computability and Interaction </a:t>
-            </a:r>
-            <a:br>
-              <a:rPr lang="en-US" sz="2900" dirty="0">
-                <a:solidFill>
-                  <a:schemeClr val="lt1"/>
-                </a:solidFill>
-                <a:latin typeface="Calibri" charset="0"/>
-                <a:cs typeface="Calibri" charset="0"/>
-              </a:rPr>
-            </a:br>
-            <a:r>
-              <a:rPr lang="en-US" sz="2900" dirty="0">
-                <a:solidFill>
-                  <a:schemeClr val="lt1"/>
-                </a:solidFill>
-                <a:latin typeface="Calibri" charset="0"/>
-                <a:cs typeface="Calibri" charset="0"/>
-              </a:rPr>
-              <a:t>(</a:t>
-            </a:r>
-            <a:r>
-              <a:rPr lang="en-US" sz="2900" dirty="0" err="1">
-                <a:solidFill>
-                  <a:schemeClr val="lt1"/>
-                </a:solidFill>
-                <a:latin typeface="Calibri" charset="0"/>
-                <a:cs typeface="Calibri" charset="0"/>
-              </a:rPr>
-              <a:t>Baeten</a:t>
-            </a:r>
-            <a:r>
-              <a:rPr lang="en-US" sz="2900" dirty="0">
-                <a:solidFill>
-                  <a:schemeClr val="lt1"/>
-                </a:solidFill>
-                <a:latin typeface="Calibri" charset="0"/>
-                <a:cs typeface="Calibri" charset="0"/>
-              </a:rPr>
-              <a:t>)</a:t>
-            </a:r>
-          </a:p>
-        </p:txBody>
-      </p:sp>
-      <p:sp>
-        <p:nvSpPr>
-          <p:cNvPr id="187" name="Shape 187"/>
-          <p:cNvSpPr/>
-          <p:nvPr/>
-        </p:nvSpPr>
-        <p:spPr>
-          <a:xfrm>
-            <a:off x="30863186" y="24410745"/>
+            <a:off x="34854391" y="27173194"/>
             <a:ext cx="3276000" cy="2430000"/>
           </a:xfrm>
           <a:prstGeom prst="roundRect">
@@ -7071,6 +6679,220 @@
           </a:bodyPr>
           <a:lstStyle/>
           <a:p>
+            <a:pPr lvl="0" algn="ctr">
+              <a:defRPr sz="1800"/>
+            </a:pPr>
+            <a:r>
+              <a:rPr lang="en-US" sz="2900" dirty="0"/>
+              <a:t>[</a:t>
+            </a:r>
+            <a:r>
+              <a:rPr lang="en-US" sz="2900" dirty="0" err="1"/>
+              <a:t>MastMath-UvA</a:t>
+            </a:r>
+            <a:r>
+              <a:rPr lang="en-US" sz="2900" dirty="0"/>
+              <a:t>] Quantum computing </a:t>
+            </a:r>
+            <a:br>
+              <a:rPr lang="en-US" sz="2900" dirty="0"/>
+            </a:br>
+            <a:r>
+              <a:rPr lang="en-US" sz="2900" dirty="0"/>
+              <a:t>(de Wolf)</a:t>
+            </a:r>
+          </a:p>
+          <a:p>
+            <a:pPr lvl="0" algn="ctr">
+              <a:defRPr sz="1800"/>
+            </a:pPr>
+            <a:r>
+              <a:rPr lang="en-US" sz="2900" dirty="0"/>
+              <a:t>[8EC]</a:t>
+            </a:r>
+          </a:p>
+        </p:txBody>
+      </p:sp>
+      <p:sp>
+        <p:nvSpPr>
+          <p:cNvPr id="160" name="Shape 160"/>
+          <p:cNvSpPr/>
+          <p:nvPr/>
+        </p:nvSpPr>
+        <p:spPr>
+          <a:xfrm>
+            <a:off x="38653123" y="21761856"/>
+            <a:ext cx="3276000" cy="2430000"/>
+          </a:xfrm>
+          <a:prstGeom prst="roundRect">
+            <a:avLst>
+              <a:gd name="adj" fmla="val 16667"/>
+            </a:avLst>
+          </a:prstGeom>
+          <a:ln>
+            <a:noFill/>
+          </a:ln>
+        </p:spPr>
+        <p:style>
+          <a:lnRef idx="1">
+            <a:schemeClr val="dk1"/>
+          </a:lnRef>
+          <a:fillRef idx="2">
+            <a:schemeClr val="dk1"/>
+          </a:fillRef>
+          <a:effectRef idx="1">
+            <a:schemeClr val="dk1"/>
+          </a:effectRef>
+          <a:fontRef idx="minor">
+            <a:schemeClr val="dk1"/>
+          </a:fontRef>
+        </p:style>
+        <p:txBody>
+          <a:bodyPr wrap="square" lIns="0" tIns="0" rIns="0" bIns="0" numCol="1" anchor="ctr">
+            <a:noAutofit/>
+          </a:bodyPr>
+          <a:lstStyle/>
+          <a:p>
+            <a:pPr algn="ctr"/>
+            <a:r>
+              <a:rPr lang="en-US" sz="2900" dirty="0">
+                <a:solidFill>
+                  <a:schemeClr val="dk1">
+                    <a:alpha val="25000"/>
+                  </a:schemeClr>
+                </a:solidFill>
+                <a:latin typeface="Calibri" charset="0"/>
+                <a:cs typeface="Calibri" charset="0"/>
+              </a:rPr>
+              <a:t>[</a:t>
+            </a:r>
+            <a:r>
+              <a:rPr lang="en-US" sz="2900" dirty="0" err="1">
+                <a:solidFill>
+                  <a:schemeClr val="dk1">
+                    <a:alpha val="25000"/>
+                  </a:schemeClr>
+                </a:solidFill>
+                <a:latin typeface="Calibri" charset="0"/>
+                <a:cs typeface="Calibri" charset="0"/>
+              </a:rPr>
+              <a:t>MoL</a:t>
+            </a:r>
+            <a:r>
+              <a:rPr lang="en-US" sz="2900" dirty="0">
+                <a:solidFill>
+                  <a:schemeClr val="dk1">
+                    <a:alpha val="25000"/>
+                  </a:schemeClr>
+                </a:solidFill>
+                <a:latin typeface="Calibri" charset="0"/>
+                <a:cs typeface="Calibri" charset="0"/>
+              </a:rPr>
+              <a:t>-FNWI] Computability and Interaction </a:t>
+            </a:r>
+            <a:br>
+              <a:rPr lang="en-US" sz="2900" dirty="0">
+                <a:solidFill>
+                  <a:schemeClr val="dk1">
+                    <a:alpha val="25000"/>
+                  </a:schemeClr>
+                </a:solidFill>
+                <a:latin typeface="Calibri" charset="0"/>
+                <a:cs typeface="Calibri" charset="0"/>
+              </a:rPr>
+            </a:br>
+            <a:r>
+              <a:rPr lang="en-US" sz="2900" dirty="0">
+                <a:solidFill>
+                  <a:schemeClr val="dk1">
+                    <a:alpha val="25000"/>
+                  </a:schemeClr>
+                </a:solidFill>
+                <a:latin typeface="Calibri" charset="0"/>
+                <a:cs typeface="Calibri" charset="0"/>
+              </a:rPr>
+              <a:t>(</a:t>
+            </a:r>
+            <a:r>
+              <a:rPr lang="en-US" sz="2900" dirty="0" err="1">
+                <a:solidFill>
+                  <a:schemeClr val="dk1">
+                    <a:alpha val="25000"/>
+                  </a:schemeClr>
+                </a:solidFill>
+                <a:latin typeface="Calibri" charset="0"/>
+                <a:cs typeface="Calibri" charset="0"/>
+              </a:rPr>
+              <a:t>Baeten</a:t>
+            </a:r>
+            <a:r>
+              <a:rPr lang="en-US" sz="2900" dirty="0">
+                <a:solidFill>
+                  <a:schemeClr val="dk1">
+                    <a:alpha val="25000"/>
+                  </a:schemeClr>
+                </a:solidFill>
+                <a:latin typeface="Calibri" charset="0"/>
+                <a:cs typeface="Calibri" charset="0"/>
+              </a:rPr>
+              <a:t>)</a:t>
+            </a:r>
+          </a:p>
+        </p:txBody>
+      </p:sp>
+      <p:sp>
+        <p:nvSpPr>
+          <p:cNvPr id="187" name="Shape 187"/>
+          <p:cNvSpPr/>
+          <p:nvPr/>
+        </p:nvSpPr>
+        <p:spPr>
+          <a:xfrm>
+            <a:off x="31091852" y="24410745"/>
+            <a:ext cx="3276000" cy="2430000"/>
+          </a:xfrm>
+          <a:prstGeom prst="roundRect">
+            <a:avLst>
+              <a:gd name="adj" fmla="val 16667"/>
+            </a:avLst>
+          </a:prstGeom>
+          <a:gradFill flip="none" rotWithShape="1">
+            <a:gsLst>
+              <a:gs pos="0">
+                <a:srgbClr val="C8B2E9"/>
+              </a:gs>
+              <a:gs pos="35000">
+                <a:srgbClr val="D8C9EE"/>
+              </a:gs>
+              <a:gs pos="100000">
+                <a:srgbClr val="FFD1BB"/>
+              </a:gs>
+            </a:gsLst>
+            <a:lin ang="5400000" scaled="0"/>
+          </a:gradFill>
+          <a:ln w="9525" cap="flat">
+            <a:solidFill>
+              <a:schemeClr val="accent4">
+                <a:lumMod val="75000"/>
+              </a:schemeClr>
+            </a:solidFill>
+            <a:prstDash val="solid"/>
+            <a:bevel/>
+          </a:ln>
+          <a:effectLst>
+            <a:outerShdw blurRad="38100" dist="20000" dir="5400000" rotWithShape="0">
+              <a:srgbClr val="000000">
+                <a:alpha val="38000"/>
+              </a:srgbClr>
+            </a:outerShdw>
+          </a:effectLst>
+        </p:spPr>
+        <p:txBody>
+          <a:bodyPr wrap="square" lIns="0" tIns="0" rIns="0" bIns="0" numCol="1" anchor="ctr">
+            <a:noAutofit/>
+          </a:bodyPr>
+          <a:lstStyle/>
+          <a:p>
             <a:pPr algn="ctr"/>
             <a:r>
               <a:rPr lang="en-US" sz="2900" dirty="0"/>
@@ -7124,10 +6946,10 @@
         </p:nvGrpSpPr>
         <p:grpSpPr>
           <a:xfrm>
-            <a:off x="38481335" y="24289155"/>
-            <a:ext cx="3420000" cy="2579668"/>
-            <a:chOff x="34965653" y="21815433"/>
-            <a:chExt cx="3632244" cy="2579668"/>
+            <a:off x="38653123" y="24231279"/>
+            <a:ext cx="3276000" cy="2609466"/>
+            <a:chOff x="35156122" y="21757557"/>
+            <a:chExt cx="3632244" cy="2609466"/>
           </a:xfrm>
         </p:grpSpPr>
         <p:sp>
@@ -7138,7 +6960,7 @@
           </p:nvSpPr>
           <p:spPr>
             <a:xfrm>
-              <a:off x="34965653" y="21965101"/>
+              <a:off x="35156122" y="21937023"/>
               <a:ext cx="3632244" cy="2430000"/>
             </a:xfrm>
             <a:prstGeom prst="roundRect">
@@ -7213,7 +7035,7 @@
           </p:nvSpPr>
           <p:spPr>
             <a:xfrm>
-              <a:off x="36041663" y="21815433"/>
+              <a:off x="36161721" y="21757557"/>
               <a:ext cx="1497972" cy="1204325"/>
             </a:xfrm>
             <a:prstGeom prst="rect">
@@ -7224,7 +7046,7 @@
             </a:ln>
             <a:extLst>
               <a:ext uri="{C572A759-6A51-4108-AA02-DFA0A04FC94B}">
-                <ma14:wrappingTextBoxFlag xmlns:ma14="http://schemas.microsoft.com/office/mac/drawingml/2011/main" xmlns="" val="1"/>
+                <ma14:wrappingTextBoxFlag xmlns="" xmlns:ma14="http://schemas.microsoft.com/office/mac/drawingml/2011/main" val="1"/>
               </a:ext>
             </a:extLst>
           </p:spPr>
@@ -7258,10 +7080,10 @@
         </p:nvGrpSpPr>
         <p:grpSpPr>
           <a:xfrm>
-            <a:off x="34515371" y="24097082"/>
-            <a:ext cx="3420000" cy="2748468"/>
+            <a:off x="34854395" y="24097082"/>
+            <a:ext cx="3276000" cy="2748468"/>
             <a:chOff x="43340423" y="30726529"/>
-            <a:chExt cx="3632245" cy="2748468"/>
+            <a:chExt cx="3479308" cy="2748468"/>
           </a:xfrm>
         </p:grpSpPr>
         <p:sp>
@@ -7273,7 +7095,7 @@
           <p:spPr>
             <a:xfrm>
               <a:off x="43340423" y="31044997"/>
-              <a:ext cx="3632245" cy="2430000"/>
+              <a:ext cx="3479308" cy="2430000"/>
             </a:xfrm>
             <a:prstGeom prst="roundRect">
               <a:avLst>
@@ -7400,28 +7222,6 @@
                   <a:ea typeface="Calibri" charset="0"/>
                   <a:cs typeface="Calibri" charset="0"/>
                 </a:rPr>
-                <a:t>, </a:t>
-              </a:r>
-              <a:r>
-                <a:rPr lang="en-US" sz="2900" dirty="0" err="1">
-                  <a:solidFill>
-                    <a:schemeClr val="tx1"/>
-                  </a:solidFill>
-                  <a:latin typeface="Calibri" charset="0"/>
-                  <a:ea typeface="Calibri" charset="0"/>
-                  <a:cs typeface="Calibri" charset="0"/>
-                </a:rPr>
-                <a:t>Torenvliet</a:t>
-              </a:r>
-              <a:r>
-                <a:rPr lang="en-US" sz="2900" dirty="0">
-                  <a:solidFill>
-                    <a:schemeClr val="tx1"/>
-                  </a:solidFill>
-                  <a:latin typeface="Calibri" charset="0"/>
-                  <a:ea typeface="Calibri" charset="0"/>
-                  <a:cs typeface="Calibri" charset="0"/>
-                </a:rPr>
                 <a:t>)</a:t>
               </a:r>
             </a:p>
@@ -7446,7 +7246,7 @@
             </a:ln>
             <a:extLst>
               <a:ext uri="{C572A759-6A51-4108-AA02-DFA0A04FC94B}">
-                <ma14:wrappingTextBoxFlag xmlns:ma14="http://schemas.microsoft.com/office/mac/drawingml/2011/main" xmlns="" val="1"/>
+                <ma14:wrappingTextBoxFlag xmlns="" xmlns:ma14="http://schemas.microsoft.com/office/mac/drawingml/2011/main" val="1"/>
               </a:ext>
             </a:extLst>
           </p:spPr>
@@ -7790,28 +7590,30 @@
         </p:nvSpPr>
         <p:spPr>
           <a:xfrm>
-            <a:off x="7908108" y="26653874"/>
-            <a:ext cx="3204000" cy="2376000"/>
+            <a:off x="15266556" y="23300082"/>
+            <a:ext cx="3204000" cy="2430000"/>
           </a:xfrm>
           <a:prstGeom prst="roundRect">
             <a:avLst>
               <a:gd name="adj" fmla="val 16667"/>
             </a:avLst>
           </a:prstGeom>
-          <a:ln/>
+          <a:ln>
+            <a:noFill/>
+          </a:ln>
         </p:spPr>
         <p:style>
           <a:lnRef idx="1">
-            <a:schemeClr val="accent1"/>
+            <a:schemeClr val="dk1"/>
           </a:lnRef>
-          <a:fillRef idx="3">
-            <a:schemeClr val="accent1"/>
+          <a:fillRef idx="2">
+            <a:schemeClr val="dk1"/>
           </a:fillRef>
-          <a:effectRef idx="2">
-            <a:schemeClr val="accent1"/>
+          <a:effectRef idx="1">
+            <a:schemeClr val="dk1"/>
           </a:effectRef>
           <a:fontRef idx="minor">
-            <a:schemeClr val="lt1"/>
+            <a:schemeClr val="dk1"/>
           </a:fontRef>
         </p:style>
         <p:txBody>
@@ -7824,33 +7626,36 @@
             <a:r>
               <a:rPr lang="en-US" sz="2900" dirty="0">
                 <a:solidFill>
-                  <a:schemeClr val="lt1"/>
-                </a:solidFill>
-                <a:latin typeface="+mn-lt"/>
-                <a:ea typeface="+mn-ea"/>
-                <a:cs typeface="+mn-cs"/>
+                  <a:schemeClr val="dk1">
+                    <a:alpha val="25000"/>
+                  </a:schemeClr>
+                </a:solidFill>
+                <a:latin typeface="Calibri" charset="0"/>
+                <a:cs typeface="Calibri" charset="0"/>
               </a:rPr>
               <a:t>[</a:t>
             </a:r>
             <a:r>
               <a:rPr lang="en-US" sz="2900" dirty="0" err="1">
                 <a:solidFill>
-                  <a:schemeClr val="lt1"/>
-                </a:solidFill>
-                <a:latin typeface="+mn-lt"/>
-                <a:ea typeface="+mn-ea"/>
-                <a:cs typeface="+mn-cs"/>
+                  <a:schemeClr val="dk1">
+                    <a:alpha val="25000"/>
+                  </a:schemeClr>
+                </a:solidFill>
+                <a:latin typeface="Calibri" charset="0"/>
+                <a:cs typeface="Calibri" charset="0"/>
               </a:rPr>
               <a:t>MoL</a:t>
             </a:r>
             <a:r>
               <a:rPr lang="en-US" sz="2900" dirty="0">
                 <a:solidFill>
-                  <a:schemeClr val="lt1"/>
-                </a:solidFill>
-                <a:latin typeface="+mn-lt"/>
-                <a:ea typeface="+mn-ea"/>
-                <a:cs typeface="+mn-cs"/>
+                  <a:schemeClr val="dk1">
+                    <a:alpha val="25000"/>
+                  </a:schemeClr>
+                </a:solidFill>
+                <a:latin typeface="Calibri" charset="0"/>
+                <a:cs typeface="Calibri" charset="0"/>
               </a:rPr>
               <a:t>-FNWI] Category Theory (van den Berg)</a:t>
             </a:r>
@@ -7866,7 +7671,7 @@
         <p:spPr>
           <a:xfrm>
             <a:off x="11552039" y="26653948"/>
-            <a:ext cx="3203234" cy="2375852"/>
+            <a:ext cx="3203234" cy="2430000"/>
           </a:xfrm>
           <a:prstGeom prst="roundRect">
             <a:avLst>
@@ -7972,22 +7777,6 @@
                   <a:srgbClr val="FFFFFF"/>
                 </a:solidFill>
               </a:rPr>
-              <a:t>, </a:t>
-            </a:r>
-            <a:r>
-              <a:rPr lang="en-US" sz="2900" dirty="0" err="1">
-                <a:solidFill>
-                  <a:srgbClr val="FFFFFF"/>
-                </a:solidFill>
-              </a:rPr>
-              <a:t>Galeotti</a:t>
-            </a:r>
-            <a:r>
-              <a:rPr lang="en-US" sz="2900" dirty="0">
-                <a:solidFill>
-                  <a:srgbClr val="FFFFFF"/>
-                </a:solidFill>
-              </a:rPr>
               <a:t>) </a:t>
             </a:r>
             <a:br>
@@ -8016,8 +7805,8 @@
         </p:nvSpPr>
         <p:spPr>
           <a:xfrm>
-            <a:off x="632135" y="23177217"/>
-            <a:ext cx="3276000" cy="2429822"/>
+            <a:off x="585228" y="22703006"/>
+            <a:ext cx="3276000" cy="2430000"/>
           </a:xfrm>
           <a:prstGeom prst="roundRect">
             <a:avLst>
@@ -8175,7 +7964,7 @@
             </a:ln>
             <a:extLst>
               <a:ext uri="{C572A759-6A51-4108-AA02-DFA0A04FC94B}">
-                <ma14:wrappingTextBoxFlag xmlns:ma14="http://schemas.microsoft.com/office/mac/drawingml/2011/main" xmlns="" val="1"/>
+                <ma14:wrappingTextBoxFlag xmlns="" xmlns:ma14="http://schemas.microsoft.com/office/mac/drawingml/2011/main" val="1"/>
               </a:ext>
             </a:extLst>
           </p:spPr>
@@ -8203,10 +7992,10 @@
       </p:grpSp>
       <p:grpSp>
         <p:nvGrpSpPr>
-          <p:cNvPr id="12" name="Group 11">
+          <p:cNvPr id="5" name="Group 4">
             <a:extLst>
               <a:ext uri="{FF2B5EF4-FFF2-40B4-BE49-F238E27FC236}">
-                <a16:creationId xmlns:a16="http://schemas.microsoft.com/office/drawing/2014/main" id="{382E8667-6BCB-014F-BF9B-7BA7401A7E24}"/>
+                <a16:creationId xmlns:a16="http://schemas.microsoft.com/office/drawing/2014/main" id="{E63B90FA-503D-A64A-907A-AD862A497EE0}"/>
               </a:ext>
             </a:extLst>
           </p:cNvPr>
@@ -8217,7 +8006,7 @@
           <a:xfrm>
             <a:off x="11548913" y="23087549"/>
             <a:ext cx="3272400" cy="2609159"/>
-            <a:chOff x="13622607" y="23125777"/>
+            <a:chOff x="11548913" y="23087549"/>
             <a:chExt cx="3272400" cy="2609159"/>
           </a:xfrm>
         </p:grpSpPr>
@@ -8229,7 +8018,7 @@
           </p:nvSpPr>
           <p:spPr>
             <a:xfrm>
-              <a:off x="13622607" y="23304936"/>
+              <a:off x="11548913" y="23266708"/>
               <a:ext cx="3272400" cy="2430000"/>
             </a:xfrm>
             <a:prstGeom prst="roundRect">
@@ -8237,35 +8026,26 @@
                 <a:gd name="adj" fmla="val 16667"/>
               </a:avLst>
             </a:prstGeom>
-            <a:gradFill flip="none" rotWithShape="1">
-              <a:gsLst>
-                <a:gs pos="0">
-                  <a:srgbClr val="C8B2E9"/>
-                </a:gs>
-                <a:gs pos="35000">
-                  <a:srgbClr val="D8C9EE"/>
-                </a:gs>
-                <a:gs pos="100000">
-                  <a:srgbClr val="FFD1BB"/>
-                </a:gs>
-              </a:gsLst>
-              <a:lin ang="5400000" scaled="0"/>
-            </a:gradFill>
-            <a:ln w="76200" cap="flat">
+            <a:ln w="76200">
               <a:solidFill>
                 <a:schemeClr val="tx1"/>
               </a:solidFill>
-              <a:prstDash val="solid"/>
-              <a:bevel/>
             </a:ln>
-            <a:effectLst>
-              <a:outerShdw blurRad="38100" dist="20000" dir="5400000" rotWithShape="0">
-                <a:srgbClr val="000000">
-                  <a:alpha val="38000"/>
-                </a:srgbClr>
-              </a:outerShdw>
-            </a:effectLst>
           </p:spPr>
+          <p:style>
+            <a:lnRef idx="1">
+              <a:schemeClr val="accent6"/>
+            </a:lnRef>
+            <a:fillRef idx="2">
+              <a:schemeClr val="accent6"/>
+            </a:fillRef>
+            <a:effectRef idx="1">
+              <a:schemeClr val="accent6"/>
+            </a:effectRef>
+            <a:fontRef idx="minor">
+              <a:schemeClr val="dk1"/>
+            </a:fontRef>
+          </p:style>
           <p:txBody>
             <a:bodyPr wrap="square" lIns="0" tIns="0" rIns="0" bIns="0" numCol="1" anchor="ctr">
               <a:noAutofit/>
@@ -8274,72 +8054,59 @@
             <a:p>
               <a:pPr algn="ctr"/>
               <a:endParaRPr lang="en-US" sz="2900" dirty="0">
-                <a:latin typeface="Calibri"/>
-                <a:cs typeface="Calibri"/>
+                <a:solidFill>
+                  <a:schemeClr val="dk1"/>
+                </a:solidFill>
+                <a:latin typeface="Calibri" charset="0"/>
+                <a:cs typeface="Calibri" charset="0"/>
               </a:endParaRPr>
             </a:p>
             <a:p>
               <a:pPr algn="ctr"/>
               <a:r>
-                <a:rPr lang="en-US" sz="2900" dirty="0">
-                  <a:latin typeface="Calibri"/>
-                  <a:cs typeface="Calibri"/>
-                </a:rPr>
+                <a:rPr lang="en-US" sz="2900" dirty="0"/>
                 <a:t>[</a:t>
               </a:r>
               <a:r>
-                <a:rPr lang="en-US" sz="2900" dirty="0" err="1">
-                  <a:latin typeface="Calibri"/>
-                  <a:cs typeface="Calibri"/>
-                </a:rPr>
-                <a:t>MastMath</a:t>
+                <a:rPr lang="en-US" sz="2900" dirty="0" err="1"/>
+                <a:t>MoL</a:t>
               </a:r>
               <a:r>
-                <a:rPr lang="en-US" sz="2900" dirty="0">
-                  <a:latin typeface="Calibri"/>
-                  <a:cs typeface="Calibri"/>
-                </a:rPr>
-                <a:t>] </a:t>
+                <a:rPr lang="en-US" sz="2900" dirty="0"/>
+                <a:t>-FNWI] </a:t>
               </a:r>
               <a:br>
-                <a:rPr lang="en-US" sz="2900" dirty="0">
-                  <a:latin typeface="Calibri"/>
-                  <a:cs typeface="Calibri"/>
-                </a:rPr>
+                <a:rPr lang="en-US" sz="2900" dirty="0"/>
               </a:br>
               <a:r>
                 <a:rPr lang="en-US" sz="2900" dirty="0">
-                  <a:latin typeface="Calibri"/>
-                  <a:cs typeface="Calibri"/>
+                  <a:solidFill>
+                    <a:schemeClr val="dk1"/>
+                  </a:solidFill>
+                  <a:latin typeface="Calibri" charset="0"/>
+                  <a:cs typeface="Calibri" charset="0"/>
                 </a:rPr>
                 <a:t>Model Theory (</a:t>
               </a:r>
               <a:r>
                 <a:rPr lang="en-US" sz="2900" dirty="0" err="1">
-                  <a:latin typeface="Calibri"/>
-                  <a:cs typeface="Calibri"/>
+                  <a:solidFill>
+                    <a:schemeClr val="dk1"/>
+                  </a:solidFill>
+                  <a:latin typeface="Calibri" charset="0"/>
+                  <a:cs typeface="Calibri" charset="0"/>
                 </a:rPr>
                 <a:t>Venema</a:t>
               </a:r>
               <a:r>
                 <a:rPr lang="en-US" sz="2900" dirty="0">
-                  <a:latin typeface="Calibri"/>
-                  <a:cs typeface="Calibri"/>
+                  <a:solidFill>
+                    <a:schemeClr val="dk1"/>
+                  </a:solidFill>
+                  <a:latin typeface="Calibri" charset="0"/>
+                  <a:cs typeface="Calibri" charset="0"/>
                 </a:rPr>
                 <a:t>)</a:t>
-              </a:r>
-              <a:br>
-                <a:rPr lang="en-US" sz="2900" dirty="0">
-                  <a:latin typeface="Calibri"/>
-                  <a:cs typeface="Calibri"/>
-                </a:rPr>
-              </a:br>
-              <a:r>
-                <a:rPr lang="en-US" sz="2900" dirty="0">
-                  <a:latin typeface="Calibri"/>
-                  <a:cs typeface="Calibri"/>
-                </a:rPr>
-                <a:t>[8EC]</a:t>
               </a:r>
             </a:p>
           </p:txBody>
@@ -8352,7 +8119,7 @@
           </p:nvSpPr>
           <p:spPr>
             <a:xfrm>
-              <a:off x="14513023" y="23125777"/>
+              <a:off x="12439329" y="23087549"/>
               <a:ext cx="1497972" cy="1204325"/>
             </a:xfrm>
             <a:prstGeom prst="rect">
@@ -8363,7 +8130,7 @@
             </a:ln>
             <a:extLst>
               <a:ext uri="{C572A759-6A51-4108-AA02-DFA0A04FC94B}">
-                <ma14:wrappingTextBoxFlag xmlns:ma14="http://schemas.microsoft.com/office/mac/drawingml/2011/main" xmlns="" val="1"/>
+                <ma14:wrappingTextBoxFlag xmlns="" xmlns:ma14="http://schemas.microsoft.com/office/mac/drawingml/2011/main" val="1"/>
               </a:ext>
             </a:extLst>
           </p:spPr>
@@ -8391,7 +8158,7 @@
         </p:nvSpPr>
         <p:spPr>
           <a:xfrm>
-            <a:off x="12103121" y="18480684"/>
+            <a:off x="11100904" y="18480684"/>
             <a:ext cx="3165086" cy="2236959"/>
           </a:xfrm>
           <a:prstGeom prst="rect">
@@ -8402,7 +8169,7 @@
           </a:ln>
           <a:extLst>
             <a:ext uri="{C572A759-6A51-4108-AA02-DFA0A04FC94B}">
-              <ma14:wrappingTextBoxFlag xmlns:ma14="http://schemas.microsoft.com/office/mac/drawingml/2011/main" xmlns="" val="1"/>
+              <ma14:wrappingTextBoxFlag xmlns="" xmlns:ma14="http://schemas.microsoft.com/office/mac/drawingml/2011/main" val="1"/>
             </a:ext>
           </a:extLst>
         </p:spPr>
@@ -8433,406 +8200,6 @@
               <a:t>Linguistics</a:t>
             </a:r>
             <a:endParaRPr sz="3900" b="1" dirty="0"/>
-          </a:p>
-        </p:txBody>
-      </p:sp>
-      <p:grpSp>
-        <p:nvGrpSpPr>
-          <p:cNvPr id="3" name="Group 2">
-            <a:extLst>
-              <a:ext uri="{FF2B5EF4-FFF2-40B4-BE49-F238E27FC236}">
-                <a16:creationId xmlns:a16="http://schemas.microsoft.com/office/drawing/2014/main" id="{A768833A-A0EA-A144-8100-7DF2B2D2AA6B}"/>
-              </a:ext>
-            </a:extLst>
-          </p:cNvPr>
-          <p:cNvGrpSpPr/>
-          <p:nvPr/>
-        </p:nvGrpSpPr>
-        <p:grpSpPr>
-          <a:xfrm>
-            <a:off x="4271061" y="23055851"/>
-            <a:ext cx="3276000" cy="2672554"/>
-            <a:chOff x="914116" y="22985903"/>
-            <a:chExt cx="3276000" cy="2672554"/>
-          </a:xfrm>
-        </p:grpSpPr>
-        <p:sp>
-          <p:nvSpPr>
-            <p:cNvPr id="162" name="Shape 157"/>
-            <p:cNvSpPr/>
-            <p:nvPr/>
-          </p:nvSpPr>
-          <p:spPr>
-            <a:xfrm>
-              <a:off x="914116" y="23228457"/>
-              <a:ext cx="3276000" cy="2430000"/>
-            </a:xfrm>
-            <a:prstGeom prst="roundRect">
-              <a:avLst>
-                <a:gd name="adj" fmla="val 16667"/>
-              </a:avLst>
-            </a:prstGeom>
-            <a:gradFill flip="none" rotWithShape="1">
-              <a:gsLst>
-                <a:gs pos="0">
-                  <a:schemeClr val="accent3"/>
-                </a:gs>
-                <a:gs pos="100000">
-                  <a:schemeClr val="accent1">
-                    <a:lumMod val="75000"/>
-                  </a:schemeClr>
-                </a:gs>
-              </a:gsLst>
-              <a:lin ang="16200000" scaled="0"/>
-            </a:gradFill>
-            <a:ln w="76200" cap="flat">
-              <a:solidFill>
-                <a:schemeClr val="tx1"/>
-              </a:solidFill>
-              <a:prstDash val="solid"/>
-              <a:bevel/>
-            </a:ln>
-            <a:effectLst>
-              <a:outerShdw blurRad="38100" dist="23000" dir="5400000" rotWithShape="0">
-                <a:srgbClr val="000000">
-                  <a:alpha val="35000"/>
-                </a:srgbClr>
-              </a:outerShdw>
-            </a:effectLst>
-          </p:spPr>
-          <p:txBody>
-            <a:bodyPr wrap="square" lIns="0" tIns="0" rIns="0" bIns="0" numCol="1" anchor="ctr">
-              <a:noAutofit/>
-            </a:bodyPr>
-            <a:lstStyle/>
-            <a:p>
-              <a:pPr algn="ctr"/>
-              <a:endParaRPr lang="en-US" sz="2900" dirty="0">
-                <a:solidFill>
-                  <a:srgbClr val="FFFFFF"/>
-                </a:solidFill>
-              </a:endParaRPr>
-            </a:p>
-            <a:p>
-              <a:pPr algn="ctr"/>
-              <a:r>
-                <a:rPr lang="en-US" sz="2900" dirty="0">
-                  <a:solidFill>
-                    <a:srgbClr val="FFFFFF"/>
-                  </a:solidFill>
-                </a:rPr>
-                <a:t>[</a:t>
-              </a:r>
-              <a:r>
-                <a:rPr lang="en-US" sz="2900" dirty="0" err="1">
-                  <a:solidFill>
-                    <a:srgbClr val="FFFFFF"/>
-                  </a:solidFill>
-                </a:rPr>
-                <a:t>MastMath-UvA</a:t>
-              </a:r>
-              <a:r>
-                <a:rPr lang="en-US" sz="2900" dirty="0">
-                  <a:solidFill>
-                    <a:srgbClr val="FFFFFF"/>
-                  </a:solidFill>
-                </a:rPr>
-                <a:t>] </a:t>
-              </a:r>
-              <a:br>
-                <a:rPr lang="en-US" sz="2900" dirty="0">
-                  <a:solidFill>
-                    <a:srgbClr val="FFFFFF"/>
-                  </a:solidFill>
-                </a:rPr>
-              </a:br>
-              <a:r>
-                <a:rPr lang="en-US" sz="2900" dirty="0">
-                  <a:solidFill>
-                    <a:srgbClr val="FFFFFF"/>
-                  </a:solidFill>
-                </a:rPr>
-                <a:t>Set Theory </a:t>
-              </a:r>
-              <a:br>
-                <a:rPr lang="en-US" sz="2900" dirty="0">
-                  <a:solidFill>
-                    <a:srgbClr val="FFFFFF"/>
-                  </a:solidFill>
-                </a:rPr>
-              </a:br>
-              <a:r>
-                <a:rPr lang="en-US" sz="2900" dirty="0">
-                  <a:solidFill>
-                    <a:srgbClr val="FFFFFF"/>
-                  </a:solidFill>
-                </a:rPr>
-                <a:t>(Hart, </a:t>
-              </a:r>
-              <a:r>
-                <a:rPr lang="en-US" sz="2900" dirty="0" err="1">
-                  <a:solidFill>
-                    <a:srgbClr val="FFFFFF"/>
-                  </a:solidFill>
-                </a:rPr>
-                <a:t>Löwe</a:t>
-              </a:r>
-              <a:r>
-                <a:rPr lang="en-US" sz="2900" dirty="0">
-                  <a:solidFill>
-                    <a:srgbClr val="FFFFFF"/>
-                  </a:solidFill>
-                </a:rPr>
-                <a:t>) </a:t>
-              </a:r>
-              <a:br>
-                <a:rPr lang="en-US" sz="2900" dirty="0">
-                  <a:solidFill>
-                    <a:srgbClr val="FFFFFF"/>
-                  </a:solidFill>
-                </a:rPr>
-              </a:br>
-              <a:r>
-                <a:rPr lang="en-US" sz="2900" dirty="0">
-                  <a:solidFill>
-                    <a:srgbClr val="FFFFFF"/>
-                  </a:solidFill>
-                </a:rPr>
-                <a:t>[8EC]</a:t>
-              </a:r>
-            </a:p>
-          </p:txBody>
-        </p:sp>
-        <p:sp>
-          <p:nvSpPr>
-            <p:cNvPr id="174" name="Shape 230"/>
-            <p:cNvSpPr/>
-            <p:nvPr/>
-          </p:nvSpPr>
-          <p:spPr>
-            <a:xfrm>
-              <a:off x="1797512" y="22985903"/>
-              <a:ext cx="1497972" cy="1204325"/>
-            </a:xfrm>
-            <a:prstGeom prst="rect">
-              <a:avLst/>
-            </a:prstGeom>
-            <a:ln w="12700">
-              <a:miter lim="400000"/>
-            </a:ln>
-            <a:extLst>
-              <a:ext uri="{C572A759-6A51-4108-AA02-DFA0A04FC94B}">
-                <ma14:wrappingTextBoxFlag xmlns:ma14="http://schemas.microsoft.com/office/mac/drawingml/2011/main" xmlns="" val="1"/>
-              </a:ext>
-            </a:extLst>
-          </p:spPr>
-          <p:txBody>
-            <a:bodyPr lIns="208805" tIns="208805" rIns="208805" bIns="208805" anchor="ctr">
-              <a:normAutofit/>
-            </a:bodyPr>
-            <a:lstStyle>
-              <a:lvl1pPr>
-                <a:defRPr sz="4000"/>
-              </a:lvl1pPr>
-            </a:lstStyle>
-            <a:p>
-              <a:pPr algn="ctr">
-                <a:defRPr sz="1800"/>
-              </a:pPr>
-              <a:r>
-                <a:rPr lang="en-US" sz="3300" b="1" dirty="0">
-                  <a:solidFill>
-                    <a:schemeClr val="bg1"/>
-                  </a:solidFill>
-                </a:rPr>
-                <a:t>L&amp;M</a:t>
-              </a:r>
-              <a:endParaRPr sz="3300" b="1" dirty="0">
-                <a:solidFill>
-                  <a:schemeClr val="bg1"/>
-                </a:solidFill>
-              </a:endParaRPr>
-            </a:p>
-          </p:txBody>
-        </p:sp>
-      </p:grpSp>
-      <p:sp>
-        <p:nvSpPr>
-          <p:cNvPr id="164" name="Shape 157"/>
-          <p:cNvSpPr/>
-          <p:nvPr/>
-        </p:nvSpPr>
-        <p:spPr>
-          <a:xfrm>
-            <a:off x="15184241" y="23143253"/>
-            <a:ext cx="3671804" cy="2497750"/>
-          </a:xfrm>
-          <a:prstGeom prst="roundRect">
-            <a:avLst>
-              <a:gd name="adj" fmla="val 16667"/>
-            </a:avLst>
-          </a:prstGeom>
-          <a:ln>
-            <a:noFill/>
-          </a:ln>
-        </p:spPr>
-        <p:style>
-          <a:lnRef idx="1">
-            <a:schemeClr val="dk1"/>
-          </a:lnRef>
-          <a:fillRef idx="2">
-            <a:schemeClr val="dk1"/>
-          </a:fillRef>
-          <a:effectRef idx="1">
-            <a:schemeClr val="dk1"/>
-          </a:effectRef>
-          <a:fontRef idx="minor">
-            <a:schemeClr val="dk1"/>
-          </a:fontRef>
-        </p:style>
-        <p:txBody>
-          <a:bodyPr wrap="square" lIns="0" tIns="0" rIns="0" bIns="0" numCol="1" anchor="ctr">
-            <a:noAutofit/>
-          </a:bodyPr>
-          <a:lstStyle/>
-          <a:p>
-            <a:pPr algn="ctr"/>
-            <a:r>
-              <a:rPr lang="en-US" sz="2900" dirty="0">
-                <a:solidFill>
-                  <a:schemeClr val="dk1">
-                    <a:alpha val="25000"/>
-                  </a:schemeClr>
-                </a:solidFill>
-                <a:latin typeface="Calibri" charset="0"/>
-                <a:ea typeface="+mn-ea"/>
-                <a:cs typeface="Calibri" charset="0"/>
-              </a:rPr>
-              <a:t>[</a:t>
-            </a:r>
-            <a:r>
-              <a:rPr lang="en-US" sz="2900" dirty="0" err="1">
-                <a:solidFill>
-                  <a:schemeClr val="dk1">
-                    <a:alpha val="25000"/>
-                  </a:schemeClr>
-                </a:solidFill>
-                <a:latin typeface="Calibri" charset="0"/>
-                <a:ea typeface="+mn-ea"/>
-                <a:cs typeface="Calibri" charset="0"/>
-              </a:rPr>
-              <a:t>MastMath</a:t>
-            </a:r>
-            <a:r>
-              <a:rPr lang="en-US" sz="2900" dirty="0">
-                <a:solidFill>
-                  <a:schemeClr val="dk1">
-                    <a:alpha val="25000"/>
-                  </a:schemeClr>
-                </a:solidFill>
-                <a:latin typeface="Calibri" charset="0"/>
-                <a:ea typeface="+mn-ea"/>
-                <a:cs typeface="Calibri" charset="0"/>
-              </a:rPr>
-              <a:t>-Utrecht] Category Theory and </a:t>
-            </a:r>
-            <a:r>
-              <a:rPr lang="en-US" sz="2900" dirty="0" err="1">
-                <a:solidFill>
-                  <a:schemeClr val="dk1">
-                    <a:alpha val="25000"/>
-                  </a:schemeClr>
-                </a:solidFill>
-                <a:latin typeface="Calibri" charset="0"/>
-                <a:ea typeface="+mn-ea"/>
-                <a:cs typeface="Calibri" charset="0"/>
-              </a:rPr>
-              <a:t>Topos</a:t>
-            </a:r>
-            <a:r>
-              <a:rPr lang="en-US" sz="2900" dirty="0">
-                <a:solidFill>
-                  <a:schemeClr val="dk1">
-                    <a:alpha val="25000"/>
-                  </a:schemeClr>
-                </a:solidFill>
-                <a:latin typeface="Calibri" charset="0"/>
-                <a:ea typeface="+mn-ea"/>
-                <a:cs typeface="Calibri" charset="0"/>
-              </a:rPr>
-              <a:t> Theory </a:t>
-            </a:r>
-            <a:br>
-              <a:rPr lang="en-US" sz="2900" dirty="0">
-                <a:solidFill>
-                  <a:schemeClr val="dk1">
-                    <a:alpha val="25000"/>
-                  </a:schemeClr>
-                </a:solidFill>
-                <a:latin typeface="Calibri" charset="0"/>
-                <a:ea typeface="+mn-ea"/>
-                <a:cs typeface="Calibri" charset="0"/>
-              </a:rPr>
-            </a:br>
-            <a:r>
-              <a:rPr lang="en-US" sz="2900" dirty="0">
-                <a:solidFill>
-                  <a:schemeClr val="dk1">
-                    <a:alpha val="25000"/>
-                  </a:schemeClr>
-                </a:solidFill>
-                <a:latin typeface="Calibri" charset="0"/>
-                <a:ea typeface="+mn-ea"/>
-                <a:cs typeface="Calibri" charset="0"/>
-              </a:rPr>
-              <a:t>(van </a:t>
-            </a:r>
-            <a:r>
-              <a:rPr lang="en-US" sz="2900" dirty="0" err="1">
-                <a:solidFill>
-                  <a:schemeClr val="dk1">
-                    <a:alpha val="25000"/>
-                  </a:schemeClr>
-                </a:solidFill>
-                <a:latin typeface="Calibri" charset="0"/>
-                <a:ea typeface="+mn-ea"/>
-                <a:cs typeface="Calibri" charset="0"/>
-              </a:rPr>
-              <a:t>Oosten</a:t>
-            </a:r>
-            <a:r>
-              <a:rPr lang="en-US" sz="2900" dirty="0">
-                <a:solidFill>
-                  <a:schemeClr val="dk1">
-                    <a:alpha val="25000"/>
-                  </a:schemeClr>
-                </a:solidFill>
-                <a:latin typeface="Calibri" charset="0"/>
-                <a:ea typeface="+mn-ea"/>
-                <a:cs typeface="Calibri" charset="0"/>
-              </a:rPr>
-              <a:t>)  [8EC]</a:t>
-            </a:r>
-          </a:p>
-          <a:p>
-            <a:pPr algn="ctr"/>
-            <a:r>
-              <a:rPr lang="en-US" sz="2900" dirty="0">
-                <a:latin typeface="Calibri" charset="0"/>
-                <a:ea typeface="Calibri" charset="0"/>
-                <a:cs typeface="Calibri" charset="0"/>
-              </a:rPr>
-              <a:t>in 2019/20 only</a:t>
-            </a:r>
-            <a:endParaRPr lang="en-US" sz="2900" dirty="0">
-              <a:solidFill>
-                <a:schemeClr val="dk1">
-                  <a:alpha val="25000"/>
-                </a:schemeClr>
-              </a:solidFill>
-              <a:latin typeface="Calibri" charset="0"/>
-              <a:cs typeface="Calibri" charset="0"/>
-            </a:endParaRPr>
           </a:p>
         </p:txBody>
       </p:sp>
@@ -8971,34 +8338,6 @@
               </a:rPr>
               <a:t>(van den Berg)</a:t>
             </a:r>
-            <a:br>
-              <a:rPr lang="en-US" sz="2900" dirty="0">
-                <a:solidFill>
-                  <a:schemeClr val="dk1">
-                    <a:alpha val="25000"/>
-                  </a:schemeClr>
-                </a:solidFill>
-                <a:latin typeface="Calibri" charset="0"/>
-                <a:cs typeface="Calibri" charset="0"/>
-              </a:rPr>
-            </a:br>
-            <a:r>
-              <a:rPr lang="en-US" sz="2900" dirty="0">
-                <a:latin typeface="Calibri" charset="0"/>
-                <a:ea typeface="Calibri" charset="0"/>
-                <a:cs typeface="Calibri" charset="0"/>
-              </a:rPr>
-              <a:t>in 2019/20 only</a:t>
-            </a:r>
-            <a:endParaRPr lang="en-US" sz="2900" dirty="0">
-              <a:solidFill>
-                <a:schemeClr val="dk1">
-                  <a:alpha val="25000"/>
-                </a:schemeClr>
-              </a:solidFill>
-              <a:latin typeface="Calibri" charset="0"/>
-              <a:cs typeface="Calibri" charset="0"/>
-            </a:endParaRPr>
           </a:p>
         </p:txBody>
       </p:sp>
@@ -9016,8 +8355,8 @@
         </p:nvSpPr>
         <p:spPr>
           <a:xfrm>
-            <a:off x="4209678" y="26653948"/>
-            <a:ext cx="3410273" cy="2375852"/>
+            <a:off x="4137653" y="23327368"/>
+            <a:ext cx="3410273" cy="2430000"/>
           </a:xfrm>
           <a:prstGeom prst="roundRect">
             <a:avLst>
@@ -9081,7 +8420,7 @@
                   <a:srgbClr val="FFFFFF"/>
                 </a:solidFill>
               </a:rPr>
-              <a:t>-Utrecht] </a:t>
+              <a:t>] </a:t>
             </a:r>
             <a:br>
               <a:rPr lang="en-US" sz="2900" dirty="0">
@@ -9091,6 +8430,14 @@
               </a:rPr>
             </a:br>
             <a:r>
+              <a:rPr lang="en-US" sz="2900" dirty="0">
+                <a:solidFill>
+                  <a:srgbClr val="FFFFFF"/>
+                </a:solidFill>
+              </a:rPr>
+              <a:t>Category Theory and </a:t>
+            </a:r>
+            <a:r>
               <a:rPr lang="en-US" sz="2900" dirty="0" err="1">
                 <a:solidFill>
                   <a:srgbClr val="FFFFFF"/>
@@ -9104,7 +8451,7 @@
                   <a:srgbClr val="FFFFFF"/>
                 </a:solidFill>
               </a:rPr>
-              <a:t> Theory</a:t>
+              <a:t> Theory </a:t>
             </a:r>
             <a:br>
               <a:rPr lang="en-US" sz="2900" dirty="0">
@@ -9119,38 +8466,7 @@
                   <a:srgbClr val="FFFFFF"/>
                 </a:solidFill>
               </a:rPr>
-              <a:t>(van </a:t>
-            </a:r>
-            <a:r>
-              <a:rPr lang="en-US" sz="2900" dirty="0" err="1">
-                <a:solidFill>
-                  <a:srgbClr val="FFFFFF"/>
-                </a:solidFill>
-              </a:rPr>
-              <a:t>Oosten</a:t>
-            </a:r>
-            <a:r>
-              <a:rPr lang="en-US" sz="2900" dirty="0">
-                <a:solidFill>
-                  <a:srgbClr val="FFFFFF"/>
-                </a:solidFill>
-              </a:rPr>
-              <a:t>) </a:t>
-            </a:r>
-            <a:br>
-              <a:rPr lang="en-US" sz="2900" dirty="0">
-                <a:solidFill>
-                  <a:srgbClr val="FFFFFF"/>
-                </a:solidFill>
-              </a:rPr>
-            </a:br>
-            <a:r>
-              <a:rPr lang="en-US" sz="2900" dirty="0">
-                <a:solidFill>
-                  <a:srgbClr val="FFFFFF"/>
-                </a:solidFill>
-              </a:rPr>
-              <a:t>[8EC]</a:t>
+              <a:t>(van den Berg) [8EC]</a:t>
             </a:r>
           </a:p>
         </p:txBody>
@@ -9382,7 +8698,7 @@
             </a:ln>
             <a:extLst>
               <a:ext uri="{C572A759-6A51-4108-AA02-DFA0A04FC94B}">
-                <ma14:wrappingTextBoxFlag xmlns:ma14="http://schemas.microsoft.com/office/mac/drawingml/2011/main" xmlns="" val="1"/>
+                <ma14:wrappingTextBoxFlag xmlns="" xmlns:ma14="http://schemas.microsoft.com/office/mac/drawingml/2011/main" val="1"/>
               </a:ext>
             </a:extLst>
           </p:spPr>
@@ -9738,7 +9054,7 @@
               </a:ln>
               <a:extLst>
                 <a:ext uri="{C572A759-6A51-4108-AA02-DFA0A04FC94B}">
-                  <ma14:wrappingTextBoxFlag xmlns:ma14="http://schemas.microsoft.com/office/mac/drawingml/2011/main" xmlns="" val="1"/>
+                  <ma14:wrappingTextBoxFlag xmlns="" xmlns:ma14="http://schemas.microsoft.com/office/mac/drawingml/2011/main" val="1"/>
                 </a:ext>
               </a:extLst>
             </p:spPr>
@@ -9866,7 +9182,7 @@
         </p:nvSpPr>
         <p:spPr>
           <a:xfrm>
-            <a:off x="19653359" y="17712983"/>
+            <a:off x="18651142" y="17712983"/>
             <a:ext cx="3276000" cy="2430000"/>
           </a:xfrm>
           <a:prstGeom prst="roundRect">
@@ -9968,7 +9284,7 @@
         </p:nvSpPr>
         <p:spPr>
           <a:xfrm>
-            <a:off x="14981797" y="17712983"/>
+            <a:off x="13979580" y="17712983"/>
             <a:ext cx="3276000" cy="2430000"/>
           </a:xfrm>
           <a:prstGeom prst="roundRect">
@@ -10057,7 +9373,7 @@
           </a:ln>
           <a:extLst>
             <a:ext uri="{C572A759-6A51-4108-AA02-DFA0A04FC94B}">
-              <ma14:wrappingTextBoxFlag xmlns:ma14="http://schemas.microsoft.com/office/mac/drawingml/2011/main" xmlns="" val="1"/>
+              <ma14:wrappingTextBoxFlag xmlns="" xmlns:ma14="http://schemas.microsoft.com/office/mac/drawingml/2011/main" val="1"/>
             </a:ext>
           </a:extLst>
         </p:spPr>
@@ -10140,8 +9456,8 @@
         </p:nvSpPr>
         <p:spPr>
           <a:xfrm>
-            <a:off x="31635218" y="19152080"/>
-            <a:ext cx="2414725" cy="2031766"/>
+            <a:off x="22977327" y="18522752"/>
+            <a:ext cx="4486811" cy="3131190"/>
           </a:xfrm>
           <a:prstGeom prst="rect">
             <a:avLst/>
@@ -10151,12 +9467,12 @@
           </a:ln>
           <a:extLst>
             <a:ext uri="{C572A759-6A51-4108-AA02-DFA0A04FC94B}">
-              <ma14:wrappingTextBoxFlag xmlns:ma14="http://schemas.microsoft.com/office/mac/drawingml/2011/main" xmlns="" val="1"/>
+              <ma14:wrappingTextBoxFlag xmlns="" xmlns:ma14="http://schemas.microsoft.com/office/mac/drawingml/2011/main" val="1"/>
             </a:ext>
           </a:extLst>
         </p:spPr>
         <p:txBody>
-          <a:bodyPr lIns="208758" tIns="208758" rIns="208758" bIns="208758" anchor="ctr">
+          <a:bodyPr lIns="208758" tIns="208758" rIns="208758" bIns="208758" anchor="t">
             <a:normAutofit/>
           </a:bodyPr>
           <a:lstStyle>
@@ -10170,16 +9486,21 @@
             </a:pPr>
             <a:r>
               <a:rPr lang="en-US" sz="3900" b="1" dirty="0"/>
-              <a:t>Economic </a:t>
-            </a:r>
-          </a:p>
-          <a:p>
-            <a:pPr lvl="0" algn="l">
-              <a:defRPr sz="1800"/>
-            </a:pPr>
-            <a:r>
+              <a:t>Game Theory </a:t>
+            </a:r>
+            <a:br>
               <a:rPr lang="en-US" sz="3900" b="1" dirty="0"/>
-              <a:t>Theory</a:t>
+            </a:br>
+            <a:r>
+              <a:rPr lang="en-US" sz="3900" b="1" dirty="0"/>
+              <a:t>&amp; </a:t>
+            </a:r>
+            <a:br>
+              <a:rPr lang="en-US" sz="3900" b="1" dirty="0"/>
+            </a:br>
+            <a:r>
+              <a:rPr lang="en-US" sz="3900" b="1" dirty="0"/>
+              <a:t>Social Choice</a:t>
             </a:r>
             <a:endParaRPr sz="3900" b="1" dirty="0"/>
           </a:p>
@@ -10193,8 +9514,8 @@
         </p:nvSpPr>
         <p:spPr>
           <a:xfrm>
-            <a:off x="34515371" y="18701637"/>
-            <a:ext cx="3276000" cy="2268000"/>
+            <a:off x="27053493" y="18726962"/>
+            <a:ext cx="3276000" cy="2430000"/>
           </a:xfrm>
           <a:prstGeom prst="roundRect">
             <a:avLst>
@@ -10332,8 +9653,8 @@
         </p:nvSpPr>
         <p:spPr>
           <a:xfrm>
-            <a:off x="34515371" y="16268949"/>
-            <a:ext cx="3276000" cy="2268000"/>
+            <a:off x="30825751" y="18726962"/>
+            <a:ext cx="3276000" cy="2430000"/>
           </a:xfrm>
           <a:prstGeom prst="roundRect">
             <a:avLst>
@@ -10422,8 +9743,8 @@
         </p:nvSpPr>
         <p:spPr>
           <a:xfrm>
-            <a:off x="38621472" y="18715815"/>
-            <a:ext cx="3520838" cy="2744812"/>
+            <a:off x="38653123" y="18795672"/>
+            <a:ext cx="3276000" cy="2430000"/>
           </a:xfrm>
           <a:prstGeom prst="roundRect">
             <a:avLst>
@@ -10573,7 +9894,7 @@
           </a:ln>
           <a:extLst>
             <a:ext uri="{C572A759-6A51-4108-AA02-DFA0A04FC94B}">
-              <ma14:wrappingTextBoxFlag xmlns:ma14="http://schemas.microsoft.com/office/mac/drawingml/2011/main" xmlns="" val="1"/>
+              <ma14:wrappingTextBoxFlag xmlns="" xmlns:ma14="http://schemas.microsoft.com/office/mac/drawingml/2011/main" val="1"/>
             </a:ext>
           </a:extLst>
         </p:spPr>
@@ -10625,7 +9946,7 @@
           </a:ln>
           <a:extLst>
             <a:ext uri="{C572A759-6A51-4108-AA02-DFA0A04FC94B}">
-              <ma14:wrappingTextBoxFlag xmlns:ma14="http://schemas.microsoft.com/office/mac/drawingml/2011/main" xmlns="" val="1"/>
+              <ma14:wrappingTextBoxFlag xmlns="" xmlns:ma14="http://schemas.microsoft.com/office/mac/drawingml/2011/main" val="1"/>
             </a:ext>
           </a:extLst>
         </p:spPr>
@@ -10655,54 +9976,6 @@
                 <a:schemeClr val="bg1"/>
               </a:solidFill>
             </a:endParaRPr>
-          </a:p>
-        </p:txBody>
-      </p:sp>
-      <p:sp>
-        <p:nvSpPr>
-          <p:cNvPr id="161" name="Shape 225"/>
-          <p:cNvSpPr/>
-          <p:nvPr/>
-        </p:nvSpPr>
-        <p:spPr>
-          <a:xfrm flipV="1">
-            <a:off x="3087986" y="33692638"/>
-            <a:ext cx="6015971" cy="118387"/>
-          </a:xfrm>
-          <a:prstGeom prst="line">
-            <a:avLst/>
-          </a:prstGeom>
-          <a:ln>
-            <a:tailEnd type="triangle"/>
-          </a:ln>
-        </p:spPr>
-        <p:style>
-          <a:lnRef idx="3">
-            <a:schemeClr val="dk1"/>
-          </a:lnRef>
-          <a:fillRef idx="0">
-            <a:schemeClr val="dk1"/>
-          </a:fillRef>
-          <a:effectRef idx="2">
-            <a:schemeClr val="dk1"/>
-          </a:effectRef>
-          <a:fontRef idx="minor">
-            <a:schemeClr val="tx1"/>
-          </a:fontRef>
-        </p:style>
-        <p:txBody>
-          <a:bodyPr lIns="0" tIns="0" rIns="0" bIns="0"/>
-          <a:lstStyle/>
-          <a:p>
-            <a:pPr algn="ctr" defTabSz="457097">
-              <a:defRPr sz="1200">
-                <a:latin typeface="+mn-lt"/>
-                <a:ea typeface="+mn-ea"/>
-                <a:cs typeface="+mn-cs"/>
-                <a:sym typeface="Helvetica"/>
-              </a:defRPr>
-            </a:pPr>
-            <a:endParaRPr/>
           </a:p>
         </p:txBody>
       </p:sp>
@@ -10756,50 +10029,8 @@
         </p:nvSpPr>
         <p:spPr>
           <a:xfrm flipH="1">
-            <a:off x="18476185" y="18974555"/>
+            <a:off x="17473968" y="18974555"/>
             <a:ext cx="955898" cy="1623"/>
-          </a:xfrm>
-          <a:prstGeom prst="line">
-            <a:avLst/>
-          </a:prstGeom>
-          <a:ln w="76200">
-            <a:solidFill/>
-            <a:headEnd type="triangle"/>
-          </a:ln>
-          <a:effectLst>
-            <a:outerShdw blurRad="38100" dist="20000" dir="5400000" rotWithShape="0">
-              <a:srgbClr val="000000">
-                <a:alpha val="38000"/>
-              </a:srgbClr>
-            </a:outerShdw>
-          </a:effectLst>
-        </p:spPr>
-        <p:txBody>
-          <a:bodyPr lIns="0" tIns="0" rIns="0" bIns="0"/>
-          <a:lstStyle/>
-          <a:p>
-            <a:pPr algn="ctr" defTabSz="457097">
-              <a:defRPr sz="1200">
-                <a:latin typeface="+mn-lt"/>
-                <a:ea typeface="+mn-ea"/>
-                <a:cs typeface="+mn-cs"/>
-                <a:sym typeface="Helvetica"/>
-              </a:defRPr>
-            </a:pPr>
-            <a:endParaRPr/>
-          </a:p>
-        </p:txBody>
-      </p:sp>
-      <p:sp>
-        <p:nvSpPr>
-          <p:cNvPr id="123" name="Shape 248"/>
-          <p:cNvSpPr/>
-          <p:nvPr/>
-        </p:nvSpPr>
-        <p:spPr>
-          <a:xfrm flipH="1" flipV="1">
-            <a:off x="41822916" y="9531421"/>
-            <a:ext cx="0" cy="3340707"/>
           </a:xfrm>
           <a:prstGeom prst="line">
             <a:avLst/>
@@ -10854,61 +10085,81 @@
               <a:gd name="adj" fmla="val 16667"/>
             </a:avLst>
           </a:prstGeom>
-          <a:gradFill flip="none" rotWithShape="1">
-            <a:gsLst>
-              <a:gs pos="0">
-                <a:srgbClr val="DAFEA4"/>
-              </a:gs>
-              <a:gs pos="35000">
-                <a:srgbClr val="E4FDBF"/>
-              </a:gs>
-              <a:gs pos="100000">
-                <a:srgbClr val="F5FFE6"/>
-              </a:gs>
-            </a:gsLst>
-            <a:lin ang="16200000" scaled="0"/>
-          </a:gradFill>
-          <a:ln w="9525" cap="flat">
-            <a:solidFill>
-              <a:srgbClr val="98B955"/>
-            </a:solidFill>
-            <a:prstDash val="solid"/>
-            <a:bevel/>
-          </a:ln>
-          <a:effectLst>
-            <a:outerShdw blurRad="38100" dist="20000" dir="5400000" rotWithShape="0">
-              <a:srgbClr val="000000">
-                <a:alpha val="38000"/>
-              </a:srgbClr>
-            </a:outerShdw>
-          </a:effectLst>
+          <a:ln/>
         </p:spPr>
+        <p:style>
+          <a:lnRef idx="1">
+            <a:schemeClr val="accent1"/>
+          </a:lnRef>
+          <a:fillRef idx="3">
+            <a:schemeClr val="accent1"/>
+          </a:fillRef>
+          <a:effectRef idx="2">
+            <a:schemeClr val="accent1"/>
+          </a:effectRef>
+          <a:fontRef idx="minor">
+            <a:schemeClr val="lt1"/>
+          </a:fontRef>
+        </p:style>
         <p:txBody>
           <a:bodyPr wrap="square" lIns="0" tIns="0" rIns="0" bIns="0" numCol="1" anchor="ctr">
             <a:noAutofit/>
           </a:bodyPr>
           <a:lstStyle/>
           <a:p>
-            <a:pPr lvl="0" algn="ctr">
-              <a:defRPr sz="1800"/>
-            </a:pPr>
-            <a:r>
-              <a:rPr lang="en-US" sz="2900" dirty="0"/>
+            <a:pPr algn="ctr"/>
+            <a:r>
+              <a:rPr lang="en-US" sz="2900" dirty="0">
+                <a:solidFill>
+                  <a:schemeClr val="lt1"/>
+                </a:solidFill>
+                <a:latin typeface="Calibri" charset="0"/>
+                <a:ea typeface="+mn-ea"/>
+                <a:cs typeface="Calibri" charset="0"/>
+              </a:rPr>
               <a:t>[</a:t>
             </a:r>
             <a:r>
-              <a:rPr lang="en-US" sz="2900" dirty="0" err="1"/>
+              <a:rPr lang="en-US" sz="2900" dirty="0" err="1">
+                <a:solidFill>
+                  <a:schemeClr val="lt1"/>
+                </a:solidFill>
+                <a:latin typeface="Calibri" charset="0"/>
+                <a:ea typeface="+mn-ea"/>
+                <a:cs typeface="Calibri" charset="0"/>
+              </a:rPr>
               <a:t>MoL</a:t>
             </a:r>
             <a:r>
-              <a:rPr lang="en-US" sz="2900" dirty="0"/>
+              <a:rPr lang="en-US" sz="2900" dirty="0">
+                <a:solidFill>
+                  <a:schemeClr val="lt1"/>
+                </a:solidFill>
+                <a:latin typeface="Calibri" charset="0"/>
+                <a:ea typeface="+mn-ea"/>
+                <a:cs typeface="Calibri" charset="0"/>
+              </a:rPr>
               <a:t>-FGW]</a:t>
             </a:r>
             <a:br>
-              <a:rPr lang="en-US" sz="2900" dirty="0"/>
+              <a:rPr lang="en-US" sz="2900" dirty="0">
+                <a:solidFill>
+                  <a:schemeClr val="lt1"/>
+                </a:solidFill>
+                <a:latin typeface="Calibri" charset="0"/>
+                <a:ea typeface="+mn-ea"/>
+                <a:cs typeface="Calibri" charset="0"/>
+              </a:rPr>
             </a:br>
             <a:r>
-              <a:rPr lang="en-US" sz="2900" dirty="0"/>
+              <a:rPr lang="en-US" sz="2900" dirty="0">
+                <a:solidFill>
+                  <a:schemeClr val="lt1"/>
+                </a:solidFill>
+                <a:latin typeface="Calibri" charset="0"/>
+                <a:ea typeface="+mn-ea"/>
+                <a:cs typeface="Calibri" charset="0"/>
+              </a:rPr>
               <a:t>History of logic: Theories of Language in Early Modern Philosophy (Maat)</a:t>
             </a:r>
           </a:p>
@@ -11003,7 +10254,7 @@
         </p:nvSpPr>
         <p:spPr>
           <a:xfrm>
-            <a:off x="30863186" y="27173194"/>
+            <a:off x="31091852" y="27173194"/>
             <a:ext cx="3276000" cy="2430000"/>
           </a:xfrm>
           <a:prstGeom prst="roundRect">
@@ -11200,20 +10451,20 @@
           <a:gradFill flip="none" rotWithShape="1">
             <a:gsLst>
               <a:gs pos="0">
-                <a:srgbClr val="FFD1BB"/>
+                <a:srgbClr val="C8B2E9"/>
               </a:gs>
               <a:gs pos="35000">
-                <a:srgbClr val="FFDECF"/>
+                <a:srgbClr val="D8C9EE"/>
               </a:gs>
               <a:gs pos="100000">
-                <a:srgbClr val="FFF2ED"/>
+                <a:srgbClr val="F0EAF9"/>
               </a:gs>
             </a:gsLst>
             <a:lin ang="16200000" scaled="0"/>
           </a:gradFill>
           <a:ln w="9525" cap="flat">
             <a:solidFill>
-              <a:srgbClr val="F69240"/>
+              <a:srgbClr val="7D60A0"/>
             </a:solidFill>
             <a:prstDash val="solid"/>
             <a:bevel/>
@@ -11295,20 +10546,20 @@
           <a:gradFill flip="none" rotWithShape="1">
             <a:gsLst>
               <a:gs pos="0">
-                <a:srgbClr val="FFD1BB"/>
+                <a:srgbClr val="C8B2E9"/>
               </a:gs>
               <a:gs pos="35000">
-                <a:srgbClr val="FFDECF"/>
+                <a:srgbClr val="D8C9EE"/>
               </a:gs>
               <a:gs pos="100000">
-                <a:srgbClr val="FFF2ED"/>
+                <a:srgbClr val="F0EAF9"/>
               </a:gs>
             </a:gsLst>
             <a:lin ang="16200000" scaled="0"/>
           </a:gradFill>
           <a:ln w="9525" cap="flat">
             <a:solidFill>
-              <a:srgbClr val="F69240"/>
+              <a:srgbClr val="7D60A0"/>
             </a:solidFill>
             <a:prstDash val="solid"/>
             <a:bevel/>
@@ -11327,9 +10578,7 @@
           </a:bodyPr>
           <a:lstStyle/>
           <a:p>
-            <a:pPr lvl="0" algn="ctr">
-              <a:defRPr sz="1800"/>
-            </a:pPr>
+            <a:pPr algn="ctr"/>
             <a:r>
               <a:rPr lang="en-US" sz="2900" dirty="0"/>
               <a:t>[</a:t>
@@ -11340,21 +10589,29 @@
             </a:r>
             <a:r>
               <a:rPr lang="en-US" sz="2900" dirty="0"/>
-              <a:t>-FGW] </a:t>
-            </a:r>
-            <a:br>
-              <a:rPr lang="en-US" sz="2900" dirty="0"/>
-            </a:br>
+              <a:t>-FGW]  </a:t>
+            </a:r>
+          </a:p>
+          <a:p>
+            <a:pPr algn="ctr"/>
             <a:r>
               <a:rPr lang="en-US" sz="2900" dirty="0"/>
               <a:t>Logic and Philosophy</a:t>
             </a:r>
-            <a:br>
+          </a:p>
+          <a:p>
+            <a:pPr algn="ctr"/>
+            <a:r>
               <a:rPr lang="en-US" sz="2900" dirty="0"/>
-            </a:br>
+              <a:t>(</a:t>
+            </a:r>
+            <a:r>
+              <a:rPr lang="en-US" sz="2900" dirty="0" err="1"/>
+              <a:t>Betti</a:t>
+            </a:r>
             <a:r>
               <a:rPr lang="en-US" sz="2900" dirty="0"/>
-              <a:t>(TBC)</a:t>
+              <a:t>)</a:t>
             </a:r>
           </a:p>
         </p:txBody>
@@ -11463,7 +10720,7 @@
         </p:nvSpPr>
         <p:spPr>
           <a:xfrm>
-            <a:off x="21195857" y="27053861"/>
+            <a:off x="19341459" y="27053861"/>
             <a:ext cx="3276000" cy="2430000"/>
           </a:xfrm>
           <a:prstGeom prst="roundRect">
@@ -11617,7 +10874,7 @@
           </a:ln>
           <a:extLst>
             <a:ext uri="{C572A759-6A51-4108-AA02-DFA0A04FC94B}">
-              <ma14:wrappingTextBoxFlag xmlns:ma14="http://schemas.microsoft.com/office/mac/drawingml/2011/main" xmlns="" val="1"/>
+              <ma14:wrappingTextBoxFlag xmlns="" xmlns:ma14="http://schemas.microsoft.com/office/mac/drawingml/2011/main" val="1"/>
             </a:ext>
           </a:extLst>
         </p:spPr>
@@ -11760,7 +11017,7 @@
                 <a:ea typeface="Calibri"/>
                 <a:cs typeface="Calibri"/>
               </a:rPr>
-              <a:t>version: 7 May 2019:</a:t>
+              <a:t>version: 10 May 2019:</a:t>
             </a:r>
             <a:br>
               <a:rPr lang="en-US" sz="2800" dirty="0">
@@ -11806,6 +11063,756 @@
               <a:t>Suggestions and comments are welcome! </a:t>
             </a:r>
             <a:endParaRPr lang="en-US" sz="9100" dirty="0"/>
+          </a:p>
+        </p:txBody>
+      </p:sp>
+      <p:sp>
+        <p:nvSpPr>
+          <p:cNvPr id="184" name="Shape 79">
+            <a:extLst>
+              <a:ext uri="{FF2B5EF4-FFF2-40B4-BE49-F238E27FC236}">
+                <a16:creationId xmlns:a16="http://schemas.microsoft.com/office/drawing/2014/main" id="{41DE3D66-C55A-FD40-A250-F074485DC01D}"/>
+              </a:ext>
+            </a:extLst>
+          </p:cNvPr>
+          <p:cNvSpPr/>
+          <p:nvPr/>
+        </p:nvSpPr>
+        <p:spPr>
+          <a:xfrm>
+            <a:off x="1392867" y="25499769"/>
+            <a:ext cx="3235119" cy="3002856"/>
+          </a:xfrm>
+          <a:prstGeom prst="ellipse">
+            <a:avLst/>
+          </a:prstGeom>
+          <a:ln/>
+        </p:spPr>
+        <p:style>
+          <a:lnRef idx="1">
+            <a:schemeClr val="accent1"/>
+          </a:lnRef>
+          <a:fillRef idx="3">
+            <a:schemeClr val="accent1"/>
+          </a:fillRef>
+          <a:effectRef idx="2">
+            <a:schemeClr val="accent1"/>
+          </a:effectRef>
+          <a:fontRef idx="minor">
+            <a:schemeClr val="lt1"/>
+          </a:fontRef>
+        </p:style>
+        <p:txBody>
+          <a:bodyPr wrap="square" lIns="0" tIns="0" rIns="0" bIns="0" numCol="1" anchor="ctr">
+            <a:noAutofit/>
+          </a:bodyPr>
+          <a:lstStyle/>
+          <a:p>
+            <a:pPr algn="ctr"/>
+            <a:r>
+              <a:rPr lang="en-US" sz="2900" dirty="0">
+                <a:solidFill>
+                  <a:schemeClr val="lt1"/>
+                </a:solidFill>
+                <a:latin typeface="Calibri" charset="0"/>
+                <a:ea typeface="+mn-ea"/>
+                <a:cs typeface="Calibri" charset="0"/>
+              </a:rPr>
+              <a:t>[</a:t>
+            </a:r>
+            <a:r>
+              <a:rPr lang="en-US" sz="2900" dirty="0" err="1">
+                <a:solidFill>
+                  <a:schemeClr val="lt1"/>
+                </a:solidFill>
+                <a:latin typeface="Calibri" charset="0"/>
+                <a:ea typeface="+mn-ea"/>
+                <a:cs typeface="Calibri" charset="0"/>
+              </a:rPr>
+              <a:t>MoL</a:t>
+            </a:r>
+            <a:r>
+              <a:rPr lang="en-US" sz="2900" dirty="0">
+                <a:solidFill>
+                  <a:schemeClr val="lt1"/>
+                </a:solidFill>
+                <a:latin typeface="Calibri" charset="0"/>
+                <a:ea typeface="+mn-ea"/>
+                <a:cs typeface="Calibri" charset="0"/>
+              </a:rPr>
+              <a:t>-FNWI]</a:t>
+            </a:r>
+          </a:p>
+          <a:p>
+            <a:pPr algn="ctr"/>
+            <a:r>
+              <a:rPr lang="en-US" sz="2900" dirty="0">
+                <a:solidFill>
+                  <a:schemeClr val="lt1"/>
+                </a:solidFill>
+                <a:latin typeface="Calibri" charset="0"/>
+                <a:ea typeface="+mn-ea"/>
+                <a:cs typeface="Calibri" charset="0"/>
+              </a:rPr>
+              <a:t>Rudiments of Axiomatic Set Theory (</a:t>
+            </a:r>
+            <a:r>
+              <a:rPr lang="en-US" sz="2900" dirty="0" err="1">
+                <a:solidFill>
+                  <a:schemeClr val="lt1"/>
+                </a:solidFill>
+                <a:latin typeface="Calibri" charset="0"/>
+                <a:ea typeface="+mn-ea"/>
+                <a:cs typeface="Calibri" charset="0"/>
+              </a:rPr>
+              <a:t>Löwe</a:t>
+            </a:r>
+            <a:r>
+              <a:rPr lang="en-US" sz="2900" dirty="0">
+                <a:solidFill>
+                  <a:schemeClr val="lt1"/>
+                </a:solidFill>
+                <a:latin typeface="Calibri" charset="0"/>
+                <a:ea typeface="+mn-ea"/>
+                <a:cs typeface="Calibri" charset="0"/>
+              </a:rPr>
+              <a:t>) </a:t>
+            </a:r>
+          </a:p>
+          <a:p>
+            <a:pPr algn="ctr"/>
+            <a:r>
+              <a:rPr lang="en-US" sz="2900" dirty="0">
+                <a:solidFill>
+                  <a:schemeClr val="lt1"/>
+                </a:solidFill>
+                <a:latin typeface="Calibri" charset="0"/>
+                <a:ea typeface="+mn-ea"/>
+                <a:cs typeface="Calibri" charset="0"/>
+              </a:rPr>
+              <a:t>[3EC]</a:t>
+            </a:r>
+          </a:p>
+        </p:txBody>
+      </p:sp>
+      <p:sp>
+        <p:nvSpPr>
+          <p:cNvPr id="162" name="Shape 157"/>
+          <p:cNvSpPr/>
+          <p:nvPr/>
+        </p:nvSpPr>
+        <p:spPr>
+          <a:xfrm>
+            <a:off x="4271061" y="26594225"/>
+            <a:ext cx="3276000" cy="2430000"/>
+          </a:xfrm>
+          <a:prstGeom prst="roundRect">
+            <a:avLst>
+              <a:gd name="adj" fmla="val 16667"/>
+            </a:avLst>
+          </a:prstGeom>
+          <a:gradFill flip="none" rotWithShape="1">
+            <a:gsLst>
+              <a:gs pos="0">
+                <a:schemeClr val="accent3">
+                  <a:alpha val="86000"/>
+                </a:schemeClr>
+              </a:gs>
+              <a:gs pos="100000">
+                <a:schemeClr val="accent1">
+                  <a:lumMod val="75000"/>
+                </a:schemeClr>
+              </a:gs>
+            </a:gsLst>
+            <a:lin ang="16200000" scaled="0"/>
+          </a:gradFill>
+          <a:ln w="76200" cap="flat">
+            <a:solidFill>
+              <a:schemeClr val="tx1"/>
+            </a:solidFill>
+            <a:prstDash val="solid"/>
+            <a:bevel/>
+          </a:ln>
+          <a:effectLst>
+            <a:outerShdw blurRad="38100" dist="23000" dir="5400000" rotWithShape="0">
+              <a:srgbClr val="000000">
+                <a:alpha val="35000"/>
+              </a:srgbClr>
+            </a:outerShdw>
+          </a:effectLst>
+        </p:spPr>
+        <p:txBody>
+          <a:bodyPr wrap="square" lIns="0" tIns="0" rIns="0" bIns="0" numCol="1" anchor="ctr">
+            <a:noAutofit/>
+          </a:bodyPr>
+          <a:lstStyle/>
+          <a:p>
+            <a:pPr algn="ctr"/>
+            <a:endParaRPr lang="en-US" sz="2900" dirty="0">
+              <a:solidFill>
+                <a:srgbClr val="FFFFFF"/>
+              </a:solidFill>
+            </a:endParaRPr>
+          </a:p>
+          <a:p>
+            <a:pPr algn="ctr"/>
+            <a:r>
+              <a:rPr lang="en-US" sz="2900" dirty="0">
+                <a:solidFill>
+                  <a:srgbClr val="FFFFFF"/>
+                </a:solidFill>
+              </a:rPr>
+              <a:t>[</a:t>
+            </a:r>
+            <a:r>
+              <a:rPr lang="en-US" sz="2900" dirty="0" err="1">
+                <a:solidFill>
+                  <a:srgbClr val="FFFFFF"/>
+                </a:solidFill>
+              </a:rPr>
+              <a:t>MastMath-UvA</a:t>
+            </a:r>
+            <a:r>
+              <a:rPr lang="en-US" sz="2900" dirty="0">
+                <a:solidFill>
+                  <a:srgbClr val="FFFFFF"/>
+                </a:solidFill>
+              </a:rPr>
+              <a:t>] </a:t>
+            </a:r>
+            <a:br>
+              <a:rPr lang="en-US" sz="2900" dirty="0">
+                <a:solidFill>
+                  <a:srgbClr val="FFFFFF"/>
+                </a:solidFill>
+              </a:rPr>
+            </a:br>
+            <a:r>
+              <a:rPr lang="en-US" sz="2900" dirty="0">
+                <a:solidFill>
+                  <a:srgbClr val="FFFFFF"/>
+                </a:solidFill>
+              </a:rPr>
+              <a:t>Set Theory </a:t>
+            </a:r>
+            <a:br>
+              <a:rPr lang="en-US" sz="2900" dirty="0">
+                <a:solidFill>
+                  <a:srgbClr val="FFFFFF"/>
+                </a:solidFill>
+              </a:rPr>
+            </a:br>
+            <a:r>
+              <a:rPr lang="en-US" sz="2900" dirty="0">
+                <a:solidFill>
+                  <a:srgbClr val="FFFFFF"/>
+                </a:solidFill>
+              </a:rPr>
+              <a:t>(Hart, </a:t>
+            </a:r>
+            <a:r>
+              <a:rPr lang="en-US" sz="2900" dirty="0" err="1">
+                <a:solidFill>
+                  <a:srgbClr val="FFFFFF"/>
+                </a:solidFill>
+              </a:rPr>
+              <a:t>Löwe</a:t>
+            </a:r>
+            <a:r>
+              <a:rPr lang="en-US" sz="2900" dirty="0">
+                <a:solidFill>
+                  <a:srgbClr val="FFFFFF"/>
+                </a:solidFill>
+              </a:rPr>
+              <a:t>) </a:t>
+            </a:r>
+            <a:br>
+              <a:rPr lang="en-US" sz="2900" dirty="0">
+                <a:solidFill>
+                  <a:srgbClr val="FFFFFF"/>
+                </a:solidFill>
+              </a:rPr>
+            </a:br>
+            <a:r>
+              <a:rPr lang="en-US" sz="2900" dirty="0">
+                <a:solidFill>
+                  <a:srgbClr val="FFFFFF"/>
+                </a:solidFill>
+              </a:rPr>
+              <a:t>[8EC]</a:t>
+            </a:r>
+          </a:p>
+        </p:txBody>
+      </p:sp>
+      <p:sp>
+        <p:nvSpPr>
+          <p:cNvPr id="174" name="Shape 230"/>
+          <p:cNvSpPr/>
+          <p:nvPr/>
+        </p:nvSpPr>
+        <p:spPr>
+          <a:xfrm>
+            <a:off x="5078465" y="26325537"/>
+            <a:ext cx="1497972" cy="1204325"/>
+          </a:xfrm>
+          <a:prstGeom prst="rect">
+            <a:avLst/>
+          </a:prstGeom>
+          <a:ln w="12700">
+            <a:miter lim="400000"/>
+          </a:ln>
+          <a:extLst>
+            <a:ext uri="{C572A759-6A51-4108-AA02-DFA0A04FC94B}">
+              <ma14:wrappingTextBoxFlag xmlns="" xmlns:ma14="http://schemas.microsoft.com/office/mac/drawingml/2011/main" val="1"/>
+            </a:ext>
+          </a:extLst>
+        </p:spPr>
+        <p:txBody>
+          <a:bodyPr lIns="208805" tIns="208805" rIns="208805" bIns="208805" anchor="ctr">
+            <a:normAutofit/>
+          </a:bodyPr>
+          <a:lstStyle>
+            <a:lvl1pPr>
+              <a:defRPr sz="4000"/>
+            </a:lvl1pPr>
+          </a:lstStyle>
+          <a:p>
+            <a:pPr algn="ctr">
+              <a:defRPr sz="1800"/>
+            </a:pPr>
+            <a:r>
+              <a:rPr lang="en-US" sz="3300" b="1" dirty="0">
+                <a:solidFill>
+                  <a:schemeClr val="tx1"/>
+                </a:solidFill>
+              </a:rPr>
+              <a:t>L&amp;M</a:t>
+            </a:r>
+            <a:endParaRPr sz="3300" b="1" dirty="0">
+              <a:solidFill>
+                <a:schemeClr val="tx1"/>
+              </a:solidFill>
+            </a:endParaRPr>
+          </a:p>
+        </p:txBody>
+      </p:sp>
+      <p:sp>
+        <p:nvSpPr>
+          <p:cNvPr id="185" name="Shape 157">
+            <a:extLst>
+              <a:ext uri="{FF2B5EF4-FFF2-40B4-BE49-F238E27FC236}">
+                <a16:creationId xmlns:a16="http://schemas.microsoft.com/office/drawing/2014/main" id="{F2F58416-3D5E-8646-930F-D1B6B8FDB87A}"/>
+              </a:ext>
+            </a:extLst>
+          </p:cNvPr>
+          <p:cNvSpPr/>
+          <p:nvPr/>
+        </p:nvSpPr>
+        <p:spPr>
+          <a:xfrm>
+            <a:off x="7965529" y="26626154"/>
+            <a:ext cx="3276000" cy="2430000"/>
+          </a:xfrm>
+          <a:prstGeom prst="roundRect">
+            <a:avLst>
+              <a:gd name="adj" fmla="val 16667"/>
+            </a:avLst>
+          </a:prstGeom>
+          <a:gradFill flip="none" rotWithShape="1">
+            <a:gsLst>
+              <a:gs pos="0">
+                <a:srgbClr val="C8B2E9"/>
+              </a:gs>
+              <a:gs pos="35000">
+                <a:srgbClr val="D8C9EE"/>
+              </a:gs>
+              <a:gs pos="100000">
+                <a:srgbClr val="FFD1BB"/>
+              </a:gs>
+            </a:gsLst>
+            <a:lin ang="5400000" scaled="0"/>
+          </a:gradFill>
+          <a:ln w="9525" cap="flat">
+            <a:solidFill>
+              <a:schemeClr val="accent4">
+                <a:lumMod val="75000"/>
+              </a:schemeClr>
+            </a:solidFill>
+            <a:prstDash val="solid"/>
+            <a:bevel/>
+          </a:ln>
+          <a:effectLst>
+            <a:outerShdw blurRad="38100" dist="20000" dir="5400000" rotWithShape="0">
+              <a:srgbClr val="000000">
+                <a:alpha val="38000"/>
+              </a:srgbClr>
+            </a:outerShdw>
+          </a:effectLst>
+        </p:spPr>
+        <p:txBody>
+          <a:bodyPr wrap="square" lIns="0" tIns="0" rIns="0" bIns="0" numCol="1" anchor="ctr">
+            <a:noAutofit/>
+          </a:bodyPr>
+          <a:lstStyle/>
+          <a:p>
+            <a:pPr algn="ctr"/>
+            <a:r>
+              <a:rPr lang="nl" sz="2900" dirty="0"/>
+              <a:t>[MastMath] </a:t>
+            </a:r>
+          </a:p>
+          <a:p>
+            <a:pPr algn="ctr"/>
+            <a:r>
+              <a:rPr lang="nl" sz="2900" dirty="0"/>
+              <a:t>Topos Theory </a:t>
+            </a:r>
+          </a:p>
+          <a:p>
+            <a:pPr algn="ctr"/>
+            <a:r>
+              <a:rPr lang="nl" sz="2900" dirty="0"/>
+              <a:t>(van Oosten) </a:t>
+            </a:r>
+          </a:p>
+          <a:p>
+            <a:pPr algn="ctr"/>
+            <a:r>
+              <a:rPr lang="nl" sz="2900" dirty="0"/>
+              <a:t>[8EC]</a:t>
+            </a:r>
+            <a:endParaRPr lang="en-US" sz="2900" dirty="0">
+              <a:latin typeface="Calibri"/>
+              <a:cs typeface="Calibri"/>
+            </a:endParaRPr>
+          </a:p>
+        </p:txBody>
+      </p:sp>
+      <p:sp>
+        <p:nvSpPr>
+          <p:cNvPr id="186" name="Shape 202">
+            <a:extLst>
+              <a:ext uri="{FF2B5EF4-FFF2-40B4-BE49-F238E27FC236}">
+                <a16:creationId xmlns:a16="http://schemas.microsoft.com/office/drawing/2014/main" id="{D058CB66-EEEF-764A-B99F-70E715A976B5}"/>
+              </a:ext>
+            </a:extLst>
+          </p:cNvPr>
+          <p:cNvSpPr/>
+          <p:nvPr/>
+        </p:nvSpPr>
+        <p:spPr>
+          <a:xfrm>
+            <a:off x="38656399" y="13207577"/>
+            <a:ext cx="3276000" cy="2430000"/>
+          </a:xfrm>
+          <a:prstGeom prst="roundRect">
+            <a:avLst>
+              <a:gd name="adj" fmla="val 16667"/>
+            </a:avLst>
+          </a:prstGeom>
+          <a:gradFill flip="none" rotWithShape="1">
+            <a:gsLst>
+              <a:gs pos="0">
+                <a:srgbClr val="FFD1BB"/>
+              </a:gs>
+              <a:gs pos="35000">
+                <a:srgbClr val="FFDECF"/>
+              </a:gs>
+              <a:gs pos="100000">
+                <a:srgbClr val="FFF2ED"/>
+              </a:gs>
+            </a:gsLst>
+            <a:lin ang="16200000" scaled="0"/>
+          </a:gradFill>
+          <a:ln w="9525" cap="flat">
+            <a:solidFill>
+              <a:srgbClr val="F69240"/>
+            </a:solidFill>
+            <a:prstDash val="solid"/>
+            <a:bevel/>
+          </a:ln>
+          <a:effectLst>
+            <a:outerShdw blurRad="38100" dist="20000" dir="5400000" rotWithShape="0">
+              <a:srgbClr val="000000">
+                <a:alpha val="38000"/>
+              </a:srgbClr>
+            </a:outerShdw>
+          </a:effectLst>
+        </p:spPr>
+        <p:txBody>
+          <a:bodyPr wrap="square" lIns="0" tIns="0" rIns="0" bIns="0" numCol="1" anchor="ctr">
+            <a:noAutofit/>
+          </a:bodyPr>
+          <a:lstStyle/>
+          <a:p>
+            <a:pPr lvl="0" algn="ctr">
+              <a:defRPr sz="1800"/>
+            </a:pPr>
+            <a:r>
+              <a:rPr lang="en-US" sz="2900" dirty="0"/>
+              <a:t>[</a:t>
+            </a:r>
+            <a:r>
+              <a:rPr lang="en-US" sz="2900" dirty="0" err="1"/>
+              <a:t>MoL</a:t>
+            </a:r>
+            <a:r>
+              <a:rPr lang="en-US" sz="2900" dirty="0"/>
+              <a:t>-FNWI] Advanced Topics in Computational Semantics (</a:t>
+            </a:r>
+            <a:r>
+              <a:rPr lang="en-US" sz="2900" dirty="0" err="1"/>
+              <a:t>Shutova</a:t>
+            </a:r>
+            <a:r>
+              <a:rPr lang="en-US" sz="2900" dirty="0"/>
+              <a:t>)</a:t>
+            </a:r>
+          </a:p>
+        </p:txBody>
+      </p:sp>
+      <p:sp>
+        <p:nvSpPr>
+          <p:cNvPr id="188" name="Shape 202">
+            <a:extLst>
+              <a:ext uri="{FF2B5EF4-FFF2-40B4-BE49-F238E27FC236}">
+                <a16:creationId xmlns:a16="http://schemas.microsoft.com/office/drawing/2014/main" id="{9A71F14F-3738-D54E-98F8-A953DB6EA5D0}"/>
+              </a:ext>
+            </a:extLst>
+          </p:cNvPr>
+          <p:cNvSpPr/>
+          <p:nvPr/>
+        </p:nvSpPr>
+        <p:spPr>
+          <a:xfrm>
+            <a:off x="22977327" y="21560736"/>
+            <a:ext cx="3276000" cy="2430000"/>
+          </a:xfrm>
+          <a:prstGeom prst="roundRect">
+            <a:avLst>
+              <a:gd name="adj" fmla="val 16667"/>
+            </a:avLst>
+          </a:prstGeom>
+          <a:gradFill flip="none" rotWithShape="1">
+            <a:gsLst>
+              <a:gs pos="0">
+                <a:srgbClr val="FFD1BB"/>
+              </a:gs>
+              <a:gs pos="35000">
+                <a:srgbClr val="FFDECF"/>
+              </a:gs>
+              <a:gs pos="100000">
+                <a:srgbClr val="FFF2ED"/>
+              </a:gs>
+            </a:gsLst>
+            <a:lin ang="16200000" scaled="0"/>
+          </a:gradFill>
+          <a:ln w="9525" cap="flat">
+            <a:solidFill>
+              <a:srgbClr val="F69240"/>
+            </a:solidFill>
+            <a:prstDash val="solid"/>
+            <a:bevel/>
+          </a:ln>
+          <a:effectLst>
+            <a:outerShdw blurRad="38100" dist="20000" dir="5400000" rotWithShape="0">
+              <a:srgbClr val="000000">
+                <a:alpha val="38000"/>
+              </a:srgbClr>
+            </a:outerShdw>
+          </a:effectLst>
+        </p:spPr>
+        <p:txBody>
+          <a:bodyPr wrap="square" lIns="0" tIns="0" rIns="0" bIns="0" numCol="1" anchor="ctr">
+            <a:noAutofit/>
+          </a:bodyPr>
+          <a:lstStyle/>
+          <a:p>
+            <a:pPr lvl="0" algn="ctr">
+              <a:defRPr sz="1800"/>
+            </a:pPr>
+            <a:r>
+              <a:rPr lang="en-US" sz="2900" dirty="0"/>
+              <a:t>[</a:t>
+            </a:r>
+            <a:r>
+              <a:rPr lang="en-US" sz="2900" dirty="0" err="1"/>
+              <a:t>MoL</a:t>
+            </a:r>
+            <a:r>
+              <a:rPr lang="en-US" sz="2900" dirty="0"/>
+              <a:t>-FNWI] </a:t>
+            </a:r>
+          </a:p>
+          <a:p>
+            <a:pPr lvl="0" algn="ctr">
+              <a:defRPr sz="1800"/>
+            </a:pPr>
+            <a:r>
+              <a:rPr lang="en-US" sz="2900" dirty="0"/>
+              <a:t>Logic, Games and Automata </a:t>
+            </a:r>
+          </a:p>
+          <a:p>
+            <a:pPr lvl="0" algn="ctr">
+              <a:defRPr sz="1800"/>
+            </a:pPr>
+            <a:r>
+              <a:rPr lang="en-US" sz="2900" dirty="0"/>
+              <a:t>(</a:t>
+            </a:r>
+            <a:r>
+              <a:rPr lang="en-US" sz="2900" dirty="0" err="1"/>
+              <a:t>Afshari</a:t>
+            </a:r>
+            <a:r>
+              <a:rPr lang="en-US" sz="2900" dirty="0"/>
+              <a:t>) </a:t>
+            </a:r>
+          </a:p>
+        </p:txBody>
+      </p:sp>
+      <p:sp>
+        <p:nvSpPr>
+          <p:cNvPr id="123" name="Shape 248">
+            <a:extLst>
+              <a:ext uri="{FF2B5EF4-FFF2-40B4-BE49-F238E27FC236}">
+                <a16:creationId xmlns:a16="http://schemas.microsoft.com/office/drawing/2014/main" id="{F7ECB4CA-E204-2349-ACC1-08B645A47AE6}"/>
+              </a:ext>
+            </a:extLst>
+          </p:cNvPr>
+          <p:cNvSpPr/>
+          <p:nvPr/>
+        </p:nvSpPr>
+        <p:spPr>
+          <a:xfrm flipH="1" flipV="1">
+            <a:off x="2719912" y="21752093"/>
+            <a:ext cx="0" cy="1233809"/>
+          </a:xfrm>
+          <a:prstGeom prst="line">
+            <a:avLst/>
+          </a:prstGeom>
+          <a:ln w="76200">
+            <a:solidFill/>
+            <a:headEnd type="triangle"/>
+          </a:ln>
+          <a:effectLst>
+            <a:outerShdw blurRad="38100" dist="20000" dir="5400000" rotWithShape="0">
+              <a:srgbClr val="000000">
+                <a:alpha val="38000"/>
+              </a:srgbClr>
+            </a:outerShdw>
+          </a:effectLst>
+        </p:spPr>
+        <p:txBody>
+          <a:bodyPr lIns="0" tIns="0" rIns="0" bIns="0"/>
+          <a:lstStyle/>
+          <a:p>
+            <a:pPr algn="ctr" defTabSz="457097">
+              <a:defRPr sz="1200">
+                <a:latin typeface="+mn-lt"/>
+                <a:ea typeface="+mn-ea"/>
+                <a:cs typeface="+mn-cs"/>
+                <a:sym typeface="Helvetica"/>
+              </a:defRPr>
+            </a:pPr>
+            <a:endParaRPr/>
+          </a:p>
+        </p:txBody>
+      </p:sp>
+      <p:sp>
+        <p:nvSpPr>
+          <p:cNvPr id="173" name="Shape 248">
+            <a:extLst>
+              <a:ext uri="{FF2B5EF4-FFF2-40B4-BE49-F238E27FC236}">
+                <a16:creationId xmlns:a16="http://schemas.microsoft.com/office/drawing/2014/main" id="{8B4863CB-31E9-2148-9E17-5E13EE4CB199}"/>
+              </a:ext>
+            </a:extLst>
+          </p:cNvPr>
+          <p:cNvSpPr/>
+          <p:nvPr/>
+        </p:nvSpPr>
+        <p:spPr>
+          <a:xfrm flipH="1" flipV="1">
+            <a:off x="41822916" y="9531421"/>
+            <a:ext cx="0" cy="3340707"/>
+          </a:xfrm>
+          <a:prstGeom prst="line">
+            <a:avLst/>
+          </a:prstGeom>
+          <a:ln w="76200">
+            <a:solidFill/>
+            <a:headEnd type="triangle"/>
+          </a:ln>
+          <a:effectLst>
+            <a:outerShdw blurRad="38100" dist="20000" dir="5400000" rotWithShape="0">
+              <a:srgbClr val="000000">
+                <a:alpha val="38000"/>
+              </a:srgbClr>
+            </a:outerShdw>
+          </a:effectLst>
+        </p:spPr>
+        <p:txBody>
+          <a:bodyPr lIns="0" tIns="0" rIns="0" bIns="0"/>
+          <a:lstStyle/>
+          <a:p>
+            <a:pPr algn="ctr" defTabSz="457097">
+              <a:defRPr sz="1200">
+                <a:latin typeface="+mn-lt"/>
+                <a:ea typeface="+mn-ea"/>
+                <a:cs typeface="+mn-cs"/>
+                <a:sym typeface="Helvetica"/>
+              </a:defRPr>
+            </a:pPr>
+            <a:endParaRPr/>
+          </a:p>
+        </p:txBody>
+      </p:sp>
+      <p:sp>
+        <p:nvSpPr>
+          <p:cNvPr id="161" name="Shape 225"/>
+          <p:cNvSpPr/>
+          <p:nvPr/>
+        </p:nvSpPr>
+        <p:spPr>
+          <a:xfrm flipV="1">
+            <a:off x="3087986" y="33692638"/>
+            <a:ext cx="6015971" cy="118387"/>
+          </a:xfrm>
+          <a:prstGeom prst="line">
+            <a:avLst/>
+          </a:prstGeom>
+          <a:ln>
+            <a:tailEnd type="triangle"/>
+          </a:ln>
+        </p:spPr>
+        <p:style>
+          <a:lnRef idx="3">
+            <a:schemeClr val="dk1"/>
+          </a:lnRef>
+          <a:fillRef idx="0">
+            <a:schemeClr val="dk1"/>
+          </a:fillRef>
+          <a:effectRef idx="2">
+            <a:schemeClr val="dk1"/>
+          </a:effectRef>
+          <a:fontRef idx="minor">
+            <a:schemeClr val="tx1"/>
+          </a:fontRef>
+        </p:style>
+        <p:txBody>
+          <a:bodyPr lIns="0" tIns="0" rIns="0" bIns="0"/>
+          <a:lstStyle/>
+          <a:p>
+            <a:pPr algn="ctr" defTabSz="457097">
+              <a:defRPr sz="1200">
+                <a:latin typeface="+mn-lt"/>
+                <a:ea typeface="+mn-ea"/>
+                <a:cs typeface="+mn-cs"/>
+                <a:sym typeface="Helvetica"/>
+              </a:defRPr>
+            </a:pPr>
+            <a:endParaRPr/>
           </a:p>
         </p:txBody>
       </p:sp>

--- a/MoLOverviewPoster2019.pptx
+++ b/MoLOverviewPoster2019.pptx
@@ -193,7 +193,7 @@
           <a:p>
             <a:fld id="{B179243D-0E3E-4D4F-90E9-F9F1DBB34143}" type="datetimeFigureOut">
               <a:rPr lang="en-US" smtClean="0"/>
-              <a:t>5/10/19</a:t>
+              <a:t>5/13/19</a:t>
             </a:fld>
             <a:endParaRPr lang="en-US"/>
           </a:p>
@@ -2319,7 +2319,7 @@
           </a:ln>
           <a:extLst>
             <a:ext uri="{C572A759-6A51-4108-AA02-DFA0A04FC94B}">
-              <ma14:wrappingTextBoxFlag xmlns="" xmlns:ma14="http://schemas.microsoft.com/office/mac/drawingml/2011/main" val="1"/>
+              <ma14:wrappingTextBoxFlag xmlns:ma14="http://schemas.microsoft.com/office/mac/drawingml/2011/main" xmlns="" val="1"/>
             </a:ext>
           </a:extLst>
         </p:spPr>
@@ -2362,7 +2362,7 @@
           </a:ln>
           <a:extLst>
             <a:ext uri="{C572A759-6A51-4108-AA02-DFA0A04FC94B}">
-              <ma14:wrappingTextBoxFlag xmlns="" xmlns:ma14="http://schemas.microsoft.com/office/mac/drawingml/2011/main" val="1"/>
+              <ma14:wrappingTextBoxFlag xmlns:ma14="http://schemas.microsoft.com/office/mac/drawingml/2011/main" xmlns="" val="1"/>
             </a:ext>
           </a:extLst>
         </p:spPr>
@@ -3173,8 +3173,8 @@
         </p:nvSpPr>
         <p:spPr>
           <a:xfrm>
-            <a:off x="22795688" y="18225679"/>
-            <a:ext cx="11974143" cy="6011463"/>
+            <a:off x="22795689" y="18225679"/>
+            <a:ext cx="11541348" cy="6011463"/>
           </a:xfrm>
           <a:prstGeom prst="roundRect">
             <a:avLst>
@@ -3582,7 +3582,7 @@
           </a:ln>
           <a:extLst>
             <a:ext uri="{C572A759-6A51-4108-AA02-DFA0A04FC94B}">
-              <ma14:wrappingTextBoxFlag xmlns="" xmlns:ma14="http://schemas.microsoft.com/office/mac/drawingml/2011/main" val="1"/>
+              <ma14:wrappingTextBoxFlag xmlns:ma14="http://schemas.microsoft.com/office/mac/drawingml/2011/main" xmlns="" val="1"/>
             </a:ext>
           </a:extLst>
         </p:spPr>
@@ -3697,7 +3697,7 @@
           </a:ln>
           <a:extLst>
             <a:ext uri="{C572A759-6A51-4108-AA02-DFA0A04FC94B}">
-              <ma14:wrappingTextBoxFlag xmlns="" xmlns:ma14="http://schemas.microsoft.com/office/mac/drawingml/2011/main" val="1"/>
+              <ma14:wrappingTextBoxFlag xmlns:ma14="http://schemas.microsoft.com/office/mac/drawingml/2011/main" xmlns="" val="1"/>
             </a:ext>
           </a:extLst>
         </p:spPr>
@@ -3741,7 +3741,7 @@
           </a:ln>
           <a:extLst>
             <a:ext uri="{C572A759-6A51-4108-AA02-DFA0A04FC94B}">
-              <ma14:wrappingTextBoxFlag xmlns="" xmlns:ma14="http://schemas.microsoft.com/office/mac/drawingml/2011/main" val="1"/>
+              <ma14:wrappingTextBoxFlag xmlns:ma14="http://schemas.microsoft.com/office/mac/drawingml/2011/main" xmlns="" val="1"/>
             </a:ext>
           </a:extLst>
         </p:spPr>
@@ -3801,7 +3801,7 @@
           </a:ln>
           <a:extLst>
             <a:ext uri="{C572A759-6A51-4108-AA02-DFA0A04FC94B}">
-              <ma14:wrappingTextBoxFlag xmlns="" xmlns:ma14="http://schemas.microsoft.com/office/mac/drawingml/2011/main" val="1"/>
+              <ma14:wrappingTextBoxFlag xmlns:ma14="http://schemas.microsoft.com/office/mac/drawingml/2011/main" xmlns="" val="1"/>
             </a:ext>
           </a:extLst>
         </p:spPr>
@@ -4118,7 +4118,7 @@
               </a:ln>
               <a:extLst>
                 <a:ext uri="{C572A759-6A51-4108-AA02-DFA0A04FC94B}">
-                  <ma14:wrappingTextBoxFlag xmlns="" xmlns:ma14="http://schemas.microsoft.com/office/mac/drawingml/2011/main" val="1"/>
+                  <ma14:wrappingTextBoxFlag xmlns:ma14="http://schemas.microsoft.com/office/mac/drawingml/2011/main" xmlns="" val="1"/>
                 </a:ext>
               </a:extLst>
             </p:spPr>
@@ -4214,7 +4214,7 @@
           </a:ln>
           <a:extLst>
             <a:ext uri="{C572A759-6A51-4108-AA02-DFA0A04FC94B}">
-              <ma14:wrappingTextBoxFlag xmlns="" xmlns:ma14="http://schemas.microsoft.com/office/mac/drawingml/2011/main" val="1"/>
+              <ma14:wrappingTextBoxFlag xmlns:ma14="http://schemas.microsoft.com/office/mac/drawingml/2011/main" xmlns="" val="1"/>
             </a:ext>
           </a:extLst>
         </p:spPr>
@@ -4258,7 +4258,7 @@
           </a:ln>
           <a:extLst>
             <a:ext uri="{C572A759-6A51-4108-AA02-DFA0A04FC94B}">
-              <ma14:wrappingTextBoxFlag xmlns="" xmlns:ma14="http://schemas.microsoft.com/office/mac/drawingml/2011/main" val="1"/>
+              <ma14:wrappingTextBoxFlag xmlns:ma14="http://schemas.microsoft.com/office/mac/drawingml/2011/main" xmlns="" val="1"/>
             </a:ext>
           </a:extLst>
         </p:spPr>
@@ -4414,7 +4414,7 @@
             </a:ln>
             <a:extLst>
               <a:ext uri="{C572A759-6A51-4108-AA02-DFA0A04FC94B}">
-                <ma14:wrappingTextBoxFlag xmlns="" xmlns:ma14="http://schemas.microsoft.com/office/mac/drawingml/2011/main" val="1"/>
+                <ma14:wrappingTextBoxFlag xmlns:ma14="http://schemas.microsoft.com/office/mac/drawingml/2011/main" xmlns="" val="1"/>
               </a:ext>
             </a:extLst>
           </p:spPr>
@@ -4467,7 +4467,7 @@
           </a:ln>
           <a:extLst>
             <a:ext uri="{C572A759-6A51-4108-AA02-DFA0A04FC94B}">
-              <ma14:wrappingTextBoxFlag xmlns="" xmlns:ma14="http://schemas.microsoft.com/office/mac/drawingml/2011/main" val="1"/>
+              <ma14:wrappingTextBoxFlag xmlns:ma14="http://schemas.microsoft.com/office/mac/drawingml/2011/main" xmlns="" val="1"/>
             </a:ext>
           </a:extLst>
         </p:spPr>
@@ -4920,105 +4920,6 @@
       </p:sp>
       <p:sp>
         <p:nvSpPr>
-          <p:cNvPr id="166" name="Shape 166"/>
-          <p:cNvSpPr/>
-          <p:nvPr/>
-        </p:nvSpPr>
-        <p:spPr>
-          <a:xfrm>
-            <a:off x="30622761" y="13216708"/>
-            <a:ext cx="3276000" cy="2430000"/>
-          </a:xfrm>
-          <a:prstGeom prst="roundRect">
-            <a:avLst>
-              <a:gd name="adj" fmla="val 16667"/>
-            </a:avLst>
-          </a:prstGeom>
-          <a:ln>
-            <a:noFill/>
-          </a:ln>
-        </p:spPr>
-        <p:style>
-          <a:lnRef idx="1">
-            <a:schemeClr val="dk1"/>
-          </a:lnRef>
-          <a:fillRef idx="2">
-            <a:schemeClr val="dk1"/>
-          </a:fillRef>
-          <a:effectRef idx="1">
-            <a:schemeClr val="dk1"/>
-          </a:effectRef>
-          <a:fontRef idx="minor">
-            <a:schemeClr val="dk1"/>
-          </a:fontRef>
-        </p:style>
-        <p:txBody>
-          <a:bodyPr wrap="square" lIns="0" tIns="0" rIns="0" bIns="0" numCol="1" anchor="ctr">
-            <a:noAutofit/>
-          </a:bodyPr>
-          <a:lstStyle/>
-          <a:p>
-            <a:pPr algn="ctr"/>
-            <a:r>
-              <a:rPr lang="en-US" sz="2900" dirty="0">
-                <a:solidFill>
-                  <a:schemeClr val="dk1">
-                    <a:alpha val="25000"/>
-                  </a:schemeClr>
-                </a:solidFill>
-                <a:latin typeface="Calibri" charset="0"/>
-                <a:ea typeface="+mn-ea"/>
-                <a:cs typeface="Calibri" charset="0"/>
-              </a:rPr>
-              <a:t>[</a:t>
-            </a:r>
-            <a:r>
-              <a:rPr lang="en-US" sz="2900" dirty="0" err="1">
-                <a:solidFill>
-                  <a:schemeClr val="dk1">
-                    <a:alpha val="25000"/>
-                  </a:schemeClr>
-                </a:solidFill>
-                <a:latin typeface="Calibri" charset="0"/>
-                <a:ea typeface="+mn-ea"/>
-                <a:cs typeface="Calibri" charset="0"/>
-              </a:rPr>
-              <a:t>MScB&amp;CS</a:t>
-            </a:r>
-            <a:r>
-              <a:rPr lang="en-US" sz="2900" dirty="0">
-                <a:solidFill>
-                  <a:schemeClr val="dk1">
-                    <a:alpha val="25000"/>
-                  </a:schemeClr>
-                </a:solidFill>
-                <a:latin typeface="Calibri" charset="0"/>
-                <a:ea typeface="+mn-ea"/>
-                <a:cs typeface="Calibri" charset="0"/>
-              </a:rPr>
-              <a:t>] Cognitive Models of Language and Music </a:t>
-            </a:r>
-          </a:p>
-          <a:p>
-            <a:pPr algn="ctr"/>
-            <a:r>
-              <a:rPr lang="en-US" sz="2900" dirty="0">
-                <a:solidFill>
-                  <a:schemeClr val="dk1">
-                    <a:alpha val="25000"/>
-                  </a:schemeClr>
-                </a:solidFill>
-                <a:latin typeface="Calibri" charset="0"/>
-                <a:ea typeface="+mn-ea"/>
-                <a:cs typeface="Calibri" charset="0"/>
-              </a:rPr>
-              <a:t>(Lentz)</a:t>
-            </a:r>
-          </a:p>
-        </p:txBody>
-      </p:sp>
-      <p:sp>
-        <p:nvSpPr>
           <p:cNvPr id="208" name="Shape 208"/>
           <p:cNvSpPr/>
           <p:nvPr/>
@@ -5101,7 +5002,7 @@
         </p:nvSpPr>
         <p:spPr>
           <a:xfrm>
-            <a:off x="27064299" y="13217962"/>
+            <a:off x="30543454" y="13217962"/>
             <a:ext cx="3276000" cy="2430000"/>
           </a:xfrm>
           <a:prstGeom prst="roundRect">
@@ -5396,15 +5297,7 @@
             </a:r>
             <a:r>
               <a:rPr lang="en-US" sz="2900" dirty="0" err="1"/>
-              <a:t>Zuidema</a:t>
-            </a:r>
-            <a:r>
-              <a:rPr lang="en-US" sz="2900" dirty="0"/>
-              <a:t>, </a:t>
-            </a:r>
-            <a:r>
-              <a:rPr lang="en-US" sz="2900" dirty="0" err="1"/>
-              <a:t>coord</a:t>
+              <a:t>Sima’an</a:t>
             </a:r>
             <a:r>
               <a:rPr lang="en-US" sz="2900" dirty="0"/>
@@ -6946,10 +6839,10 @@
         </p:nvGrpSpPr>
         <p:grpSpPr>
           <a:xfrm>
-            <a:off x="38653123" y="24231279"/>
-            <a:ext cx="3276000" cy="2609466"/>
-            <a:chOff x="35156122" y="21757557"/>
-            <a:chExt cx="3632244" cy="2609466"/>
+            <a:off x="38653123" y="24164373"/>
+            <a:ext cx="3276000" cy="2676372"/>
+            <a:chOff x="35156122" y="21690651"/>
+            <a:chExt cx="3632244" cy="2676372"/>
           </a:xfrm>
         </p:grpSpPr>
         <p:sp>
@@ -7035,7 +6928,7 @@
           </p:nvSpPr>
           <p:spPr>
             <a:xfrm>
-              <a:off x="36161721" y="21757557"/>
+              <a:off x="36161721" y="21690651"/>
               <a:ext cx="1497972" cy="1204325"/>
             </a:xfrm>
             <a:prstGeom prst="rect">
@@ -7046,7 +6939,7 @@
             </a:ln>
             <a:extLst>
               <a:ext uri="{C572A759-6A51-4108-AA02-DFA0A04FC94B}">
-                <ma14:wrappingTextBoxFlag xmlns="" xmlns:ma14="http://schemas.microsoft.com/office/mac/drawingml/2011/main" val="1"/>
+                <ma14:wrappingTextBoxFlag xmlns:ma14="http://schemas.microsoft.com/office/mac/drawingml/2011/main" xmlns="" val="1"/>
               </a:ext>
             </a:extLst>
           </p:spPr>
@@ -7080,10 +6973,10 @@
         </p:nvGrpSpPr>
         <p:grpSpPr>
           <a:xfrm>
-            <a:off x="34854395" y="24097082"/>
-            <a:ext cx="3276000" cy="2748468"/>
-            <a:chOff x="43340423" y="30726529"/>
-            <a:chExt cx="3479308" cy="2748468"/>
+            <a:off x="34854395" y="24141686"/>
+            <a:ext cx="3276000" cy="2703864"/>
+            <a:chOff x="43340423" y="30771133"/>
+            <a:chExt cx="3479308" cy="2703864"/>
           </a:xfrm>
         </p:grpSpPr>
         <p:sp>
@@ -7235,7 +7128,7 @@
           </p:nvSpPr>
           <p:spPr>
             <a:xfrm>
-              <a:off x="44088010" y="30726529"/>
+              <a:off x="44253813" y="30771133"/>
               <a:ext cx="1497972" cy="1204325"/>
             </a:xfrm>
             <a:prstGeom prst="rect">
@@ -7246,7 +7139,7 @@
             </a:ln>
             <a:extLst>
               <a:ext uri="{C572A759-6A51-4108-AA02-DFA0A04FC94B}">
-                <ma14:wrappingTextBoxFlag xmlns="" xmlns:ma14="http://schemas.microsoft.com/office/mac/drawingml/2011/main" val="1"/>
+                <ma14:wrappingTextBoxFlag xmlns:ma14="http://schemas.microsoft.com/office/mac/drawingml/2011/main" xmlns="" val="1"/>
               </a:ext>
             </a:extLst>
           </p:spPr>
@@ -7964,7 +7857,7 @@
             </a:ln>
             <a:extLst>
               <a:ext uri="{C572A759-6A51-4108-AA02-DFA0A04FC94B}">
-                <ma14:wrappingTextBoxFlag xmlns="" xmlns:ma14="http://schemas.microsoft.com/office/mac/drawingml/2011/main" val="1"/>
+                <ma14:wrappingTextBoxFlag xmlns:ma14="http://schemas.microsoft.com/office/mac/drawingml/2011/main" xmlns="" val="1"/>
               </a:ext>
             </a:extLst>
           </p:spPr>
@@ -8130,7 +8023,7 @@
             </a:ln>
             <a:extLst>
               <a:ext uri="{C572A759-6A51-4108-AA02-DFA0A04FC94B}">
-                <ma14:wrappingTextBoxFlag xmlns="" xmlns:ma14="http://schemas.microsoft.com/office/mac/drawingml/2011/main" val="1"/>
+                <ma14:wrappingTextBoxFlag xmlns:ma14="http://schemas.microsoft.com/office/mac/drawingml/2011/main" xmlns="" val="1"/>
               </a:ext>
             </a:extLst>
           </p:spPr>
@@ -8169,7 +8062,7 @@
           </a:ln>
           <a:extLst>
             <a:ext uri="{C572A759-6A51-4108-AA02-DFA0A04FC94B}">
-              <ma14:wrappingTextBoxFlag xmlns="" xmlns:ma14="http://schemas.microsoft.com/office/mac/drawingml/2011/main" val="1"/>
+              <ma14:wrappingTextBoxFlag xmlns:ma14="http://schemas.microsoft.com/office/mac/drawingml/2011/main" xmlns="" val="1"/>
             </a:ext>
           </a:extLst>
         </p:spPr>
@@ -8698,7 +8591,7 @@
             </a:ln>
             <a:extLst>
               <a:ext uri="{C572A759-6A51-4108-AA02-DFA0A04FC94B}">
-                <ma14:wrappingTextBoxFlag xmlns="" xmlns:ma14="http://schemas.microsoft.com/office/mac/drawingml/2011/main" val="1"/>
+                <ma14:wrappingTextBoxFlag xmlns:ma14="http://schemas.microsoft.com/office/mac/drawingml/2011/main" xmlns="" val="1"/>
               </a:ext>
             </a:extLst>
           </p:spPr>
@@ -9054,7 +8947,7 @@
               </a:ln>
               <a:extLst>
                 <a:ext uri="{C572A759-6A51-4108-AA02-DFA0A04FC94B}">
-                  <ma14:wrappingTextBoxFlag xmlns="" xmlns:ma14="http://schemas.microsoft.com/office/mac/drawingml/2011/main" val="1"/>
+                  <ma14:wrappingTextBoxFlag xmlns:ma14="http://schemas.microsoft.com/office/mac/drawingml/2011/main" xmlns="" val="1"/>
                 </a:ext>
               </a:extLst>
             </p:spPr>
@@ -9258,21 +9151,18 @@
               <a:t>(</a:t>
             </a:r>
             <a:r>
-              <a:rPr lang="en-US" sz="2900" dirty="0" err="1">
+              <a:rPr lang="en-US" sz="2900">
                 <a:solidFill>
                   <a:schemeClr val="tx1"/>
                 </a:solidFill>
               </a:rPr>
-              <a:t>Hengeveld</a:t>
-            </a:r>
-            <a:r>
-              <a:rPr lang="en-US" sz="2900" dirty="0">
-                <a:solidFill>
-                  <a:schemeClr val="tx1"/>
-                </a:solidFill>
-              </a:rPr>
-              <a:t>)</a:t>
-            </a:r>
+              <a:t>Ruijgrok)</a:t>
+            </a:r>
+            <a:endParaRPr lang="en-US" sz="2900" dirty="0">
+              <a:solidFill>
+                <a:schemeClr val="tx1"/>
+              </a:solidFill>
+            </a:endParaRPr>
           </a:p>
         </p:txBody>
       </p:sp>
@@ -9345,7 +9235,7 @@
             </a:r>
             <a:r>
               <a:rPr lang="en-US" sz="2900" dirty="0" err="1"/>
-              <a:t>Aboh</a:t>
+              <a:t>Rijgrok</a:t>
             </a:r>
             <a:r>
               <a:rPr lang="en-US" sz="2900" dirty="0"/>
@@ -9373,7 +9263,7 @@
           </a:ln>
           <a:extLst>
             <a:ext uri="{C572A759-6A51-4108-AA02-DFA0A04FC94B}">
-              <ma14:wrappingTextBoxFlag xmlns="" xmlns:ma14="http://schemas.microsoft.com/office/mac/drawingml/2011/main" val="1"/>
+              <ma14:wrappingTextBoxFlag xmlns:ma14="http://schemas.microsoft.com/office/mac/drawingml/2011/main" xmlns="" val="1"/>
             </a:ext>
           </a:extLst>
         </p:spPr>
@@ -9467,7 +9357,7 @@
           </a:ln>
           <a:extLst>
             <a:ext uri="{C572A759-6A51-4108-AA02-DFA0A04FC94B}">
-              <ma14:wrappingTextBoxFlag xmlns="" xmlns:ma14="http://schemas.microsoft.com/office/mac/drawingml/2011/main" val="1"/>
+              <ma14:wrappingTextBoxFlag xmlns:ma14="http://schemas.microsoft.com/office/mac/drawingml/2011/main" xmlns="" val="1"/>
             </a:ext>
           </a:extLst>
         </p:spPr>
@@ -9514,7 +9404,7 @@
         </p:nvSpPr>
         <p:spPr>
           <a:xfrm>
-            <a:off x="27053493" y="18726962"/>
+            <a:off x="27064299" y="18726962"/>
             <a:ext cx="3276000" cy="2430000"/>
           </a:xfrm>
           <a:prstGeom prst="roundRect">
@@ -9894,7 +9784,7 @@
           </a:ln>
           <a:extLst>
             <a:ext uri="{C572A759-6A51-4108-AA02-DFA0A04FC94B}">
-              <ma14:wrappingTextBoxFlag xmlns="" xmlns:ma14="http://schemas.microsoft.com/office/mac/drawingml/2011/main" val="1"/>
+              <ma14:wrappingTextBoxFlag xmlns:ma14="http://schemas.microsoft.com/office/mac/drawingml/2011/main" xmlns="" val="1"/>
             </a:ext>
           </a:extLst>
         </p:spPr>
@@ -9946,7 +9836,7 @@
           </a:ln>
           <a:extLst>
             <a:ext uri="{C572A759-6A51-4108-AA02-DFA0A04FC94B}">
-              <ma14:wrappingTextBoxFlag xmlns="" xmlns:ma14="http://schemas.microsoft.com/office/mac/drawingml/2011/main" val="1"/>
+              <ma14:wrappingTextBoxFlag xmlns:ma14="http://schemas.microsoft.com/office/mac/drawingml/2011/main" xmlns="" val="1"/>
             </a:ext>
           </a:extLst>
         </p:spPr>
@@ -10262,35 +10152,22 @@
               <a:gd name="adj" fmla="val 16667"/>
             </a:avLst>
           </a:prstGeom>
-          <a:gradFill flip="none" rotWithShape="1">
-            <a:gsLst>
-              <a:gs pos="0">
-                <a:srgbClr val="FFD1BB"/>
-              </a:gs>
-              <a:gs pos="35000">
-                <a:srgbClr val="FFDECF"/>
-              </a:gs>
-              <a:gs pos="100000">
-                <a:srgbClr val="FFF2ED"/>
-              </a:gs>
-            </a:gsLst>
-            <a:lin ang="16200000" scaled="0"/>
-          </a:gradFill>
-          <a:ln w="9525" cap="flat">
-            <a:solidFill>
-              <a:srgbClr val="F69240"/>
-            </a:solidFill>
-            <a:prstDash val="solid"/>
-            <a:bevel/>
-          </a:ln>
-          <a:effectLst>
-            <a:outerShdw blurRad="38100" dist="20000" dir="5400000" rotWithShape="0">
-              <a:srgbClr val="000000">
-                <a:alpha val="38000"/>
-              </a:srgbClr>
-            </a:outerShdw>
-          </a:effectLst>
+          <a:ln/>
         </p:spPr>
+        <p:style>
+          <a:lnRef idx="1">
+            <a:schemeClr val="accent4"/>
+          </a:lnRef>
+          <a:fillRef idx="2">
+            <a:schemeClr val="accent4"/>
+          </a:fillRef>
+          <a:effectRef idx="1">
+            <a:schemeClr val="accent4"/>
+          </a:effectRef>
+          <a:fontRef idx="minor">
+            <a:schemeClr val="dk1"/>
+          </a:fontRef>
+        </p:style>
         <p:txBody>
           <a:bodyPr wrap="square" lIns="0" tIns="0" rIns="0" bIns="0" numCol="1" anchor="ctr">
             <a:noAutofit/>
@@ -10299,37 +10176,100 @@
           <a:p>
             <a:pPr algn="ctr"/>
             <a:r>
-              <a:rPr lang="en-US" sz="2900" dirty="0"/>
+              <a:rPr lang="en-US" sz="2900" dirty="0">
+                <a:solidFill>
+                  <a:schemeClr val="dk1"/>
+                </a:solidFill>
+                <a:latin typeface="+mn-lt"/>
+                <a:ea typeface="+mn-ea"/>
+                <a:cs typeface="+mn-cs"/>
+              </a:rPr>
               <a:t>[</a:t>
             </a:r>
             <a:r>
-              <a:rPr lang="en-US" sz="2900" dirty="0" err="1"/>
+              <a:rPr lang="en-US" sz="2900" dirty="0" err="1">
+                <a:solidFill>
+                  <a:schemeClr val="dk1"/>
+                </a:solidFill>
+                <a:latin typeface="+mn-lt"/>
+                <a:ea typeface="+mn-ea"/>
+                <a:cs typeface="+mn-cs"/>
+              </a:rPr>
               <a:t>MScCS</a:t>
             </a:r>
             <a:r>
-              <a:rPr lang="en-US" sz="2900" dirty="0"/>
+              <a:rPr lang="en-US" sz="2900" dirty="0">
+                <a:solidFill>
+                  <a:schemeClr val="dk1"/>
+                </a:solidFill>
+                <a:latin typeface="+mn-lt"/>
+                <a:ea typeface="+mn-ea"/>
+                <a:cs typeface="+mn-cs"/>
+              </a:rPr>
               <a:t>-VU]</a:t>
             </a:r>
             <a:br>
-              <a:rPr lang="en-US" sz="2900" dirty="0"/>
+              <a:rPr lang="en-US" sz="2900" dirty="0">
+                <a:solidFill>
+                  <a:schemeClr val="dk1"/>
+                </a:solidFill>
+                <a:latin typeface="+mn-lt"/>
+                <a:ea typeface="+mn-ea"/>
+                <a:cs typeface="+mn-cs"/>
+              </a:rPr>
             </a:br>
             <a:r>
-              <a:rPr lang="en-US" sz="2900" dirty="0"/>
+              <a:rPr lang="en-US" sz="2900" dirty="0">
+                <a:solidFill>
+                  <a:schemeClr val="dk1"/>
+                </a:solidFill>
+                <a:latin typeface="+mn-lt"/>
+                <a:ea typeface="+mn-ea"/>
+                <a:cs typeface="+mn-cs"/>
+              </a:rPr>
               <a:t>Term Rewriting Systems</a:t>
             </a:r>
             <a:br>
-              <a:rPr lang="en-US" sz="2900" dirty="0"/>
+              <a:rPr lang="en-US" sz="2900" dirty="0">
+                <a:solidFill>
+                  <a:schemeClr val="dk1"/>
+                </a:solidFill>
+                <a:latin typeface="+mn-lt"/>
+                <a:ea typeface="+mn-ea"/>
+                <a:cs typeface="+mn-cs"/>
+              </a:rPr>
             </a:br>
             <a:r>
-              <a:rPr lang="en-US" sz="2900" dirty="0"/>
+              <a:rPr lang="en-US" sz="2900" dirty="0">
+                <a:solidFill>
+                  <a:schemeClr val="dk1"/>
+                </a:solidFill>
+                <a:latin typeface="+mn-lt"/>
+                <a:ea typeface="+mn-ea"/>
+                <a:cs typeface="+mn-cs"/>
+              </a:rPr>
               <a:t>(</a:t>
             </a:r>
             <a:r>
-              <a:rPr lang="en-US" sz="2900" dirty="0" err="1"/>
+              <a:rPr lang="en-US" sz="2900" dirty="0" err="1">
+                <a:solidFill>
+                  <a:schemeClr val="dk1"/>
+                </a:solidFill>
+                <a:latin typeface="+mn-lt"/>
+                <a:ea typeface="+mn-ea"/>
+                <a:cs typeface="+mn-cs"/>
+              </a:rPr>
               <a:t>Endrullis</a:t>
             </a:r>
             <a:r>
-              <a:rPr lang="en-US" sz="2900" dirty="0"/>
+              <a:rPr lang="en-US" sz="2900" dirty="0">
+                <a:solidFill>
+                  <a:schemeClr val="dk1"/>
+                </a:solidFill>
+                <a:latin typeface="+mn-lt"/>
+                <a:ea typeface="+mn-ea"/>
+                <a:cs typeface="+mn-cs"/>
+              </a:rPr>
               <a:t>)</a:t>
             </a:r>
           </a:p>
@@ -10874,7 +10814,7 @@
           </a:ln>
           <a:extLst>
             <a:ext uri="{C572A759-6A51-4108-AA02-DFA0A04FC94B}">
-              <ma14:wrappingTextBoxFlag xmlns="" xmlns:ma14="http://schemas.microsoft.com/office/mac/drawingml/2011/main" val="1"/>
+              <ma14:wrappingTextBoxFlag xmlns:ma14="http://schemas.microsoft.com/office/mac/drawingml/2011/main" xmlns="" val="1"/>
             </a:ext>
           </a:extLst>
         </p:spPr>
@@ -11017,7 +10957,7 @@
                 <a:ea typeface="Calibri"/>
                 <a:cs typeface="Calibri"/>
               </a:rPr>
-              <a:t>version: 10 May 2019:</a:t>
+              <a:t>version: 13 May 2019:</a:t>
             </a:r>
             <a:br>
               <a:rPr lang="en-US" sz="2800" dirty="0">
@@ -11363,7 +11303,7 @@
           </a:ln>
           <a:extLst>
             <a:ext uri="{C572A759-6A51-4108-AA02-DFA0A04FC94B}">
-              <ma14:wrappingTextBoxFlag xmlns="" xmlns:ma14="http://schemas.microsoft.com/office/mac/drawingml/2011/main" val="1"/>
+              <ma14:wrappingTextBoxFlag xmlns:ma14="http://schemas.microsoft.com/office/mac/drawingml/2011/main" xmlns="" val="1"/>
             </a:ext>
           </a:extLst>
         </p:spPr>
@@ -11383,14 +11323,14 @@
             <a:r>
               <a:rPr lang="en-US" sz="3300" b="1" dirty="0">
                 <a:solidFill>
-                  <a:schemeClr val="tx1"/>
+                  <a:schemeClr val="bg1"/>
                 </a:solidFill>
               </a:rPr>
               <a:t>L&amp;M</a:t>
             </a:r>
             <a:endParaRPr sz="3300" b="1" dirty="0">
               <a:solidFill>
-                <a:schemeClr val="tx1"/>
+                <a:schemeClr val="bg1"/>
               </a:solidFill>
             </a:endParaRPr>
           </a:p>
@@ -11813,6 +11753,108 @@
               </a:defRPr>
             </a:pPr>
             <a:endParaRPr/>
+          </a:p>
+        </p:txBody>
+      </p:sp>
+      <p:sp>
+        <p:nvSpPr>
+          <p:cNvPr id="164" name="Shape 211">
+            <a:extLst>
+              <a:ext uri="{FF2B5EF4-FFF2-40B4-BE49-F238E27FC236}">
+                <a16:creationId xmlns:a16="http://schemas.microsoft.com/office/drawing/2014/main" id="{7123FEA1-E2EA-4240-B92F-3B82BDD7A6B9}"/>
+              </a:ext>
+            </a:extLst>
+          </p:cNvPr>
+          <p:cNvSpPr/>
+          <p:nvPr/>
+        </p:nvSpPr>
+        <p:spPr>
+          <a:xfrm>
+            <a:off x="34550258" y="18726962"/>
+            <a:ext cx="3276000" cy="2430000"/>
+          </a:xfrm>
+          <a:prstGeom prst="roundRect">
+            <a:avLst>
+              <a:gd name="adj" fmla="val 16667"/>
+            </a:avLst>
+          </a:prstGeom>
+          <a:gradFill flip="none" rotWithShape="1">
+            <a:gsLst>
+              <a:gs pos="0">
+                <a:srgbClr val="FFD1BB"/>
+              </a:gs>
+              <a:gs pos="35000">
+                <a:srgbClr val="FFDECF"/>
+              </a:gs>
+              <a:gs pos="100000">
+                <a:srgbClr val="FFF2ED"/>
+              </a:gs>
+            </a:gsLst>
+            <a:lin ang="16200000" scaled="0"/>
+          </a:gradFill>
+          <a:ln w="9525" cap="flat">
+            <a:solidFill>
+              <a:srgbClr val="F69240"/>
+            </a:solidFill>
+            <a:prstDash val="solid"/>
+            <a:bevel/>
+          </a:ln>
+          <a:effectLst>
+            <a:outerShdw blurRad="38100" dist="20000" dir="5400000" rotWithShape="0">
+              <a:srgbClr val="000000">
+                <a:alpha val="38000"/>
+              </a:srgbClr>
+            </a:outerShdw>
+          </a:effectLst>
+        </p:spPr>
+        <p:txBody>
+          <a:bodyPr wrap="square" lIns="0" tIns="0" rIns="0" bIns="0" numCol="1" anchor="ctr">
+            <a:noAutofit/>
+          </a:bodyPr>
+          <a:lstStyle/>
+          <a:p>
+            <a:pPr algn="ctr"/>
+            <a:r>
+              <a:rPr lang="en-US" sz="2900" dirty="0">
+                <a:latin typeface="Calibri"/>
+                <a:cs typeface="Calibri"/>
+              </a:rPr>
+              <a:t>[</a:t>
+            </a:r>
+            <a:r>
+              <a:rPr lang="en-US" sz="2900" dirty="0" err="1">
+                <a:latin typeface="Calibri"/>
+                <a:cs typeface="Calibri"/>
+              </a:rPr>
+              <a:t>MoL</a:t>
+            </a:r>
+            <a:r>
+              <a:rPr lang="en-US" sz="2900" dirty="0">
+                <a:latin typeface="Calibri"/>
+                <a:cs typeface="Calibri"/>
+              </a:rPr>
+              <a:t>-FNWI]</a:t>
+            </a:r>
+          </a:p>
+          <a:p>
+            <a:pPr algn="ctr"/>
+            <a:r>
+              <a:rPr lang="en-US" sz="2900" dirty="0">
+                <a:latin typeface="Calibri"/>
+                <a:cs typeface="Calibri"/>
+              </a:rPr>
+              <a:t>Symbolic Systems 1</a:t>
+            </a:r>
+          </a:p>
+          <a:p>
+            <a:pPr algn="ctr"/>
+            <a:r>
+              <a:rPr lang="en-US" sz="2900" dirty="0">
+                <a:latin typeface="Calibri"/>
+                <a:cs typeface="Calibri"/>
+              </a:rPr>
+              <a:t>(TBA)</a:t>
+            </a:r>
           </a:p>
         </p:txBody>
       </p:sp>

--- a/MoLOverviewPoster2019.pptx
+++ b/MoLOverviewPoster2019.pptx
@@ -2319,7 +2319,7 @@
           </a:ln>
           <a:extLst>
             <a:ext uri="{C572A759-6A51-4108-AA02-DFA0A04FC94B}">
-              <ma14:wrappingTextBoxFlag xmlns:ma14="http://schemas.microsoft.com/office/mac/drawingml/2011/main" xmlns="" val="1"/>
+              <ma14:wrappingTextBoxFlag xmlns="" xmlns:ma14="http://schemas.microsoft.com/office/mac/drawingml/2011/main" val="1"/>
             </a:ext>
           </a:extLst>
         </p:spPr>
@@ -2362,7 +2362,7 @@
           </a:ln>
           <a:extLst>
             <a:ext uri="{C572A759-6A51-4108-AA02-DFA0A04FC94B}">
-              <ma14:wrappingTextBoxFlag xmlns:ma14="http://schemas.microsoft.com/office/mac/drawingml/2011/main" xmlns="" val="1"/>
+              <ma14:wrappingTextBoxFlag xmlns="" xmlns:ma14="http://schemas.microsoft.com/office/mac/drawingml/2011/main" val="1"/>
             </a:ext>
           </a:extLst>
         </p:spPr>
@@ -3582,7 +3582,7 @@
           </a:ln>
           <a:extLst>
             <a:ext uri="{C572A759-6A51-4108-AA02-DFA0A04FC94B}">
-              <ma14:wrappingTextBoxFlag xmlns:ma14="http://schemas.microsoft.com/office/mac/drawingml/2011/main" xmlns="" val="1"/>
+              <ma14:wrappingTextBoxFlag xmlns="" xmlns:ma14="http://schemas.microsoft.com/office/mac/drawingml/2011/main" val="1"/>
             </a:ext>
           </a:extLst>
         </p:spPr>
@@ -3697,7 +3697,7 @@
           </a:ln>
           <a:extLst>
             <a:ext uri="{C572A759-6A51-4108-AA02-DFA0A04FC94B}">
-              <ma14:wrappingTextBoxFlag xmlns:ma14="http://schemas.microsoft.com/office/mac/drawingml/2011/main" xmlns="" val="1"/>
+              <ma14:wrappingTextBoxFlag xmlns="" xmlns:ma14="http://schemas.microsoft.com/office/mac/drawingml/2011/main" val="1"/>
             </a:ext>
           </a:extLst>
         </p:spPr>
@@ -3741,7 +3741,7 @@
           </a:ln>
           <a:extLst>
             <a:ext uri="{C572A759-6A51-4108-AA02-DFA0A04FC94B}">
-              <ma14:wrappingTextBoxFlag xmlns:ma14="http://schemas.microsoft.com/office/mac/drawingml/2011/main" xmlns="" val="1"/>
+              <ma14:wrappingTextBoxFlag xmlns="" xmlns:ma14="http://schemas.microsoft.com/office/mac/drawingml/2011/main" val="1"/>
             </a:ext>
           </a:extLst>
         </p:spPr>
@@ -3801,7 +3801,7 @@
           </a:ln>
           <a:extLst>
             <a:ext uri="{C572A759-6A51-4108-AA02-DFA0A04FC94B}">
-              <ma14:wrappingTextBoxFlag xmlns:ma14="http://schemas.microsoft.com/office/mac/drawingml/2011/main" xmlns="" val="1"/>
+              <ma14:wrappingTextBoxFlag xmlns="" xmlns:ma14="http://schemas.microsoft.com/office/mac/drawingml/2011/main" val="1"/>
             </a:ext>
           </a:extLst>
         </p:spPr>
@@ -4118,7 +4118,7 @@
               </a:ln>
               <a:extLst>
                 <a:ext uri="{C572A759-6A51-4108-AA02-DFA0A04FC94B}">
-                  <ma14:wrappingTextBoxFlag xmlns:ma14="http://schemas.microsoft.com/office/mac/drawingml/2011/main" xmlns="" val="1"/>
+                  <ma14:wrappingTextBoxFlag xmlns="" xmlns:ma14="http://schemas.microsoft.com/office/mac/drawingml/2011/main" val="1"/>
                 </a:ext>
               </a:extLst>
             </p:spPr>
@@ -4214,7 +4214,7 @@
           </a:ln>
           <a:extLst>
             <a:ext uri="{C572A759-6A51-4108-AA02-DFA0A04FC94B}">
-              <ma14:wrappingTextBoxFlag xmlns:ma14="http://schemas.microsoft.com/office/mac/drawingml/2011/main" xmlns="" val="1"/>
+              <ma14:wrappingTextBoxFlag xmlns="" xmlns:ma14="http://schemas.microsoft.com/office/mac/drawingml/2011/main" val="1"/>
             </a:ext>
           </a:extLst>
         </p:spPr>
@@ -4258,7 +4258,7 @@
           </a:ln>
           <a:extLst>
             <a:ext uri="{C572A759-6A51-4108-AA02-DFA0A04FC94B}">
-              <ma14:wrappingTextBoxFlag xmlns:ma14="http://schemas.microsoft.com/office/mac/drawingml/2011/main" xmlns="" val="1"/>
+              <ma14:wrappingTextBoxFlag xmlns="" xmlns:ma14="http://schemas.microsoft.com/office/mac/drawingml/2011/main" val="1"/>
             </a:ext>
           </a:extLst>
         </p:spPr>
@@ -4414,7 +4414,7 @@
             </a:ln>
             <a:extLst>
               <a:ext uri="{C572A759-6A51-4108-AA02-DFA0A04FC94B}">
-                <ma14:wrappingTextBoxFlag xmlns:ma14="http://schemas.microsoft.com/office/mac/drawingml/2011/main" xmlns="" val="1"/>
+                <ma14:wrappingTextBoxFlag xmlns="" xmlns:ma14="http://schemas.microsoft.com/office/mac/drawingml/2011/main" val="1"/>
               </a:ext>
             </a:extLst>
           </p:spPr>
@@ -4467,7 +4467,7 @@
           </a:ln>
           <a:extLst>
             <a:ext uri="{C572A759-6A51-4108-AA02-DFA0A04FC94B}">
-              <ma14:wrappingTextBoxFlag xmlns:ma14="http://schemas.microsoft.com/office/mac/drawingml/2011/main" xmlns="" val="1"/>
+              <ma14:wrappingTextBoxFlag xmlns="" xmlns:ma14="http://schemas.microsoft.com/office/mac/drawingml/2011/main" val="1"/>
             </a:ext>
           </a:extLst>
         </p:spPr>
@@ -6585,7 +6585,11 @@
             </a:r>
             <a:r>
               <a:rPr lang="en-US" sz="2900" dirty="0"/>
-              <a:t>] Quantum computing </a:t>
+              <a:t>] </a:t>
+            </a:r>
+            <a:r>
+              <a:rPr lang="en-US" sz="2900"/>
+              <a:t>Quantum Computing </a:t>
             </a:r>
             <a:br>
               <a:rPr lang="en-US" sz="2900" dirty="0"/>
@@ -6741,7 +6745,7 @@
         </p:nvSpPr>
         <p:spPr>
           <a:xfrm>
-            <a:off x="31091852" y="24410745"/>
+            <a:off x="31091852" y="27173194"/>
             <a:ext cx="3276000" cy="2430000"/>
           </a:xfrm>
           <a:prstGeom prst="roundRect">
@@ -6793,7 +6797,7 @@
             </a:r>
             <a:r>
               <a:rPr lang="en-US" sz="2900" dirty="0" err="1"/>
-              <a:t>MastMath</a:t>
+              <a:t>MastMath-UvA</a:t>
             </a:r>
             <a:r>
               <a:rPr lang="en-US" sz="2900" dirty="0"/>
@@ -6939,7 +6943,7 @@
             </a:ln>
             <a:extLst>
               <a:ext uri="{C572A759-6A51-4108-AA02-DFA0A04FC94B}">
-                <ma14:wrappingTextBoxFlag xmlns:ma14="http://schemas.microsoft.com/office/mac/drawingml/2011/main" xmlns="" val="1"/>
+                <ma14:wrappingTextBoxFlag xmlns="" xmlns:ma14="http://schemas.microsoft.com/office/mac/drawingml/2011/main" val="1"/>
               </a:ext>
             </a:extLst>
           </p:spPr>
@@ -7139,7 +7143,7 @@
             </a:ln>
             <a:extLst>
               <a:ext uri="{C572A759-6A51-4108-AA02-DFA0A04FC94B}">
-                <ma14:wrappingTextBoxFlag xmlns:ma14="http://schemas.microsoft.com/office/mac/drawingml/2011/main" xmlns="" val="1"/>
+                <ma14:wrappingTextBoxFlag xmlns="" xmlns:ma14="http://schemas.microsoft.com/office/mac/drawingml/2011/main" val="1"/>
               </a:ext>
             </a:extLst>
           </p:spPr>
@@ -7857,7 +7861,7 @@
             </a:ln>
             <a:extLst>
               <a:ext uri="{C572A759-6A51-4108-AA02-DFA0A04FC94B}">
-                <ma14:wrappingTextBoxFlag xmlns:ma14="http://schemas.microsoft.com/office/mac/drawingml/2011/main" xmlns="" val="1"/>
+                <ma14:wrappingTextBoxFlag xmlns="" xmlns:ma14="http://schemas.microsoft.com/office/mac/drawingml/2011/main" val="1"/>
               </a:ext>
             </a:extLst>
           </p:spPr>
@@ -8023,7 +8027,7 @@
             </a:ln>
             <a:extLst>
               <a:ext uri="{C572A759-6A51-4108-AA02-DFA0A04FC94B}">
-                <ma14:wrappingTextBoxFlag xmlns:ma14="http://schemas.microsoft.com/office/mac/drawingml/2011/main" xmlns="" val="1"/>
+                <ma14:wrappingTextBoxFlag xmlns="" xmlns:ma14="http://schemas.microsoft.com/office/mac/drawingml/2011/main" val="1"/>
               </a:ext>
             </a:extLst>
           </p:spPr>
@@ -8062,7 +8066,7 @@
           </a:ln>
           <a:extLst>
             <a:ext uri="{C572A759-6A51-4108-AA02-DFA0A04FC94B}">
-              <ma14:wrappingTextBoxFlag xmlns:ma14="http://schemas.microsoft.com/office/mac/drawingml/2011/main" xmlns="" val="1"/>
+              <ma14:wrappingTextBoxFlag xmlns="" xmlns:ma14="http://schemas.microsoft.com/office/mac/drawingml/2011/main" val="1"/>
             </a:ext>
           </a:extLst>
         </p:spPr>
@@ -8591,7 +8595,7 @@
             </a:ln>
             <a:extLst>
               <a:ext uri="{C572A759-6A51-4108-AA02-DFA0A04FC94B}">
-                <ma14:wrappingTextBoxFlag xmlns:ma14="http://schemas.microsoft.com/office/mac/drawingml/2011/main" xmlns="" val="1"/>
+                <ma14:wrappingTextBoxFlag xmlns="" xmlns:ma14="http://schemas.microsoft.com/office/mac/drawingml/2011/main" val="1"/>
               </a:ext>
             </a:extLst>
           </p:spPr>
@@ -8947,7 +8951,7 @@
               </a:ln>
               <a:extLst>
                 <a:ext uri="{C572A759-6A51-4108-AA02-DFA0A04FC94B}">
-                  <ma14:wrappingTextBoxFlag xmlns:ma14="http://schemas.microsoft.com/office/mac/drawingml/2011/main" xmlns="" val="1"/>
+                  <ma14:wrappingTextBoxFlag xmlns="" xmlns:ma14="http://schemas.microsoft.com/office/mac/drawingml/2011/main" val="1"/>
                 </a:ext>
               </a:extLst>
             </p:spPr>
@@ -9263,7 +9267,7 @@
           </a:ln>
           <a:extLst>
             <a:ext uri="{C572A759-6A51-4108-AA02-DFA0A04FC94B}">
-              <ma14:wrappingTextBoxFlag xmlns:ma14="http://schemas.microsoft.com/office/mac/drawingml/2011/main" xmlns="" val="1"/>
+              <ma14:wrappingTextBoxFlag xmlns="" xmlns:ma14="http://schemas.microsoft.com/office/mac/drawingml/2011/main" val="1"/>
             </a:ext>
           </a:extLst>
         </p:spPr>
@@ -9357,7 +9361,7 @@
           </a:ln>
           <a:extLst>
             <a:ext uri="{C572A759-6A51-4108-AA02-DFA0A04FC94B}">
-              <ma14:wrappingTextBoxFlag xmlns:ma14="http://schemas.microsoft.com/office/mac/drawingml/2011/main" xmlns="" val="1"/>
+              <ma14:wrappingTextBoxFlag xmlns="" xmlns:ma14="http://schemas.microsoft.com/office/mac/drawingml/2011/main" val="1"/>
             </a:ext>
           </a:extLst>
         </p:spPr>
@@ -9784,7 +9788,7 @@
           </a:ln>
           <a:extLst>
             <a:ext uri="{C572A759-6A51-4108-AA02-DFA0A04FC94B}">
-              <ma14:wrappingTextBoxFlag xmlns:ma14="http://schemas.microsoft.com/office/mac/drawingml/2011/main" xmlns="" val="1"/>
+              <ma14:wrappingTextBoxFlag xmlns="" xmlns:ma14="http://schemas.microsoft.com/office/mac/drawingml/2011/main" val="1"/>
             </a:ext>
           </a:extLst>
         </p:spPr>
@@ -9836,7 +9840,7 @@
           </a:ln>
           <a:extLst>
             <a:ext uri="{C572A759-6A51-4108-AA02-DFA0A04FC94B}">
-              <ma14:wrappingTextBoxFlag xmlns:ma14="http://schemas.microsoft.com/office/mac/drawingml/2011/main" xmlns="" val="1"/>
+              <ma14:wrappingTextBoxFlag xmlns="" xmlns:ma14="http://schemas.microsoft.com/office/mac/drawingml/2011/main" val="1"/>
             </a:ext>
           </a:extLst>
         </p:spPr>
@@ -10144,7 +10148,7 @@
         </p:nvSpPr>
         <p:spPr>
           <a:xfrm>
-            <a:off x="31091852" y="27173194"/>
+            <a:off x="31091852" y="24428982"/>
             <a:ext cx="3276000" cy="2430000"/>
           </a:xfrm>
           <a:prstGeom prst="roundRect">
@@ -10814,7 +10818,7 @@
           </a:ln>
           <a:extLst>
             <a:ext uri="{C572A759-6A51-4108-AA02-DFA0A04FC94B}">
-              <ma14:wrappingTextBoxFlag xmlns:ma14="http://schemas.microsoft.com/office/mac/drawingml/2011/main" xmlns="" val="1"/>
+              <ma14:wrappingTextBoxFlag xmlns="" xmlns:ma14="http://schemas.microsoft.com/office/mac/drawingml/2011/main" val="1"/>
             </a:ext>
           </a:extLst>
         </p:spPr>
@@ -11303,7 +11307,7 @@
           </a:ln>
           <a:extLst>
             <a:ext uri="{C572A759-6A51-4108-AA02-DFA0A04FC94B}">
-              <ma14:wrappingTextBoxFlag xmlns:ma14="http://schemas.microsoft.com/office/mac/drawingml/2011/main" xmlns="" val="1"/>
+              <ma14:wrappingTextBoxFlag xmlns="" xmlns:ma14="http://schemas.microsoft.com/office/mac/drawingml/2011/main" val="1"/>
             </a:ext>
           </a:extLst>
         </p:spPr>

--- a/MoLOverviewPoster2019.pptx
+++ b/MoLOverviewPoster2019.pptx
@@ -6585,11 +6585,7 @@
             </a:r>
             <a:r>
               <a:rPr lang="en-US" sz="2900" dirty="0"/>
-              <a:t>] </a:t>
-            </a:r>
-            <a:r>
-              <a:rPr lang="en-US" sz="2900"/>
-              <a:t>Quantum Computing </a:t>
+              <a:t>] Quantum Computing </a:t>
             </a:r>
             <a:br>
               <a:rPr lang="en-US" sz="2900" dirty="0"/>
@@ -9239,7 +9235,7 @@
             </a:r>
             <a:r>
               <a:rPr lang="en-US" sz="2900" dirty="0" err="1"/>
-              <a:t>Rijgrok</a:t>
+              <a:t>Ruijgrok</a:t>
             </a:r>
             <a:r>
               <a:rPr lang="en-US" sz="2900" dirty="0"/>

--- a/MoLOverviewPoster2019.pptx
+++ b/MoLOverviewPoster2019.pptx
@@ -193,7 +193,7 @@
           <a:p>
             <a:fld id="{B179243D-0E3E-4D4F-90E9-F9F1DBB34143}" type="datetimeFigureOut">
               <a:rPr lang="en-US" smtClean="0"/>
-              <a:t>5/13/19</a:t>
+              <a:t>5/17/19</a:t>
             </a:fld>
             <a:endParaRPr lang="en-US"/>
           </a:p>
@@ -2319,7 +2319,7 @@
           </a:ln>
           <a:extLst>
             <a:ext uri="{C572A759-6A51-4108-AA02-DFA0A04FC94B}">
-              <ma14:wrappingTextBoxFlag xmlns="" xmlns:ma14="http://schemas.microsoft.com/office/mac/drawingml/2011/main" val="1"/>
+              <ma14:wrappingTextBoxFlag xmlns:ma14="http://schemas.microsoft.com/office/mac/drawingml/2011/main" xmlns="" val="1"/>
             </a:ext>
           </a:extLst>
         </p:spPr>
@@ -2362,7 +2362,7 @@
           </a:ln>
           <a:extLst>
             <a:ext uri="{C572A759-6A51-4108-AA02-DFA0A04FC94B}">
-              <ma14:wrappingTextBoxFlag xmlns="" xmlns:ma14="http://schemas.microsoft.com/office/mac/drawingml/2011/main" val="1"/>
+              <ma14:wrappingTextBoxFlag xmlns:ma14="http://schemas.microsoft.com/office/mac/drawingml/2011/main" xmlns="" val="1"/>
             </a:ext>
           </a:extLst>
         </p:spPr>
@@ -2814,9 +2814,9 @@
         <p:grpSpPr>
           <a:xfrm>
             <a:off x="308802" y="364830"/>
-            <a:ext cx="42310995" cy="29542094"/>
+            <a:ext cx="42310995" cy="29676722"/>
             <a:chOff x="1132722" y="281817"/>
-            <a:chExt cx="42310996" cy="29542093"/>
+            <a:chExt cx="42310996" cy="29676721"/>
           </a:xfrm>
         </p:grpSpPr>
         <p:sp>
@@ -3058,13 +3058,13 @@
           </p:nvSpPr>
           <p:spPr>
             <a:xfrm rot="16200000">
-              <a:off x="25949484" y="12329676"/>
-              <a:ext cx="11392971" cy="23595497"/>
+              <a:off x="25882170" y="12396990"/>
+              <a:ext cx="11527599" cy="23595497"/>
             </a:xfrm>
             <a:prstGeom prst="corner">
               <a:avLst>
                 <a:gd name="adj1" fmla="val 37010"/>
-                <a:gd name="adj2" fmla="val 74670"/>
+                <a:gd name="adj2" fmla="val 75067"/>
               </a:avLst>
             </a:prstGeom>
             <a:solidFill>
@@ -3582,7 +3582,7 @@
           </a:ln>
           <a:extLst>
             <a:ext uri="{C572A759-6A51-4108-AA02-DFA0A04FC94B}">
-              <ma14:wrappingTextBoxFlag xmlns="" xmlns:ma14="http://schemas.microsoft.com/office/mac/drawingml/2011/main" val="1"/>
+              <ma14:wrappingTextBoxFlag xmlns:ma14="http://schemas.microsoft.com/office/mac/drawingml/2011/main" xmlns="" val="1"/>
             </a:ext>
           </a:extLst>
         </p:spPr>
@@ -3697,7 +3697,7 @@
           </a:ln>
           <a:extLst>
             <a:ext uri="{C572A759-6A51-4108-AA02-DFA0A04FC94B}">
-              <ma14:wrappingTextBoxFlag xmlns="" xmlns:ma14="http://schemas.microsoft.com/office/mac/drawingml/2011/main" val="1"/>
+              <ma14:wrappingTextBoxFlag xmlns:ma14="http://schemas.microsoft.com/office/mac/drawingml/2011/main" xmlns="" val="1"/>
             </a:ext>
           </a:extLst>
         </p:spPr>
@@ -3719,6 +3719,68 @@
               <a:t>Theoretical Computer Science</a:t>
             </a:r>
             <a:endParaRPr sz="3900" b="1" dirty="0"/>
+          </a:p>
+        </p:txBody>
+      </p:sp>
+      <p:sp>
+        <p:nvSpPr>
+          <p:cNvPr id="166" name="Rounded Rectangle 165">
+            <a:extLst>
+              <a:ext uri="{FF2B5EF4-FFF2-40B4-BE49-F238E27FC236}">
+                <a16:creationId xmlns:a16="http://schemas.microsoft.com/office/drawing/2014/main" id="{C034A9A3-F2F8-874E-9031-991B3DB0273A}"/>
+              </a:ext>
+            </a:extLst>
+          </p:cNvPr>
+          <p:cNvSpPr/>
+          <p:nvPr/>
+        </p:nvSpPr>
+        <p:spPr>
+          <a:xfrm>
+            <a:off x="26841908" y="27008316"/>
+            <a:ext cx="10160703" cy="2798415"/>
+          </a:xfrm>
+          <a:prstGeom prst="roundRect">
+            <a:avLst>
+              <a:gd name="adj" fmla="val 9008"/>
+            </a:avLst>
+          </a:prstGeom>
+          <a:solidFill>
+            <a:srgbClr val="FF0000">
+              <a:alpha val="30196"/>
+            </a:srgbClr>
+          </a:solidFill>
+          <a:ln w="76200">
+            <a:solidFill>
+              <a:srgbClr val="FF0000"/>
+            </a:solidFill>
+          </a:ln>
+        </p:spPr>
+        <p:style>
+          <a:lnRef idx="2">
+            <a:schemeClr val="dk1"/>
+          </a:lnRef>
+          <a:fillRef idx="0">
+            <a:schemeClr val="dk1"/>
+          </a:fillRef>
+          <a:effectRef idx="1">
+            <a:schemeClr val="dk1"/>
+          </a:effectRef>
+          <a:fontRef idx="minor">
+            <a:schemeClr val="tx1"/>
+          </a:fontRef>
+        </p:style>
+        <p:txBody>
+          <a:bodyPr rot="0" spcFirstLastPara="1" vertOverflow="overflow" horzOverflow="overflow" vert="horz" wrap="square" lIns="91439" tIns="45719" rIns="91439" bIns="45719" numCol="1" spcCol="38100" rtlCol="0" anchor="t">
+            <a:noAutofit/>
+          </a:bodyPr>
+          <a:lstStyle/>
+          <a:p>
+            <a:pPr algn="l" defTabSz="914193" rtl="0" latinLnBrk="1" hangingPunct="0"/>
+            <a:endParaRPr lang="en-US" sz="2000">
+              <a:solidFill>
+                <a:srgbClr val="000000"/>
+              </a:solidFill>
+            </a:endParaRPr>
           </a:p>
         </p:txBody>
       </p:sp>
@@ -3741,7 +3803,7 @@
           </a:ln>
           <a:extLst>
             <a:ext uri="{C572A759-6A51-4108-AA02-DFA0A04FC94B}">
-              <ma14:wrappingTextBoxFlag xmlns="" xmlns:ma14="http://schemas.microsoft.com/office/mac/drawingml/2011/main" val="1"/>
+              <ma14:wrappingTextBoxFlag xmlns:ma14="http://schemas.microsoft.com/office/mac/drawingml/2011/main" xmlns="" val="1"/>
             </a:ext>
           </a:extLst>
         </p:spPr>
@@ -3801,7 +3863,7 @@
           </a:ln>
           <a:extLst>
             <a:ext uri="{C572A759-6A51-4108-AA02-DFA0A04FC94B}">
-              <ma14:wrappingTextBoxFlag xmlns="" xmlns:ma14="http://schemas.microsoft.com/office/mac/drawingml/2011/main" val="1"/>
+              <ma14:wrappingTextBoxFlag xmlns:ma14="http://schemas.microsoft.com/office/mac/drawingml/2011/main" xmlns="" val="1"/>
             </a:ext>
           </a:extLst>
         </p:spPr>
@@ -4118,7 +4180,7 @@
               </a:ln>
               <a:extLst>
                 <a:ext uri="{C572A759-6A51-4108-AA02-DFA0A04FC94B}">
-                  <ma14:wrappingTextBoxFlag xmlns="" xmlns:ma14="http://schemas.microsoft.com/office/mac/drawingml/2011/main" val="1"/>
+                  <ma14:wrappingTextBoxFlag xmlns:ma14="http://schemas.microsoft.com/office/mac/drawingml/2011/main" xmlns="" val="1"/>
                 </a:ext>
               </a:extLst>
             </p:spPr>
@@ -4214,7 +4276,7 @@
           </a:ln>
           <a:extLst>
             <a:ext uri="{C572A759-6A51-4108-AA02-DFA0A04FC94B}">
-              <ma14:wrappingTextBoxFlag xmlns="" xmlns:ma14="http://schemas.microsoft.com/office/mac/drawingml/2011/main" val="1"/>
+              <ma14:wrappingTextBoxFlag xmlns:ma14="http://schemas.microsoft.com/office/mac/drawingml/2011/main" xmlns="" val="1"/>
             </a:ext>
           </a:extLst>
         </p:spPr>
@@ -4258,7 +4320,7 @@
           </a:ln>
           <a:extLst>
             <a:ext uri="{C572A759-6A51-4108-AA02-DFA0A04FC94B}">
-              <ma14:wrappingTextBoxFlag xmlns="" xmlns:ma14="http://schemas.microsoft.com/office/mac/drawingml/2011/main" val="1"/>
+              <ma14:wrappingTextBoxFlag xmlns:ma14="http://schemas.microsoft.com/office/mac/drawingml/2011/main" xmlns="" val="1"/>
             </a:ext>
           </a:extLst>
         </p:spPr>
@@ -4414,7 +4476,7 @@
             </a:ln>
             <a:extLst>
               <a:ext uri="{C572A759-6A51-4108-AA02-DFA0A04FC94B}">
-                <ma14:wrappingTextBoxFlag xmlns="" xmlns:ma14="http://schemas.microsoft.com/office/mac/drawingml/2011/main" val="1"/>
+                <ma14:wrappingTextBoxFlag xmlns:ma14="http://schemas.microsoft.com/office/mac/drawingml/2011/main" xmlns="" val="1"/>
               </a:ext>
             </a:extLst>
           </p:spPr>
@@ -4467,7 +4529,7 @@
           </a:ln>
           <a:extLst>
             <a:ext uri="{C572A759-6A51-4108-AA02-DFA0A04FC94B}">
-              <ma14:wrappingTextBoxFlag xmlns="" xmlns:ma14="http://schemas.microsoft.com/office/mac/drawingml/2011/main" val="1"/>
+              <ma14:wrappingTextBoxFlag xmlns:ma14="http://schemas.microsoft.com/office/mac/drawingml/2011/main" xmlns="" val="1"/>
             </a:ext>
           </a:extLst>
         </p:spPr>
@@ -6527,7 +6589,7 @@
         </p:nvSpPr>
         <p:spPr>
           <a:xfrm>
-            <a:off x="34854391" y="27173194"/>
+            <a:off x="30940967" y="27173194"/>
             <a:ext cx="3276000" cy="2430000"/>
           </a:xfrm>
           <a:prstGeom prst="roundRect">
@@ -6741,7 +6803,7 @@
         </p:nvSpPr>
         <p:spPr>
           <a:xfrm>
-            <a:off x="31091852" y="27173194"/>
+            <a:off x="27065885" y="27173194"/>
             <a:ext cx="3276000" cy="2430000"/>
           </a:xfrm>
           <a:prstGeom prst="roundRect">
@@ -6939,7 +7001,7 @@
             </a:ln>
             <a:extLst>
               <a:ext uri="{C572A759-6A51-4108-AA02-DFA0A04FC94B}">
-                <ma14:wrappingTextBoxFlag xmlns="" xmlns:ma14="http://schemas.microsoft.com/office/mac/drawingml/2011/main" val="1"/>
+                <ma14:wrappingTextBoxFlag xmlns:ma14="http://schemas.microsoft.com/office/mac/drawingml/2011/main" xmlns="" val="1"/>
               </a:ext>
             </a:extLst>
           </p:spPr>
@@ -7139,7 +7201,7 @@
             </a:ln>
             <a:extLst>
               <a:ext uri="{C572A759-6A51-4108-AA02-DFA0A04FC94B}">
-                <ma14:wrappingTextBoxFlag xmlns="" xmlns:ma14="http://schemas.microsoft.com/office/mac/drawingml/2011/main" val="1"/>
+                <ma14:wrappingTextBoxFlag xmlns:ma14="http://schemas.microsoft.com/office/mac/drawingml/2011/main" xmlns="" val="1"/>
               </a:ext>
             </a:extLst>
           </p:spPr>
@@ -7857,7 +7919,7 @@
             </a:ln>
             <a:extLst>
               <a:ext uri="{C572A759-6A51-4108-AA02-DFA0A04FC94B}">
-                <ma14:wrappingTextBoxFlag xmlns="" xmlns:ma14="http://schemas.microsoft.com/office/mac/drawingml/2011/main" val="1"/>
+                <ma14:wrappingTextBoxFlag xmlns:ma14="http://schemas.microsoft.com/office/mac/drawingml/2011/main" xmlns="" val="1"/>
               </a:ext>
             </a:extLst>
           </p:spPr>
@@ -8023,7 +8085,7 @@
             </a:ln>
             <a:extLst>
               <a:ext uri="{C572A759-6A51-4108-AA02-DFA0A04FC94B}">
-                <ma14:wrappingTextBoxFlag xmlns="" xmlns:ma14="http://schemas.microsoft.com/office/mac/drawingml/2011/main" val="1"/>
+                <ma14:wrappingTextBoxFlag xmlns:ma14="http://schemas.microsoft.com/office/mac/drawingml/2011/main" xmlns="" val="1"/>
               </a:ext>
             </a:extLst>
           </p:spPr>
@@ -8062,7 +8124,7 @@
           </a:ln>
           <a:extLst>
             <a:ext uri="{C572A759-6A51-4108-AA02-DFA0A04FC94B}">
-              <ma14:wrappingTextBoxFlag xmlns="" xmlns:ma14="http://schemas.microsoft.com/office/mac/drawingml/2011/main" val="1"/>
+              <ma14:wrappingTextBoxFlag xmlns:ma14="http://schemas.microsoft.com/office/mac/drawingml/2011/main" xmlns="" val="1"/>
             </a:ext>
           </a:extLst>
         </p:spPr>
@@ -8591,7 +8653,7 @@
             </a:ln>
             <a:extLst>
               <a:ext uri="{C572A759-6A51-4108-AA02-DFA0A04FC94B}">
-                <ma14:wrappingTextBoxFlag xmlns="" xmlns:ma14="http://schemas.microsoft.com/office/mac/drawingml/2011/main" val="1"/>
+                <ma14:wrappingTextBoxFlag xmlns:ma14="http://schemas.microsoft.com/office/mac/drawingml/2011/main" xmlns="" val="1"/>
               </a:ext>
             </a:extLst>
           </p:spPr>
@@ -8947,7 +9009,7 @@
               </a:ln>
               <a:extLst>
                 <a:ext uri="{C572A759-6A51-4108-AA02-DFA0A04FC94B}">
-                  <ma14:wrappingTextBoxFlag xmlns="" xmlns:ma14="http://schemas.microsoft.com/office/mac/drawingml/2011/main" val="1"/>
+                  <ma14:wrappingTextBoxFlag xmlns:ma14="http://schemas.microsoft.com/office/mac/drawingml/2011/main" xmlns="" val="1"/>
                 </a:ext>
               </a:extLst>
             </p:spPr>
@@ -9263,7 +9325,7 @@
           </a:ln>
           <a:extLst>
             <a:ext uri="{C572A759-6A51-4108-AA02-DFA0A04FC94B}">
-              <ma14:wrappingTextBoxFlag xmlns="" xmlns:ma14="http://schemas.microsoft.com/office/mac/drawingml/2011/main" val="1"/>
+              <ma14:wrappingTextBoxFlag xmlns:ma14="http://schemas.microsoft.com/office/mac/drawingml/2011/main" xmlns="" val="1"/>
             </a:ext>
           </a:extLst>
         </p:spPr>
@@ -9357,7 +9419,7 @@
           </a:ln>
           <a:extLst>
             <a:ext uri="{C572A759-6A51-4108-AA02-DFA0A04FC94B}">
-              <ma14:wrappingTextBoxFlag xmlns="" xmlns:ma14="http://schemas.microsoft.com/office/mac/drawingml/2011/main" val="1"/>
+              <ma14:wrappingTextBoxFlag xmlns:ma14="http://schemas.microsoft.com/office/mac/drawingml/2011/main" xmlns="" val="1"/>
             </a:ext>
           </a:extLst>
         </p:spPr>
@@ -9784,7 +9846,7 @@
           </a:ln>
           <a:extLst>
             <a:ext uri="{C572A759-6A51-4108-AA02-DFA0A04FC94B}">
-              <ma14:wrappingTextBoxFlag xmlns="" xmlns:ma14="http://schemas.microsoft.com/office/mac/drawingml/2011/main" val="1"/>
+              <ma14:wrappingTextBoxFlag xmlns:ma14="http://schemas.microsoft.com/office/mac/drawingml/2011/main" xmlns="" val="1"/>
             </a:ext>
           </a:extLst>
         </p:spPr>
@@ -9836,7 +9898,7 @@
           </a:ln>
           <a:extLst>
             <a:ext uri="{C572A759-6A51-4108-AA02-DFA0A04FC94B}">
-              <ma14:wrappingTextBoxFlag xmlns="" xmlns:ma14="http://schemas.microsoft.com/office/mac/drawingml/2011/main" val="1"/>
+              <ma14:wrappingTextBoxFlag xmlns:ma14="http://schemas.microsoft.com/office/mac/drawingml/2011/main" xmlns="" val="1"/>
             </a:ext>
           </a:extLst>
         </p:spPr>
@@ -10144,7 +10206,7 @@
         </p:nvSpPr>
         <p:spPr>
           <a:xfrm>
-            <a:off x="31091852" y="24428982"/>
+            <a:off x="30940967" y="24428982"/>
             <a:ext cx="3276000" cy="2430000"/>
           </a:xfrm>
           <a:prstGeom prst="roundRect">
@@ -10570,7 +10632,7 @@
         </p:nvSpPr>
         <p:spPr>
           <a:xfrm>
-            <a:off x="27064299" y="27173194"/>
+            <a:off x="34854395" y="21734373"/>
             <a:ext cx="3276000" cy="2430000"/>
           </a:xfrm>
           <a:prstGeom prst="roundRect">
@@ -10814,7 +10876,7 @@
           </a:ln>
           <a:extLst>
             <a:ext uri="{C572A759-6A51-4108-AA02-DFA0A04FC94B}">
-              <ma14:wrappingTextBoxFlag xmlns="" xmlns:ma14="http://schemas.microsoft.com/office/mac/drawingml/2011/main" val="1"/>
+              <ma14:wrappingTextBoxFlag xmlns:ma14="http://schemas.microsoft.com/office/mac/drawingml/2011/main" xmlns="" val="1"/>
             </a:ext>
           </a:extLst>
         </p:spPr>
@@ -10957,7 +11019,29 @@
                 <a:ea typeface="Calibri"/>
                 <a:cs typeface="Calibri"/>
               </a:rPr>
-              <a:t>version: 13 May 2019:</a:t>
+              <a:t>version</a:t>
+            </a:r>
+            <a:r>
+              <a:rPr lang="en-US" sz="2800">
+                <a:solidFill>
+                  <a:sysClr val="windowText" lastClr="000000"/>
+                </a:solidFill>
+                <a:latin typeface="Calibri"/>
+                <a:ea typeface="Calibri"/>
+                <a:cs typeface="Calibri"/>
+              </a:rPr>
+              <a:t>: 17 </a:t>
+            </a:r>
+            <a:r>
+              <a:rPr lang="en-US" sz="2800" dirty="0">
+                <a:solidFill>
+                  <a:sysClr val="windowText" lastClr="000000"/>
+                </a:solidFill>
+                <a:latin typeface="Calibri"/>
+                <a:ea typeface="Calibri"/>
+                <a:cs typeface="Calibri"/>
+              </a:rPr>
+              <a:t>May 2019:</a:t>
             </a:r>
             <a:br>
               <a:rPr lang="en-US" sz="2800" dirty="0">
@@ -11303,7 +11387,7 @@
           </a:ln>
           <a:extLst>
             <a:ext uri="{C572A759-6A51-4108-AA02-DFA0A04FC94B}">
-              <ma14:wrappingTextBoxFlag xmlns="" xmlns:ma14="http://schemas.microsoft.com/office/mac/drawingml/2011/main" val="1"/>
+              <ma14:wrappingTextBoxFlag xmlns:ma14="http://schemas.microsoft.com/office/mac/drawingml/2011/main" xmlns="" val="1"/>
             </a:ext>
           </a:extLst>
         </p:spPr>
@@ -11710,54 +11794,6 @@
       </p:sp>
       <p:sp>
         <p:nvSpPr>
-          <p:cNvPr id="161" name="Shape 225"/>
-          <p:cNvSpPr/>
-          <p:nvPr/>
-        </p:nvSpPr>
-        <p:spPr>
-          <a:xfrm flipV="1">
-            <a:off x="3087986" y="33692638"/>
-            <a:ext cx="6015971" cy="118387"/>
-          </a:xfrm>
-          <a:prstGeom prst="line">
-            <a:avLst/>
-          </a:prstGeom>
-          <a:ln>
-            <a:tailEnd type="triangle"/>
-          </a:ln>
-        </p:spPr>
-        <p:style>
-          <a:lnRef idx="3">
-            <a:schemeClr val="dk1"/>
-          </a:lnRef>
-          <a:fillRef idx="0">
-            <a:schemeClr val="dk1"/>
-          </a:fillRef>
-          <a:effectRef idx="2">
-            <a:schemeClr val="dk1"/>
-          </a:effectRef>
-          <a:fontRef idx="minor">
-            <a:schemeClr val="tx1"/>
-          </a:fontRef>
-        </p:style>
-        <p:txBody>
-          <a:bodyPr lIns="0" tIns="0" rIns="0" bIns="0"/>
-          <a:lstStyle/>
-          <a:p>
-            <a:pPr algn="ctr" defTabSz="457097">
-              <a:defRPr sz="1200">
-                <a:latin typeface="+mn-lt"/>
-                <a:ea typeface="+mn-ea"/>
-                <a:cs typeface="+mn-cs"/>
-                <a:sym typeface="Helvetica"/>
-              </a:defRPr>
-            </a:pPr>
-            <a:endParaRPr/>
-          </a:p>
-        </p:txBody>
-      </p:sp>
-      <p:sp>
-        <p:nvSpPr>
           <p:cNvPr id="164" name="Shape 211">
             <a:extLst>
               <a:ext uri="{FF2B5EF4-FFF2-40B4-BE49-F238E27FC236}">
@@ -11855,6 +11891,104 @@
               </a:rPr>
               <a:t>(TBA)</a:t>
             </a:r>
+          </a:p>
+        </p:txBody>
+      </p:sp>
+      <p:sp>
+        <p:nvSpPr>
+          <p:cNvPr id="161" name="Shape 225"/>
+          <p:cNvSpPr/>
+          <p:nvPr/>
+        </p:nvSpPr>
+        <p:spPr>
+          <a:xfrm flipV="1">
+            <a:off x="3087986" y="33692638"/>
+            <a:ext cx="6015971" cy="118387"/>
+          </a:xfrm>
+          <a:prstGeom prst="line">
+            <a:avLst/>
+          </a:prstGeom>
+          <a:ln>
+            <a:tailEnd type="triangle"/>
+          </a:ln>
+        </p:spPr>
+        <p:style>
+          <a:lnRef idx="3">
+            <a:schemeClr val="dk1"/>
+          </a:lnRef>
+          <a:fillRef idx="0">
+            <a:schemeClr val="dk1"/>
+          </a:fillRef>
+          <a:effectRef idx="2">
+            <a:schemeClr val="dk1"/>
+          </a:effectRef>
+          <a:fontRef idx="minor">
+            <a:schemeClr val="tx1"/>
+          </a:fontRef>
+        </p:style>
+        <p:txBody>
+          <a:bodyPr lIns="0" tIns="0" rIns="0" bIns="0"/>
+          <a:lstStyle/>
+          <a:p>
+            <a:pPr algn="ctr" defTabSz="457097">
+              <a:defRPr sz="1200">
+                <a:latin typeface="+mn-lt"/>
+                <a:ea typeface="+mn-ea"/>
+                <a:cs typeface="+mn-cs"/>
+                <a:sym typeface="Helvetica"/>
+              </a:defRPr>
+            </a:pPr>
+            <a:endParaRPr/>
+          </a:p>
+        </p:txBody>
+      </p:sp>
+      <p:sp>
+        <p:nvSpPr>
+          <p:cNvPr id="182" name="Shape 228">
+            <a:extLst>
+              <a:ext uri="{FF2B5EF4-FFF2-40B4-BE49-F238E27FC236}">
+                <a16:creationId xmlns:a16="http://schemas.microsoft.com/office/drawing/2014/main" id="{F3D0BFEC-DF8C-F54B-8E3C-FDDADBEA82B9}"/>
+              </a:ext>
+            </a:extLst>
+          </p:cNvPr>
+          <p:cNvSpPr/>
+          <p:nvPr/>
+        </p:nvSpPr>
+        <p:spPr>
+          <a:xfrm>
+            <a:off x="32355271" y="27050822"/>
+            <a:ext cx="4556262" cy="1828311"/>
+          </a:xfrm>
+          <a:prstGeom prst="rect">
+            <a:avLst/>
+          </a:prstGeom>
+          <a:ln w="12700">
+            <a:miter lim="400000"/>
+          </a:ln>
+          <a:extLst>
+            <a:ext uri="{C572A759-6A51-4108-AA02-DFA0A04FC94B}">
+              <ma14:wrappingTextBoxFlag xmlns:ma14="http://schemas.microsoft.com/office/mac/drawingml/2011/main" xmlns="" val="1"/>
+            </a:ext>
+          </a:extLst>
+        </p:spPr>
+        <p:txBody>
+          <a:bodyPr lIns="208758" tIns="208758" rIns="208758" bIns="208758" anchor="t">
+            <a:normAutofit/>
+          </a:bodyPr>
+          <a:lstStyle>
+            <a:lvl1pPr>
+              <a:defRPr sz="4000"/>
+            </a:lvl1pPr>
+          </a:lstStyle>
+          <a:p>
+            <a:pPr lvl="0" algn="r">
+              <a:defRPr sz="1800"/>
+            </a:pPr>
+            <a:r>
+              <a:rPr lang="en-US" sz="3900" b="1" dirty="0"/>
+              <a:t>Quantum</a:t>
+            </a:r>
+            <a:endParaRPr sz="3900" b="1" dirty="0"/>
           </a:p>
         </p:txBody>
       </p:sp>

--- a/MoLOverviewPoster2019.pptx
+++ b/MoLOverviewPoster2019.pptx
@@ -193,7 +193,7 @@
           <a:p>
             <a:fld id="{B179243D-0E3E-4D4F-90E9-F9F1DBB34143}" type="datetimeFigureOut">
               <a:rPr lang="en-US" smtClean="0"/>
-              <a:t>5/17/19</a:t>
+              <a:t>5/22/19</a:t>
             </a:fld>
             <a:endParaRPr lang="en-US"/>
           </a:p>
@@ -6429,7 +6429,7 @@
         </p:nvSpPr>
         <p:spPr>
           <a:xfrm>
-            <a:off x="23000299" y="24383947"/>
+            <a:off x="23000299" y="24428982"/>
             <a:ext cx="3276000" cy="2430000"/>
           </a:xfrm>
           <a:prstGeom prst="roundRect">
@@ -6496,7 +6496,7 @@
         </p:nvSpPr>
         <p:spPr>
           <a:xfrm>
-            <a:off x="19353693" y="24324004"/>
+            <a:off x="19353693" y="27069123"/>
             <a:ext cx="3276000" cy="2430000"/>
           </a:xfrm>
           <a:prstGeom prst="roundRect">
@@ -10722,7 +10722,7 @@
         </p:nvSpPr>
         <p:spPr>
           <a:xfrm>
-            <a:off x="19341459" y="27053861"/>
+            <a:off x="19341459" y="24417813"/>
             <a:ext cx="3276000" cy="2430000"/>
           </a:xfrm>
           <a:prstGeom prst="roundRect">
@@ -11030,7 +11030,7 @@
                 <a:ea typeface="Calibri"/>
                 <a:cs typeface="Calibri"/>
               </a:rPr>
-              <a:t>: 17 </a:t>
+              <a:t>: 22 </a:t>
             </a:r>
             <a:r>
               <a:rPr lang="en-US" sz="2800" dirty="0">
@@ -11710,8 +11710,8 @@
         </p:nvSpPr>
         <p:spPr>
           <a:xfrm flipH="1" flipV="1">
-            <a:off x="2719912" y="21752093"/>
-            <a:ext cx="0" cy="1233809"/>
+            <a:off x="2719912" y="21761855"/>
+            <a:ext cx="0" cy="784270"/>
           </a:xfrm>
           <a:prstGeom prst="line">
             <a:avLst/>

--- a/MoLOverviewPoster2019.pptx
+++ b/MoLOverviewPoster2019.pptx
@@ -193,7 +193,7 @@
           <a:p>
             <a:fld id="{B179243D-0E3E-4D4F-90E9-F9F1DBB34143}" type="datetimeFigureOut">
               <a:rPr lang="en-US" smtClean="0"/>
-              <a:t>5/22/19</a:t>
+              <a:t>6/20/19</a:t>
             </a:fld>
             <a:endParaRPr lang="en-US"/>
           </a:p>
@@ -2319,7 +2319,7 @@
           </a:ln>
           <a:extLst>
             <a:ext uri="{C572A759-6A51-4108-AA02-DFA0A04FC94B}">
-              <ma14:wrappingTextBoxFlag xmlns:ma14="http://schemas.microsoft.com/office/mac/drawingml/2011/main" xmlns="" val="1"/>
+              <ma14:wrappingTextBoxFlag xmlns="" xmlns:ma14="http://schemas.microsoft.com/office/mac/drawingml/2011/main" val="1"/>
             </a:ext>
           </a:extLst>
         </p:spPr>
@@ -2362,7 +2362,7 @@
           </a:ln>
           <a:extLst>
             <a:ext uri="{C572A759-6A51-4108-AA02-DFA0A04FC94B}">
-              <ma14:wrappingTextBoxFlag xmlns:ma14="http://schemas.microsoft.com/office/mac/drawingml/2011/main" xmlns="" val="1"/>
+              <ma14:wrappingTextBoxFlag xmlns="" xmlns:ma14="http://schemas.microsoft.com/office/mac/drawingml/2011/main" val="1"/>
             </a:ext>
           </a:extLst>
         </p:spPr>
@@ -3296,7 +3296,7 @@
                     <a:srgbClr val="FFFFFF"/>
                   </a:solidFill>
                 </a:rPr>
-                <a:t>Sep/</a:t>
+                <a:t>1: Sep/</a:t>
               </a:r>
               <a:r>
                 <a:rPr lang="de-DE" sz="2900" dirty="0" err="1">
@@ -3372,6 +3372,10 @@
                 <a:defRPr sz="1800"/>
               </a:pPr>
               <a:r>
+                <a:rPr lang="fr-FR" sz="2900" dirty="0"/>
+                <a:t>2: </a:t>
+              </a:r>
+              <a:r>
                 <a:rPr lang="fr-FR" sz="2900" dirty="0" err="1"/>
                 <a:t>Nov</a:t>
               </a:r>
@@ -3446,7 +3450,7 @@
               </a:pPr>
               <a:r>
                 <a:rPr lang="en-US" sz="2900" dirty="0"/>
-                <a:t>Feb/Mar 2020</a:t>
+                <a:t>4: Feb/Mar 2020</a:t>
               </a:r>
             </a:p>
           </p:txBody>
@@ -3507,7 +3511,7 @@
               </a:pPr>
               <a:r>
                 <a:rPr lang="en-US" sz="2900" dirty="0"/>
-                <a:t>Apr/May 2020</a:t>
+                <a:t>5: Apr/May 2020</a:t>
               </a:r>
             </a:p>
           </p:txBody>
@@ -3582,7 +3586,7 @@
           </a:ln>
           <a:extLst>
             <a:ext uri="{C572A759-6A51-4108-AA02-DFA0A04FC94B}">
-              <ma14:wrappingTextBoxFlag xmlns:ma14="http://schemas.microsoft.com/office/mac/drawingml/2011/main" xmlns="" val="1"/>
+              <ma14:wrappingTextBoxFlag xmlns="" xmlns:ma14="http://schemas.microsoft.com/office/mac/drawingml/2011/main" val="1"/>
             </a:ext>
           </a:extLst>
         </p:spPr>
@@ -3697,7 +3701,7 @@
           </a:ln>
           <a:extLst>
             <a:ext uri="{C572A759-6A51-4108-AA02-DFA0A04FC94B}">
-              <ma14:wrappingTextBoxFlag xmlns:ma14="http://schemas.microsoft.com/office/mac/drawingml/2011/main" xmlns="" val="1"/>
+              <ma14:wrappingTextBoxFlag xmlns="" xmlns:ma14="http://schemas.microsoft.com/office/mac/drawingml/2011/main" val="1"/>
             </a:ext>
           </a:extLst>
         </p:spPr>
@@ -3803,7 +3807,7 @@
           </a:ln>
           <a:extLst>
             <a:ext uri="{C572A759-6A51-4108-AA02-DFA0A04FC94B}">
-              <ma14:wrappingTextBoxFlag xmlns:ma14="http://schemas.microsoft.com/office/mac/drawingml/2011/main" xmlns="" val="1"/>
+              <ma14:wrappingTextBoxFlag xmlns="" xmlns:ma14="http://schemas.microsoft.com/office/mac/drawingml/2011/main" val="1"/>
             </a:ext>
           </a:extLst>
         </p:spPr>
@@ -3863,7 +3867,7 @@
           </a:ln>
           <a:extLst>
             <a:ext uri="{C572A759-6A51-4108-AA02-DFA0A04FC94B}">
-              <ma14:wrappingTextBoxFlag xmlns:ma14="http://schemas.microsoft.com/office/mac/drawingml/2011/main" xmlns="" val="1"/>
+              <ma14:wrappingTextBoxFlag xmlns="" xmlns:ma14="http://schemas.microsoft.com/office/mac/drawingml/2011/main" val="1"/>
             </a:ext>
           </a:extLst>
         </p:spPr>
@@ -3958,7 +3962,7 @@
               </a:pPr>
               <a:r>
                 <a:rPr lang="en-US" sz="2900" dirty="0"/>
-                <a:t>[</a:t>
+                <a:t>2: [</a:t>
               </a:r>
               <a:r>
                 <a:rPr lang="en-US" sz="2900" dirty="0" err="1"/>
@@ -4033,7 +4037,7 @@
                   <a:ea typeface="Calibri" charset="0"/>
                   <a:cs typeface="Calibri" charset="0"/>
                 </a:rPr>
-                <a:t>[</a:t>
+                <a:t>4: [</a:t>
               </a:r>
               <a:r>
                 <a:rPr lang="en-US" sz="2900" dirty="0" err="1">
@@ -4141,7 +4145,7 @@
                       <a:srgbClr val="FFFFFF"/>
                     </a:solidFill>
                   </a:rPr>
-                  <a:t>[MoL-FNWI] Mathematical Proof Methods for Logic</a:t>
+                  <a:t>1: [MoL-FNWI] Mathematical Proof Methods for Logic</a:t>
                 </a:r>
                 <a:br>
                   <a:rPr lang="en-US" sz="2900" dirty="0">
@@ -4180,7 +4184,7 @@
               </a:ln>
               <a:extLst>
                 <a:ext uri="{C572A759-6A51-4108-AA02-DFA0A04FC94B}">
-                  <ma14:wrappingTextBoxFlag xmlns:ma14="http://schemas.microsoft.com/office/mac/drawingml/2011/main" xmlns="" val="1"/>
+                  <ma14:wrappingTextBoxFlag xmlns="" xmlns:ma14="http://schemas.microsoft.com/office/mac/drawingml/2011/main" val="1"/>
                 </a:ext>
               </a:extLst>
             </p:spPr>
@@ -4276,7 +4280,7 @@
           </a:ln>
           <a:extLst>
             <a:ext uri="{C572A759-6A51-4108-AA02-DFA0A04FC94B}">
-              <ma14:wrappingTextBoxFlag xmlns:ma14="http://schemas.microsoft.com/office/mac/drawingml/2011/main" xmlns="" val="1"/>
+              <ma14:wrappingTextBoxFlag xmlns="" xmlns:ma14="http://schemas.microsoft.com/office/mac/drawingml/2011/main" val="1"/>
             </a:ext>
           </a:extLst>
         </p:spPr>
@@ -4320,7 +4324,7 @@
           </a:ln>
           <a:extLst>
             <a:ext uri="{C572A759-6A51-4108-AA02-DFA0A04FC94B}">
-              <ma14:wrappingTextBoxFlag xmlns:ma14="http://schemas.microsoft.com/office/mac/drawingml/2011/main" xmlns="" val="1"/>
+              <ma14:wrappingTextBoxFlag xmlns="" xmlns:ma14="http://schemas.microsoft.com/office/mac/drawingml/2011/main" val="1"/>
             </a:ext>
           </a:extLst>
         </p:spPr>
@@ -4435,7 +4439,7 @@
                     <a:srgbClr val="FFFFFF"/>
                   </a:solidFill>
                 </a:rPr>
-                <a:t>Logic, Language and Computation (Aloni) </a:t>
+                <a:t>1+2: Logic, Language and Computation (Aloni) </a:t>
               </a:r>
               <a:br>
                 <a:rPr lang="en-US" sz="2900" dirty="0">
@@ -4476,7 +4480,7 @@
             </a:ln>
             <a:extLst>
               <a:ext uri="{C572A759-6A51-4108-AA02-DFA0A04FC94B}">
-                <ma14:wrappingTextBoxFlag xmlns:ma14="http://schemas.microsoft.com/office/mac/drawingml/2011/main" xmlns="" val="1"/>
+                <ma14:wrappingTextBoxFlag xmlns="" xmlns:ma14="http://schemas.microsoft.com/office/mac/drawingml/2011/main" val="1"/>
               </a:ext>
             </a:extLst>
           </p:spPr>
@@ -4529,7 +4533,7 @@
           </a:ln>
           <a:extLst>
             <a:ext uri="{C572A759-6A51-4108-AA02-DFA0A04FC94B}">
-              <ma14:wrappingTextBoxFlag xmlns:ma14="http://schemas.microsoft.com/office/mac/drawingml/2011/main" xmlns="" val="1"/>
+              <ma14:wrappingTextBoxFlag xmlns="" xmlns:ma14="http://schemas.microsoft.com/office/mac/drawingml/2011/main" val="1"/>
             </a:ext>
           </a:extLst>
         </p:spPr>
@@ -4688,7 +4692,7 @@
                 <a:latin typeface="Calibri" charset="0"/>
                 <a:cs typeface="Calibri" charset="0"/>
               </a:rPr>
-              <a:t>[</a:t>
+              <a:t>2:[</a:t>
             </a:r>
             <a:r>
               <a:rPr lang="en-US" sz="2900" dirty="0" err="1">
@@ -4776,7 +4780,7 @@
             </a:pPr>
             <a:r>
               <a:rPr lang="en-US" sz="2900" dirty="0"/>
-              <a:t>[</a:t>
+              <a:t>2: [</a:t>
             </a:r>
             <a:r>
               <a:rPr lang="en-US" sz="2900" dirty="0" err="1"/>
@@ -4820,71 +4824,96 @@
               <a:gd name="adj" fmla="val 16667"/>
             </a:avLst>
           </a:prstGeom>
-          <a:gradFill flip="none" rotWithShape="1">
-            <a:gsLst>
-              <a:gs pos="0">
-                <a:srgbClr val="DAFEA4"/>
-              </a:gs>
-              <a:gs pos="35000">
-                <a:srgbClr val="E4FDBF"/>
-              </a:gs>
-              <a:gs pos="100000">
-                <a:srgbClr val="F5FFE6"/>
-              </a:gs>
-            </a:gsLst>
-            <a:lin ang="16200000" scaled="0"/>
-          </a:gradFill>
-          <a:ln w="9525" cap="flat">
-            <a:solidFill>
-              <a:srgbClr val="98B955"/>
-            </a:solidFill>
-            <a:prstDash val="solid"/>
-            <a:bevel/>
-          </a:ln>
-          <a:effectLst>
-            <a:outerShdw blurRad="38100" dist="20000" dir="5400000" rotWithShape="0">
-              <a:srgbClr val="000000">
-                <a:alpha val="38000"/>
-              </a:srgbClr>
-            </a:outerShdw>
-          </a:effectLst>
+          <a:ln/>
         </p:spPr>
+        <p:style>
+          <a:lnRef idx="1">
+            <a:schemeClr val="accent4"/>
+          </a:lnRef>
+          <a:fillRef idx="2">
+            <a:schemeClr val="accent4"/>
+          </a:fillRef>
+          <a:effectRef idx="1">
+            <a:schemeClr val="accent4"/>
+          </a:effectRef>
+          <a:fontRef idx="minor">
+            <a:schemeClr val="dk1"/>
+          </a:fontRef>
+        </p:style>
         <p:txBody>
           <a:bodyPr wrap="square" lIns="0" tIns="0" rIns="0" bIns="0" numCol="1" anchor="ctr">
             <a:noAutofit/>
           </a:bodyPr>
           <a:lstStyle/>
           <a:p>
-            <a:pPr lvl="0" algn="ctr">
-              <a:defRPr sz="1800"/>
-            </a:pPr>
-            <a:r>
-              <a:rPr lang="en-US" sz="2900" dirty="0"/>
-              <a:t>[</a:t>
-            </a:r>
-            <a:r>
-              <a:rPr lang="en-US" sz="2900" dirty="0" err="1"/>
+            <a:pPr algn="ctr"/>
+            <a:r>
+              <a:rPr lang="en-US" sz="2900" dirty="0">
+                <a:solidFill>
+                  <a:schemeClr val="dk1"/>
+                </a:solidFill>
+                <a:latin typeface="+mn-lt"/>
+                <a:ea typeface="+mn-ea"/>
+                <a:cs typeface="+mn-cs"/>
+              </a:rPr>
+              <a:t>4: [</a:t>
+            </a:r>
+            <a:r>
+              <a:rPr lang="en-US" sz="2900" dirty="0" err="1">
+                <a:solidFill>
+                  <a:schemeClr val="dk1"/>
+                </a:solidFill>
+                <a:latin typeface="+mn-lt"/>
+                <a:ea typeface="+mn-ea"/>
+                <a:cs typeface="+mn-cs"/>
+              </a:rPr>
               <a:t>MScB&amp;CS</a:t>
             </a:r>
             <a:r>
-              <a:rPr lang="en-US" sz="2900" dirty="0"/>
+              <a:rPr lang="en-US" sz="2900" dirty="0">
+                <a:solidFill>
+                  <a:schemeClr val="dk1"/>
+                </a:solidFill>
+                <a:latin typeface="+mn-lt"/>
+                <a:ea typeface="+mn-ea"/>
+                <a:cs typeface="+mn-cs"/>
+              </a:rPr>
               <a:t>] Foundations of Neural and Cognitive Modelling </a:t>
             </a:r>
           </a:p>
           <a:p>
-            <a:pPr lvl="0" algn="ctr">
-              <a:defRPr sz="1800"/>
-            </a:pPr>
-            <a:r>
-              <a:rPr lang="en-US" sz="2900" dirty="0"/>
+            <a:pPr algn="ctr"/>
+            <a:r>
+              <a:rPr lang="en-US" sz="2900" dirty="0">
+                <a:solidFill>
+                  <a:schemeClr val="dk1"/>
+                </a:solidFill>
+                <a:latin typeface="+mn-lt"/>
+                <a:ea typeface="+mn-ea"/>
+                <a:cs typeface="+mn-cs"/>
+              </a:rPr>
               <a:t>(</a:t>
             </a:r>
             <a:r>
-              <a:rPr lang="en-US" sz="2900" dirty="0" err="1"/>
+              <a:rPr lang="en-US" sz="2900" dirty="0" err="1">
+                <a:solidFill>
+                  <a:schemeClr val="dk1"/>
+                </a:solidFill>
+                <a:latin typeface="+mn-lt"/>
+                <a:ea typeface="+mn-ea"/>
+                <a:cs typeface="+mn-cs"/>
+              </a:rPr>
               <a:t>Zuidema</a:t>
             </a:r>
             <a:r>
-              <a:rPr lang="en-US" sz="2900" dirty="0"/>
+              <a:rPr lang="en-US" sz="2900" dirty="0">
+                <a:solidFill>
+                  <a:schemeClr val="dk1"/>
+                </a:solidFill>
+                <a:latin typeface="+mn-lt"/>
+                <a:ea typeface="+mn-ea"/>
+                <a:cs typeface="+mn-cs"/>
+              </a:rPr>
               <a:t>)</a:t>
             </a:r>
           </a:p>
@@ -4947,7 +4976,7 @@
                 <a:latin typeface="Calibri"/>
                 <a:cs typeface="Calibri"/>
               </a:rPr>
-              <a:t>[</a:t>
+              <a:t>2: [</a:t>
             </a:r>
             <a:r>
               <a:rPr lang="en-US" sz="2900" dirty="0" err="1">
@@ -5036,7 +5065,7 @@
             </a:pPr>
             <a:r>
               <a:rPr lang="en-US" sz="2900" dirty="0"/>
-              <a:t>[</a:t>
+              <a:t>5: [</a:t>
             </a:r>
             <a:r>
               <a:rPr lang="en-US" sz="2900" dirty="0" err="1"/>
@@ -5113,7 +5142,7 @@
                 <a:latin typeface="Calibri"/>
                 <a:cs typeface="Calibri"/>
               </a:rPr>
-              <a:t>[</a:t>
+              <a:t>5: [</a:t>
             </a:r>
             <a:r>
               <a:rPr lang="en-US" sz="2900" dirty="0" err="1">
@@ -5193,7 +5222,7 @@
                 <a:ea typeface="+mn-ea"/>
                 <a:cs typeface="Calibri" charset="0"/>
               </a:rPr>
-              <a:t>[</a:t>
+              <a:t>1: [</a:t>
             </a:r>
             <a:r>
               <a:rPr lang="en-US" sz="2900" dirty="0" err="1">
@@ -5340,7 +5369,7 @@
             </a:pPr>
             <a:r>
               <a:rPr lang="en-US" sz="2900" dirty="0"/>
-              <a:t>[</a:t>
+              <a:t>5: [</a:t>
             </a:r>
             <a:r>
               <a:rPr lang="en-US" sz="2900" dirty="0" err="1"/>
@@ -5424,7 +5453,7 @@
             </a:pPr>
             <a:r>
               <a:rPr lang="en-US" sz="2900" dirty="0"/>
-              <a:t>[</a:t>
+              <a:t>2: [</a:t>
             </a:r>
             <a:r>
               <a:rPr lang="en-US" sz="2900" dirty="0" err="1"/>
@@ -5484,7 +5513,7 @@
                 <a:latin typeface="Calibri" charset="0"/>
                 <a:cs typeface="Calibri" charset="0"/>
               </a:rPr>
-              <a:t>[MoL-FGW] Rationality, Cognition and Reasoning </a:t>
+              <a:t>1: [MoL-FGW] Rationality, Cognition and Reasoning </a:t>
             </a:r>
             <a:br>
               <a:rPr lang="en-US" sz="2900" dirty="0">
@@ -5587,7 +5616,7 @@
                   <a:srgbClr val="FFFFFF"/>
                 </a:solidFill>
               </a:rPr>
-              <a:t>[</a:t>
+              <a:t>1: [</a:t>
             </a:r>
             <a:r>
               <a:rPr lang="en-US" sz="2900" dirty="0" err="1">
@@ -5664,7 +5693,7 @@
             </a:pPr>
             <a:r>
               <a:rPr lang="en-US" sz="2900" dirty="0"/>
-              <a:t>[</a:t>
+              <a:t>2: [</a:t>
             </a:r>
             <a:r>
               <a:rPr lang="en-US" sz="2900" dirty="0" err="1"/>
@@ -5686,15 +5715,7 @@
             </a:br>
             <a:r>
               <a:rPr lang="en-US" sz="2900" dirty="0"/>
-              <a:t>(</a:t>
-            </a:r>
-            <a:r>
-              <a:rPr lang="en-US" sz="2900" dirty="0" err="1"/>
-              <a:t>Brouwer</a:t>
-            </a:r>
-            <a:r>
-              <a:rPr lang="en-US" sz="2900" dirty="0"/>
-              <a:t>)</a:t>
+              <a:t>(Brouwer)</a:t>
             </a:r>
           </a:p>
         </p:txBody>
@@ -5746,7 +5767,7 @@
                 <a:latin typeface="Calibri" charset="0"/>
                 <a:cs typeface="Calibri" charset="0"/>
               </a:rPr>
-              <a:t>[</a:t>
+              <a:t>1: [</a:t>
             </a:r>
             <a:r>
               <a:rPr lang="en-US" sz="2900" dirty="0" err="1">
@@ -5865,7 +5886,7 @@
             </a:pPr>
             <a:r>
               <a:rPr lang="en-US" sz="2900" dirty="0"/>
-              <a:t>[</a:t>
+              <a:t>4: [</a:t>
             </a:r>
             <a:r>
               <a:rPr lang="en-US" sz="2900" dirty="0" err="1"/>
@@ -5950,7 +5971,7 @@
             </a:pPr>
             <a:r>
               <a:rPr lang="en-US" sz="2900" dirty="0"/>
-              <a:t>[</a:t>
+              <a:t>5: [</a:t>
             </a:r>
             <a:r>
               <a:rPr lang="en-US" sz="2900" dirty="0" err="1"/>
@@ -6039,7 +6060,7 @@
             <a:pPr algn="ctr"/>
             <a:r>
               <a:rPr lang="en-US" sz="2900" dirty="0"/>
-              <a:t>[</a:t>
+              <a:t>4: [</a:t>
             </a:r>
             <a:r>
               <a:rPr lang="en-US" sz="2900" dirty="0" err="1"/>
@@ -6128,7 +6149,7 @@
             <a:pPr algn="ctr"/>
             <a:r>
               <a:rPr lang="en-US" sz="2900" dirty="0"/>
-              <a:t>[</a:t>
+              <a:t>5: [</a:t>
             </a:r>
             <a:r>
               <a:rPr lang="en-US" sz="2900" dirty="0" err="1"/>
@@ -6204,7 +6225,7 @@
             </a:pPr>
             <a:r>
               <a:rPr lang="en-US" sz="2900" dirty="0"/>
-              <a:t>[</a:t>
+              <a:t>4: [</a:t>
             </a:r>
             <a:r>
               <a:rPr lang="en-US" sz="2900" dirty="0" err="1"/>
@@ -6264,7 +6285,7 @@
                 <a:latin typeface="Calibri" charset="0"/>
                 <a:cs typeface="Calibri" charset="0"/>
               </a:rPr>
-              <a:t>[</a:t>
+              <a:t>1:[</a:t>
             </a:r>
             <a:r>
               <a:rPr lang="en-US" sz="2900" dirty="0" err="1">
@@ -6384,7 +6405,7 @@
                   <a:srgbClr val="FFFFFF"/>
                 </a:solidFill>
               </a:rPr>
-              <a:t>[</a:t>
+              <a:t>1+2: [</a:t>
             </a:r>
             <a:r>
               <a:rPr lang="en-US" sz="2900" dirty="0" err="1">
@@ -6475,7 +6496,7 @@
             <a:pPr algn="ctr"/>
             <a:r>
               <a:rPr lang="en-US" sz="2900" dirty="0"/>
-              <a:t>[</a:t>
+              <a:t>2: [</a:t>
             </a:r>
             <a:r>
               <a:rPr lang="en-US" sz="2900" dirty="0" err="1"/>
@@ -6545,7 +6566,7 @@
                   <a:srgbClr val="FFFFFF"/>
                 </a:solidFill>
               </a:rPr>
-              <a:t>[</a:t>
+              <a:t>1+2: [</a:t>
             </a:r>
             <a:r>
               <a:rPr lang="en-US" sz="2900" dirty="0" err="1">
@@ -6639,11 +6660,11 @@
             </a:pPr>
             <a:r>
               <a:rPr lang="en-US" sz="2900" dirty="0"/>
-              <a:t>[</a:t>
+              <a:t>4+5: [</a:t>
             </a:r>
             <a:r>
               <a:rPr lang="en-US" sz="2900" dirty="0" err="1"/>
-              <a:t>MastMath-UvA</a:t>
+              <a:t>MMath-UvA</a:t>
             </a:r>
             <a:r>
               <a:rPr lang="en-US" sz="2900" dirty="0"/>
@@ -6851,11 +6872,11 @@
             <a:pPr algn="ctr"/>
             <a:r>
               <a:rPr lang="en-US" sz="2900" dirty="0"/>
-              <a:t>[</a:t>
+              <a:t>4+5: [</a:t>
             </a:r>
             <a:r>
               <a:rPr lang="en-US" sz="2900" dirty="0" err="1"/>
-              <a:t>MastMath-UvA</a:t>
+              <a:t>MMath-UvA</a:t>
             </a:r>
             <a:r>
               <a:rPr lang="en-US" sz="2900" dirty="0"/>
@@ -6969,7 +6990,7 @@
               </a:pPr>
               <a:r>
                 <a:rPr lang="en-US" sz="2900" dirty="0"/>
-                <a:t>[</a:t>
+                <a:t>2: [</a:t>
               </a:r>
               <a:r>
                 <a:rPr lang="en-US" sz="2900" dirty="0" err="1"/>
@@ -7001,7 +7022,7 @@
             </a:ln>
             <a:extLst>
               <a:ext uri="{C572A759-6A51-4108-AA02-DFA0A04FC94B}">
-                <ma14:wrappingTextBoxFlag xmlns:ma14="http://schemas.microsoft.com/office/mac/drawingml/2011/main" xmlns="" val="1"/>
+                <ma14:wrappingTextBoxFlag xmlns="" xmlns:ma14="http://schemas.microsoft.com/office/mac/drawingml/2011/main" val="1"/>
               </a:ext>
             </a:extLst>
           </p:spPr>
@@ -7113,7 +7134,7 @@
                   <a:ea typeface="Calibri" charset="0"/>
                   <a:cs typeface="Calibri" charset="0"/>
                 </a:rPr>
-                <a:t>[</a:t>
+                <a:t>4: [</a:t>
               </a:r>
               <a:r>
                 <a:rPr lang="en-US" sz="2900" dirty="0" err="1">
@@ -7201,7 +7222,7 @@
             </a:ln>
             <a:extLst>
               <a:ext uri="{C572A759-6A51-4108-AA02-DFA0A04FC94B}">
-                <ma14:wrappingTextBoxFlag xmlns:ma14="http://schemas.microsoft.com/office/mac/drawingml/2011/main" xmlns="" val="1"/>
+                <ma14:wrappingTextBoxFlag xmlns="" xmlns:ma14="http://schemas.microsoft.com/office/mac/drawingml/2011/main" val="1"/>
               </a:ext>
             </a:extLst>
           </p:spPr>
@@ -7278,7 +7299,7 @@
             </a:pPr>
             <a:r>
               <a:rPr lang="en-US" sz="2900" dirty="0"/>
-              <a:t>[</a:t>
+              <a:t>1: [</a:t>
             </a:r>
             <a:r>
               <a:rPr lang="en-US" sz="2900" dirty="0" err="1"/>
@@ -7367,7 +7388,7 @@
                   <a:srgbClr val="FFFFFF"/>
                 </a:solidFill>
               </a:rPr>
-              <a:t> [BScWisk] Introduction to Modal Logic (</a:t>
+              <a:t>1+2:  [BScWisk] Introduction to Modal Logic (</a:t>
             </a:r>
             <a:r>
               <a:rPr lang="en-US" sz="2900" dirty="0" err="1">
@@ -7435,7 +7456,7 @@
                 <a:latin typeface="Calibri" charset="0"/>
                 <a:cs typeface="Calibri" charset="0"/>
               </a:rPr>
-              <a:t>[</a:t>
+              <a:t>2: [</a:t>
             </a:r>
             <a:r>
               <a:rPr lang="en-US" sz="2900" dirty="0" err="1">
@@ -7674,7 +7695,7 @@
                   <a:srgbClr val="FFFFFF"/>
                 </a:solidFill>
               </a:rPr>
-              <a:t>[</a:t>
+              <a:t>1+2: [</a:t>
             </a:r>
             <a:r>
               <a:rPr lang="en-US" sz="2900" dirty="0" err="1">
@@ -7793,7 +7814,7 @@
             <a:pPr algn="ctr"/>
             <a:r>
               <a:rPr lang="en-US" sz="2900" dirty="0"/>
-              <a:t>[</a:t>
+              <a:t>4: [</a:t>
             </a:r>
             <a:r>
               <a:rPr lang="en-US" sz="2900" dirty="0" err="1"/>
@@ -7873,7 +7894,7 @@
               </a:pPr>
               <a:r>
                 <a:rPr lang="en-US" sz="2900" dirty="0"/>
-                <a:t>[</a:t>
+                <a:t>4: [</a:t>
               </a:r>
               <a:r>
                 <a:rPr lang="en-US" sz="2900" dirty="0" err="1"/>
@@ -7919,7 +7940,7 @@
             </a:ln>
             <a:extLst>
               <a:ext uri="{C572A759-6A51-4108-AA02-DFA0A04FC94B}">
-                <ma14:wrappingTextBoxFlag xmlns:ma14="http://schemas.microsoft.com/office/mac/drawingml/2011/main" xmlns="" val="1"/>
+                <ma14:wrappingTextBoxFlag xmlns="" xmlns:ma14="http://schemas.microsoft.com/office/mac/drawingml/2011/main" val="1"/>
               </a:ext>
             </a:extLst>
           </p:spPr>
@@ -8020,7 +8041,7 @@
               <a:pPr algn="ctr"/>
               <a:r>
                 <a:rPr lang="en-US" sz="2900" dirty="0"/>
-                <a:t>[</a:t>
+                <a:t>5: [</a:t>
               </a:r>
               <a:r>
                 <a:rPr lang="en-US" sz="2900" dirty="0" err="1"/>
@@ -8085,7 +8106,7 @@
             </a:ln>
             <a:extLst>
               <a:ext uri="{C572A759-6A51-4108-AA02-DFA0A04FC94B}">
-                <ma14:wrappingTextBoxFlag xmlns:ma14="http://schemas.microsoft.com/office/mac/drawingml/2011/main" xmlns="" val="1"/>
+                <ma14:wrappingTextBoxFlag xmlns="" xmlns:ma14="http://schemas.microsoft.com/office/mac/drawingml/2011/main" val="1"/>
               </a:ext>
             </a:extLst>
           </p:spPr>
@@ -8124,7 +8145,7 @@
           </a:ln>
           <a:extLst>
             <a:ext uri="{C572A759-6A51-4108-AA02-DFA0A04FC94B}">
-              <ma14:wrappingTextBoxFlag xmlns:ma14="http://schemas.microsoft.com/office/mac/drawingml/2011/main" xmlns="" val="1"/>
+              <ma14:wrappingTextBoxFlag xmlns="" xmlns:ma14="http://schemas.microsoft.com/office/mac/drawingml/2011/main" val="1"/>
             </a:ext>
           </a:extLst>
         </p:spPr>
@@ -8359,7 +8380,7 @@
                   <a:srgbClr val="FFFFFF"/>
                 </a:solidFill>
               </a:rPr>
-              <a:t>[</a:t>
+              <a:t>1+2: [</a:t>
             </a:r>
             <a:r>
               <a:rPr lang="en-US" sz="2900" dirty="0" err="1">
@@ -8473,7 +8494,7 @@
                 <a:ea typeface="Calibri" charset="0"/>
                 <a:cs typeface="Calibri" charset="0"/>
               </a:rPr>
-              <a:t>[</a:t>
+              <a:t>1: [</a:t>
             </a:r>
             <a:r>
               <a:rPr lang="en-US" sz="2900" dirty="0" err="1">
@@ -8584,7 +8605,7 @@
                   <a:ea typeface="Calibri" charset="0"/>
                   <a:cs typeface="Calibri" charset="0"/>
                 </a:rPr>
-                <a:t>[</a:t>
+                <a:t>5: [</a:t>
               </a:r>
               <a:r>
                 <a:rPr lang="en-US" sz="2900" dirty="0" err="1">
@@ -8653,7 +8674,7 @@
             </a:ln>
             <a:extLst>
               <a:ext uri="{C572A759-6A51-4108-AA02-DFA0A04FC94B}">
-                <ma14:wrappingTextBoxFlag xmlns:ma14="http://schemas.microsoft.com/office/mac/drawingml/2011/main" xmlns="" val="1"/>
+                <ma14:wrappingTextBoxFlag xmlns="" xmlns:ma14="http://schemas.microsoft.com/office/mac/drawingml/2011/main" val="1"/>
               </a:ext>
             </a:extLst>
           </p:spPr>
@@ -8758,6 +8779,17 @@
                   <a:cs typeface="Calibri" charset="0"/>
                 </a:rPr>
               </a:br>
+              <a:r>
+                <a:rPr lang="en-US" sz="2800" dirty="0">
+                  <a:solidFill>
+                    <a:srgbClr val="FFFFFF"/>
+                  </a:solidFill>
+                  <a:latin typeface="Calibri" charset="0"/>
+                  <a:ea typeface="Calibri" charset="0"/>
+                  <a:cs typeface="Calibri" charset="0"/>
+                </a:rPr>
+                <a:t>1: </a:t>
+              </a:r>
               <a:r>
                 <a:rPr lang="en-US" sz="2900" dirty="0">
                   <a:solidFill>
@@ -8871,7 +8903,7 @@
               </a:pPr>
               <a:r>
                 <a:rPr lang="en-US" sz="2900" dirty="0"/>
-                <a:t>[</a:t>
+                <a:t>5: [</a:t>
               </a:r>
               <a:r>
                 <a:rPr lang="en-US" sz="2900" dirty="0" err="1"/>
@@ -8969,7 +9001,7 @@
                 </a:pPr>
                 <a:r>
                   <a:rPr lang="en-US" sz="2900" dirty="0"/>
-                  <a:t>[</a:t>
+                  <a:t>2: [</a:t>
                 </a:r>
                 <a:r>
                   <a:rPr lang="en-US" sz="2900" dirty="0" err="1"/>
@@ -9009,7 +9041,7 @@
               </a:ln>
               <a:extLst>
                 <a:ext uri="{C572A759-6A51-4108-AA02-DFA0A04FC94B}">
-                  <ma14:wrappingTextBoxFlag xmlns:ma14="http://schemas.microsoft.com/office/mac/drawingml/2011/main" xmlns="" val="1"/>
+                  <ma14:wrappingTextBoxFlag xmlns="" xmlns:ma14="http://schemas.microsoft.com/office/mac/drawingml/2011/main" val="1"/>
                 </a:ext>
               </a:extLst>
             </p:spPr>
@@ -9091,7 +9123,7 @@
               </a:pPr>
               <a:r>
                 <a:rPr lang="en-US" sz="2900" dirty="0"/>
-                <a:t>[</a:t>
+                <a:t>4: [</a:t>
               </a:r>
               <a:r>
                 <a:rPr lang="en-US" sz="2900" dirty="0" err="1"/>
@@ -9180,7 +9212,7 @@
                   <a:schemeClr val="tx1"/>
                 </a:solidFill>
               </a:rPr>
-              <a:t>[RM-Ling] </a:t>
+              <a:t>4: [RM-Ling] </a:t>
             </a:r>
             <a:br>
               <a:rPr lang="en-US" sz="2900" dirty="0">
@@ -9213,18 +9245,21 @@
               <a:t>(</a:t>
             </a:r>
             <a:r>
-              <a:rPr lang="en-US" sz="2900">
+              <a:rPr lang="en-US" sz="2900" dirty="0" err="1">
                 <a:solidFill>
                   <a:schemeClr val="tx1"/>
                 </a:solidFill>
               </a:rPr>
-              <a:t>Ruijgrok)</a:t>
-            </a:r>
-            <a:endParaRPr lang="en-US" sz="2900" dirty="0">
-              <a:solidFill>
-                <a:schemeClr val="tx1"/>
-              </a:solidFill>
-            </a:endParaRPr>
+              <a:t>Ruijgrok</a:t>
+            </a:r>
+            <a:r>
+              <a:rPr lang="en-US" sz="2900" dirty="0">
+                <a:solidFill>
+                  <a:schemeClr val="tx1"/>
+                </a:solidFill>
+              </a:rPr>
+              <a:t>)</a:t>
+            </a:r>
           </a:p>
         </p:txBody>
       </p:sp>
@@ -9271,7 +9306,7 @@
             </a:pPr>
             <a:r>
               <a:rPr lang="en-US" sz="2900" dirty="0"/>
-              <a:t>[RM-Ling]</a:t>
+              <a:t>1: [RM-Ling]</a:t>
             </a:r>
             <a:br>
               <a:rPr lang="en-US" sz="2900" dirty="0"/>
@@ -9325,7 +9360,7 @@
           </a:ln>
           <a:extLst>
             <a:ext uri="{C572A759-6A51-4108-AA02-DFA0A04FC94B}">
-              <ma14:wrappingTextBoxFlag xmlns:ma14="http://schemas.microsoft.com/office/mac/drawingml/2011/main" xmlns="" val="1"/>
+              <ma14:wrappingTextBoxFlag xmlns="" xmlns:ma14="http://schemas.microsoft.com/office/mac/drawingml/2011/main" val="1"/>
             </a:ext>
           </a:extLst>
         </p:spPr>
@@ -9419,7 +9454,7 @@
           </a:ln>
           <a:extLst>
             <a:ext uri="{C572A759-6A51-4108-AA02-DFA0A04FC94B}">
-              <ma14:wrappingTextBoxFlag xmlns:ma14="http://schemas.microsoft.com/office/mac/drawingml/2011/main" xmlns="" val="1"/>
+              <ma14:wrappingTextBoxFlag xmlns="" xmlns:ma14="http://schemas.microsoft.com/office/mac/drawingml/2011/main" val="1"/>
             </a:ext>
           </a:extLst>
         </p:spPr>
@@ -9506,7 +9541,7 @@
                 <a:ea typeface="+mn-ea"/>
                 <a:cs typeface="+mn-cs"/>
               </a:rPr>
-              <a:t>[</a:t>
+              <a:t>4: [</a:t>
             </a:r>
             <a:r>
               <a:rPr lang="en-US" sz="2900" dirty="0" err="1">
@@ -9654,7 +9689,7 @@
                 <a:latin typeface="Calibri"/>
                 <a:cs typeface="Calibri"/>
               </a:rPr>
-              <a:t>[</a:t>
+              <a:t>5: [</a:t>
             </a:r>
             <a:r>
               <a:rPr lang="en-US" sz="2900" dirty="0" err="1">
@@ -9739,12 +9774,12 @@
           <a:p>
             <a:pPr algn="ctr"/>
             <a:r>
-              <a:rPr lang="en-US" sz="2900" dirty="0">
+              <a:rPr lang="en-US" sz="2900">
                 <a:solidFill>
                   <a:srgbClr val="FFFFFF"/>
                 </a:solidFill>
               </a:rPr>
-              <a:t>[</a:t>
+              <a:t>1+2: [</a:t>
             </a:r>
             <a:r>
               <a:rPr lang="en-US" sz="2900" dirty="0" err="1">
@@ -9846,7 +9881,7 @@
           </a:ln>
           <a:extLst>
             <a:ext uri="{C572A759-6A51-4108-AA02-DFA0A04FC94B}">
-              <ma14:wrappingTextBoxFlag xmlns:ma14="http://schemas.microsoft.com/office/mac/drawingml/2011/main" xmlns="" val="1"/>
+              <ma14:wrappingTextBoxFlag xmlns="" xmlns:ma14="http://schemas.microsoft.com/office/mac/drawingml/2011/main" val="1"/>
             </a:ext>
           </a:extLst>
         </p:spPr>
@@ -9898,7 +9933,7 @@
           </a:ln>
           <a:extLst>
             <a:ext uri="{C572A759-6A51-4108-AA02-DFA0A04FC94B}">
-              <ma14:wrappingTextBoxFlag xmlns:ma14="http://schemas.microsoft.com/office/mac/drawingml/2011/main" xmlns="" val="1"/>
+              <ma14:wrappingTextBoxFlag xmlns="" xmlns:ma14="http://schemas.microsoft.com/office/mac/drawingml/2011/main" val="1"/>
             </a:ext>
           </a:extLst>
         </p:spPr>
@@ -10069,7 +10104,7 @@
                 <a:ea typeface="+mn-ea"/>
                 <a:cs typeface="Calibri" charset="0"/>
               </a:rPr>
-              <a:t>[</a:t>
+              <a:t>1: [</a:t>
             </a:r>
             <a:r>
               <a:rPr lang="en-US" sz="2900" dirty="0" err="1">
@@ -10179,7 +10214,7 @@
             </a:pPr>
             <a:r>
               <a:rPr lang="en-US" sz="2900" dirty="0"/>
-              <a:t>[</a:t>
+              <a:t>5: [</a:t>
             </a:r>
             <a:r>
               <a:rPr lang="en-US" sz="2900" dirty="0" err="1"/>
@@ -10246,7 +10281,7 @@
                 <a:ea typeface="+mn-ea"/>
                 <a:cs typeface="+mn-cs"/>
               </a:rPr>
-              <a:t>[</a:t>
+              <a:t>4: [</a:t>
             </a:r>
             <a:r>
               <a:rPr lang="en-US" sz="2900" dirty="0" err="1">
@@ -10399,7 +10434,7 @@
             </a:pPr>
             <a:r>
               <a:rPr lang="en-US" sz="2900" dirty="0"/>
-              <a:t>[</a:t>
+              <a:t>4: [</a:t>
             </a:r>
             <a:r>
               <a:rPr lang="en-US" sz="2900" dirty="0" err="1"/>
@@ -10488,7 +10523,7 @@
             <a:pPr algn="ctr"/>
             <a:r>
               <a:rPr lang="en-US" sz="2900" dirty="0"/>
-              <a:t>[</a:t>
+              <a:t>4: [</a:t>
             </a:r>
             <a:r>
               <a:rPr lang="en-US" sz="2900" dirty="0" err="1"/>
@@ -10583,7 +10618,7 @@
             <a:pPr algn="ctr"/>
             <a:r>
               <a:rPr lang="en-US" sz="2900" dirty="0"/>
-              <a:t>[</a:t>
+              <a:t>4: [</a:t>
             </a:r>
             <a:r>
               <a:rPr lang="en-US" sz="2900" dirty="0" err="1"/>
@@ -10680,7 +10715,7 @@
             </a:pPr>
             <a:r>
               <a:rPr lang="en-US" sz="2900" dirty="0"/>
-              <a:t>[</a:t>
+              <a:t>5: [</a:t>
             </a:r>
             <a:r>
               <a:rPr lang="en-US" sz="2900" dirty="0" err="1"/>
@@ -10768,7 +10803,7 @@
             <a:pPr algn="ctr"/>
             <a:r>
               <a:rPr lang="en-US" sz="2900" dirty="0"/>
-              <a:t>[</a:t>
+              <a:t>2: [</a:t>
             </a:r>
             <a:r>
               <a:rPr lang="en-US" sz="2900" dirty="0" err="1"/>
@@ -10876,7 +10911,7 @@
           </a:ln>
           <a:extLst>
             <a:ext uri="{C572A759-6A51-4108-AA02-DFA0A04FC94B}">
-              <ma14:wrappingTextBoxFlag xmlns:ma14="http://schemas.microsoft.com/office/mac/drawingml/2011/main" xmlns="" val="1"/>
+              <ma14:wrappingTextBoxFlag xmlns="" xmlns:ma14="http://schemas.microsoft.com/office/mac/drawingml/2011/main" val="1"/>
             </a:ext>
           </a:extLst>
         </p:spPr>
@@ -11019,29 +11054,7 @@
                 <a:ea typeface="Calibri"/>
                 <a:cs typeface="Calibri"/>
               </a:rPr>
-              <a:t>version</a:t>
-            </a:r>
-            <a:r>
-              <a:rPr lang="en-US" sz="2800">
-                <a:solidFill>
-                  <a:sysClr val="windowText" lastClr="000000"/>
-                </a:solidFill>
-                <a:latin typeface="Calibri"/>
-                <a:ea typeface="Calibri"/>
-                <a:cs typeface="Calibri"/>
-              </a:rPr>
-              <a:t>: 22 </a:t>
-            </a:r>
-            <a:r>
-              <a:rPr lang="en-US" sz="2800" dirty="0">
-                <a:solidFill>
-                  <a:sysClr val="windowText" lastClr="000000"/>
-                </a:solidFill>
-                <a:latin typeface="Calibri"/>
-                <a:ea typeface="Calibri"/>
-                <a:cs typeface="Calibri"/>
-              </a:rPr>
-              <a:t>May 2019:</a:t>
+              <a:t>version: 20 June 2019:</a:t>
             </a:r>
             <a:br>
               <a:rPr lang="en-US" sz="2800" dirty="0">
@@ -11142,7 +11155,7 @@
                 <a:ea typeface="+mn-ea"/>
                 <a:cs typeface="Calibri" charset="0"/>
               </a:rPr>
-              <a:t>[</a:t>
+              <a:t>1: [</a:t>
             </a:r>
             <a:r>
               <a:rPr lang="en-US" sz="2900" dirty="0" err="1">
@@ -11286,7 +11299,7 @@
                   <a:srgbClr val="FFFFFF"/>
                 </a:solidFill>
               </a:rPr>
-              <a:t>[</a:t>
+              <a:t>1+2: [</a:t>
             </a:r>
             <a:r>
               <a:rPr lang="en-US" sz="2900" dirty="0" err="1">
@@ -11294,7 +11307,7 @@
                   <a:srgbClr val="FFFFFF"/>
                 </a:solidFill>
               </a:rPr>
-              <a:t>MastMath-UvA</a:t>
+              <a:t>MMath-UvA</a:t>
             </a:r>
             <a:r>
               <a:rPr lang="en-US" sz="2900" dirty="0">
@@ -11387,7 +11400,7 @@
           </a:ln>
           <a:extLst>
             <a:ext uri="{C572A759-6A51-4108-AA02-DFA0A04FC94B}">
-              <ma14:wrappingTextBoxFlag xmlns:ma14="http://schemas.microsoft.com/office/mac/drawingml/2011/main" xmlns="" val="1"/>
+              <ma14:wrappingTextBoxFlag xmlns="" xmlns:ma14="http://schemas.microsoft.com/office/mac/drawingml/2011/main" val="1"/>
             </a:ext>
           </a:extLst>
         </p:spPr>
@@ -11482,7 +11495,7 @@
             <a:pPr algn="ctr"/>
             <a:r>
               <a:rPr lang="nl" sz="2900" dirty="0"/>
-              <a:t>[MastMath] </a:t>
+              <a:t>4+5: [MastMath] </a:t>
             </a:r>
           </a:p>
           <a:p>
@@ -11574,7 +11587,7 @@
             </a:pPr>
             <a:r>
               <a:rPr lang="en-US" sz="2900" dirty="0"/>
-              <a:t>[</a:t>
+              <a:t>5: [</a:t>
             </a:r>
             <a:r>
               <a:rPr lang="en-US" sz="2900" dirty="0" err="1"/>
@@ -11657,7 +11670,7 @@
             </a:pPr>
             <a:r>
               <a:rPr lang="en-US" sz="2900" dirty="0"/>
-              <a:t>[</a:t>
+              <a:t>5: [</a:t>
             </a:r>
             <a:r>
               <a:rPr lang="en-US" sz="2900" dirty="0" err="1"/>
@@ -11855,7 +11868,7 @@
                 <a:latin typeface="Calibri"/>
                 <a:cs typeface="Calibri"/>
               </a:rPr>
-              <a:t>[</a:t>
+              <a:t>5: [</a:t>
             </a:r>
             <a:r>
               <a:rPr lang="en-US" sz="2900" dirty="0" err="1">
@@ -11967,7 +11980,7 @@
           </a:ln>
           <a:extLst>
             <a:ext uri="{C572A759-6A51-4108-AA02-DFA0A04FC94B}">
-              <ma14:wrappingTextBoxFlag xmlns:ma14="http://schemas.microsoft.com/office/mac/drawingml/2011/main" xmlns="" val="1"/>
+              <ma14:wrappingTextBoxFlag xmlns="" xmlns:ma14="http://schemas.microsoft.com/office/mac/drawingml/2011/main" val="1"/>
             </a:ext>
           </a:extLst>
         </p:spPr>

--- a/MoLOverviewPoster2019.pptx
+++ b/MoLOverviewPoster2019.pptx
@@ -193,7 +193,7 @@
           <a:p>
             <a:fld id="{B179243D-0E3E-4D4F-90E9-F9F1DBB34143}" type="datetimeFigureOut">
               <a:rPr lang="en-US" smtClean="0"/>
-              <a:t>6/20/19</a:t>
+              <a:t>8/29/19</a:t>
             </a:fld>
             <a:endParaRPr lang="en-US"/>
           </a:p>
@@ -2319,7 +2319,7 @@
           </a:ln>
           <a:extLst>
             <a:ext uri="{C572A759-6A51-4108-AA02-DFA0A04FC94B}">
-              <ma14:wrappingTextBoxFlag xmlns="" xmlns:ma14="http://schemas.microsoft.com/office/mac/drawingml/2011/main" val="1"/>
+              <ma14:wrappingTextBoxFlag xmlns:ma14="http://schemas.microsoft.com/office/mac/drawingml/2011/main" xmlns="" val="1"/>
             </a:ext>
           </a:extLst>
         </p:spPr>
@@ -2362,7 +2362,7 @@
           </a:ln>
           <a:extLst>
             <a:ext uri="{C572A759-6A51-4108-AA02-DFA0A04FC94B}">
-              <ma14:wrappingTextBoxFlag xmlns="" xmlns:ma14="http://schemas.microsoft.com/office/mac/drawingml/2011/main" val="1"/>
+              <ma14:wrappingTextBoxFlag xmlns:ma14="http://schemas.microsoft.com/office/mac/drawingml/2011/main" xmlns="" val="1"/>
             </a:ext>
           </a:extLst>
         </p:spPr>
@@ -3586,7 +3586,7 @@
           </a:ln>
           <a:extLst>
             <a:ext uri="{C572A759-6A51-4108-AA02-DFA0A04FC94B}">
-              <ma14:wrappingTextBoxFlag xmlns="" xmlns:ma14="http://schemas.microsoft.com/office/mac/drawingml/2011/main" val="1"/>
+              <ma14:wrappingTextBoxFlag xmlns:ma14="http://schemas.microsoft.com/office/mac/drawingml/2011/main" xmlns="" val="1"/>
             </a:ext>
           </a:extLst>
         </p:spPr>
@@ -3701,7 +3701,7 @@
           </a:ln>
           <a:extLst>
             <a:ext uri="{C572A759-6A51-4108-AA02-DFA0A04FC94B}">
-              <ma14:wrappingTextBoxFlag xmlns="" xmlns:ma14="http://schemas.microsoft.com/office/mac/drawingml/2011/main" val="1"/>
+              <ma14:wrappingTextBoxFlag xmlns:ma14="http://schemas.microsoft.com/office/mac/drawingml/2011/main" xmlns="" val="1"/>
             </a:ext>
           </a:extLst>
         </p:spPr>
@@ -3807,7 +3807,7 @@
           </a:ln>
           <a:extLst>
             <a:ext uri="{C572A759-6A51-4108-AA02-DFA0A04FC94B}">
-              <ma14:wrappingTextBoxFlag xmlns="" xmlns:ma14="http://schemas.microsoft.com/office/mac/drawingml/2011/main" val="1"/>
+              <ma14:wrappingTextBoxFlag xmlns:ma14="http://schemas.microsoft.com/office/mac/drawingml/2011/main" xmlns="" val="1"/>
             </a:ext>
           </a:extLst>
         </p:spPr>
@@ -3867,7 +3867,7 @@
           </a:ln>
           <a:extLst>
             <a:ext uri="{C572A759-6A51-4108-AA02-DFA0A04FC94B}">
-              <ma14:wrappingTextBoxFlag xmlns="" xmlns:ma14="http://schemas.microsoft.com/office/mac/drawingml/2011/main" val="1"/>
+              <ma14:wrappingTextBoxFlag xmlns:ma14="http://schemas.microsoft.com/office/mac/drawingml/2011/main" xmlns="" val="1"/>
             </a:ext>
           </a:extLst>
         </p:spPr>
@@ -4184,7 +4184,7 @@
               </a:ln>
               <a:extLst>
                 <a:ext uri="{C572A759-6A51-4108-AA02-DFA0A04FC94B}">
-                  <ma14:wrappingTextBoxFlag xmlns="" xmlns:ma14="http://schemas.microsoft.com/office/mac/drawingml/2011/main" val="1"/>
+                  <ma14:wrappingTextBoxFlag xmlns:ma14="http://schemas.microsoft.com/office/mac/drawingml/2011/main" xmlns="" val="1"/>
                 </a:ext>
               </a:extLst>
             </p:spPr>
@@ -4280,7 +4280,7 @@
           </a:ln>
           <a:extLst>
             <a:ext uri="{C572A759-6A51-4108-AA02-DFA0A04FC94B}">
-              <ma14:wrappingTextBoxFlag xmlns="" xmlns:ma14="http://schemas.microsoft.com/office/mac/drawingml/2011/main" val="1"/>
+              <ma14:wrappingTextBoxFlag xmlns:ma14="http://schemas.microsoft.com/office/mac/drawingml/2011/main" xmlns="" val="1"/>
             </a:ext>
           </a:extLst>
         </p:spPr>
@@ -4324,7 +4324,7 @@
           </a:ln>
           <a:extLst>
             <a:ext uri="{C572A759-6A51-4108-AA02-DFA0A04FC94B}">
-              <ma14:wrappingTextBoxFlag xmlns="" xmlns:ma14="http://schemas.microsoft.com/office/mac/drawingml/2011/main" val="1"/>
+              <ma14:wrappingTextBoxFlag xmlns:ma14="http://schemas.microsoft.com/office/mac/drawingml/2011/main" xmlns="" val="1"/>
             </a:ext>
           </a:extLst>
         </p:spPr>
@@ -4480,7 +4480,7 @@
             </a:ln>
             <a:extLst>
               <a:ext uri="{C572A759-6A51-4108-AA02-DFA0A04FC94B}">
-                <ma14:wrappingTextBoxFlag xmlns="" xmlns:ma14="http://schemas.microsoft.com/office/mac/drawingml/2011/main" val="1"/>
+                <ma14:wrappingTextBoxFlag xmlns:ma14="http://schemas.microsoft.com/office/mac/drawingml/2011/main" xmlns="" val="1"/>
               </a:ext>
             </a:extLst>
           </p:spPr>
@@ -4533,7 +4533,7 @@
           </a:ln>
           <a:extLst>
             <a:ext uri="{C572A759-6A51-4108-AA02-DFA0A04FC94B}">
-              <ma14:wrappingTextBoxFlag xmlns="" xmlns:ma14="http://schemas.microsoft.com/office/mac/drawingml/2011/main" val="1"/>
+              <ma14:wrappingTextBoxFlag xmlns:ma14="http://schemas.microsoft.com/office/mac/drawingml/2011/main" xmlns="" val="1"/>
             </a:ext>
           </a:extLst>
         </p:spPr>
@@ -6022,35 +6022,24 @@
               <a:gd name="adj" fmla="val 16667"/>
             </a:avLst>
           </a:prstGeom>
-          <a:gradFill flip="none" rotWithShape="1">
-            <a:gsLst>
-              <a:gs pos="0">
-                <a:srgbClr val="C8B2E9"/>
-              </a:gs>
-              <a:gs pos="35000">
-                <a:srgbClr val="D8C9EE"/>
-              </a:gs>
-              <a:gs pos="100000">
-                <a:srgbClr val="F0EAF9"/>
-              </a:gs>
-            </a:gsLst>
-            <a:lin ang="16200000" scaled="0"/>
-          </a:gradFill>
-          <a:ln w="9525" cap="flat">
-            <a:solidFill>
-              <a:srgbClr val="7D60A0"/>
-            </a:solidFill>
-            <a:prstDash val="solid"/>
-            <a:bevel/>
+          <a:ln>
+            <a:noFill/>
           </a:ln>
-          <a:effectLst>
-            <a:outerShdw blurRad="38100" dist="20000" dir="5400000" rotWithShape="0">
-              <a:srgbClr val="000000">
-                <a:alpha val="38000"/>
-              </a:srgbClr>
-            </a:outerShdw>
-          </a:effectLst>
         </p:spPr>
+        <p:style>
+          <a:lnRef idx="1">
+            <a:schemeClr val="dk1"/>
+          </a:lnRef>
+          <a:fillRef idx="2">
+            <a:schemeClr val="dk1"/>
+          </a:fillRef>
+          <a:effectRef idx="1">
+            <a:schemeClr val="dk1"/>
+          </a:effectRef>
+          <a:fontRef idx="minor">
+            <a:schemeClr val="dk1"/>
+          </a:fontRef>
+        </p:style>
         <p:txBody>
           <a:bodyPr wrap="square" lIns="0" tIns="0" rIns="0" bIns="0" numCol="1" anchor="ctr">
             <a:noAutofit/>
@@ -6059,37 +6048,118 @@
           <a:p>
             <a:pPr algn="ctr"/>
             <a:r>
-              <a:rPr lang="en-US" sz="2900" dirty="0"/>
-              <a:t>4: [</a:t>
-            </a:r>
-            <a:r>
-              <a:rPr lang="en-US" sz="2900" dirty="0" err="1"/>
+              <a:rPr lang="en-US" sz="2900" dirty="0">
+                <a:solidFill>
+                  <a:schemeClr val="dk1">
+                    <a:alpha val="25000"/>
+                  </a:schemeClr>
+                </a:solidFill>
+                <a:latin typeface="Calibri" charset="0"/>
+                <a:ea typeface="+mn-ea"/>
+                <a:cs typeface="Calibri" charset="0"/>
+              </a:rPr>
+              <a:t>[</a:t>
+            </a:r>
+            <a:r>
+              <a:rPr lang="en-US" sz="2900" dirty="0" err="1">
+                <a:solidFill>
+                  <a:schemeClr val="dk1">
+                    <a:alpha val="25000"/>
+                  </a:schemeClr>
+                </a:solidFill>
+                <a:latin typeface="Calibri" charset="0"/>
+                <a:ea typeface="+mn-ea"/>
+                <a:cs typeface="Calibri" charset="0"/>
+              </a:rPr>
               <a:t>MoL</a:t>
             </a:r>
             <a:r>
-              <a:rPr lang="en-US" sz="2900" dirty="0"/>
+              <a:rPr lang="en-US" sz="2900" dirty="0">
+                <a:solidFill>
+                  <a:schemeClr val="dk1">
+                    <a:alpha val="25000"/>
+                  </a:schemeClr>
+                </a:solidFill>
+                <a:latin typeface="Calibri" charset="0"/>
+                <a:ea typeface="+mn-ea"/>
+                <a:cs typeface="Calibri" charset="0"/>
+              </a:rPr>
               <a:t>-FGW] </a:t>
             </a:r>
             <a:br>
-              <a:rPr lang="en-US" sz="2900" dirty="0"/>
+              <a:rPr lang="en-US" sz="2900" dirty="0">
+                <a:solidFill>
+                  <a:schemeClr val="dk1">
+                    <a:alpha val="25000"/>
+                  </a:schemeClr>
+                </a:solidFill>
+                <a:latin typeface="Calibri" charset="0"/>
+                <a:ea typeface="+mn-ea"/>
+                <a:cs typeface="Calibri" charset="0"/>
+              </a:rPr>
             </a:br>
             <a:r>
-              <a:rPr lang="en-US" sz="2900" dirty="0"/>
+              <a:rPr lang="en-US" sz="2900" dirty="0">
+                <a:solidFill>
+                  <a:schemeClr val="dk1">
+                    <a:alpha val="25000"/>
+                  </a:schemeClr>
+                </a:solidFill>
+                <a:latin typeface="Calibri" charset="0"/>
+                <a:ea typeface="+mn-ea"/>
+                <a:cs typeface="Calibri" charset="0"/>
+              </a:rPr>
               <a:t>Semantics and Philosophy</a:t>
             </a:r>
             <a:br>
-              <a:rPr lang="en-US" sz="2900" dirty="0"/>
+              <a:rPr lang="en-US" sz="2900" dirty="0">
+                <a:solidFill>
+                  <a:schemeClr val="dk1">
+                    <a:alpha val="25000"/>
+                  </a:schemeClr>
+                </a:solidFill>
+                <a:latin typeface="Calibri" charset="0"/>
+                <a:ea typeface="+mn-ea"/>
+                <a:cs typeface="Calibri" charset="0"/>
+              </a:rPr>
             </a:br>
             <a:r>
-              <a:rPr lang="en-US" sz="2900" dirty="0"/>
+              <a:rPr lang="en-US" sz="2900" dirty="0">
+                <a:solidFill>
+                  <a:schemeClr val="dk1">
+                    <a:alpha val="25000"/>
+                  </a:schemeClr>
+                </a:solidFill>
+                <a:latin typeface="Calibri" charset="0"/>
+                <a:ea typeface="+mn-ea"/>
+                <a:cs typeface="Calibri" charset="0"/>
+              </a:rPr>
               <a:t>(Dekker, </a:t>
             </a:r>
             <a:r>
-              <a:rPr lang="en-US" sz="2900" dirty="0" err="1"/>
+              <a:rPr lang="en-US" sz="2900" dirty="0" err="1">
+                <a:solidFill>
+                  <a:schemeClr val="dk1">
+                    <a:alpha val="25000"/>
+                  </a:schemeClr>
+                </a:solidFill>
+                <a:latin typeface="Calibri" charset="0"/>
+                <a:ea typeface="+mn-ea"/>
+                <a:cs typeface="Calibri" charset="0"/>
+              </a:rPr>
               <a:t>Aloni</a:t>
             </a:r>
             <a:r>
-              <a:rPr lang="en-US" sz="2900" dirty="0"/>
+              <a:rPr lang="en-US" sz="2900" dirty="0">
+                <a:solidFill>
+                  <a:schemeClr val="dk1">
+                    <a:alpha val="25000"/>
+                  </a:schemeClr>
+                </a:solidFill>
+                <a:latin typeface="Calibri" charset="0"/>
+                <a:ea typeface="+mn-ea"/>
+                <a:cs typeface="Calibri" charset="0"/>
+              </a:rPr>
               <a:t>)</a:t>
             </a:r>
           </a:p>
@@ -7022,7 +7092,7 @@
             </a:ln>
             <a:extLst>
               <a:ext uri="{C572A759-6A51-4108-AA02-DFA0A04FC94B}">
-                <ma14:wrappingTextBoxFlag xmlns="" xmlns:ma14="http://schemas.microsoft.com/office/mac/drawingml/2011/main" val="1"/>
+                <ma14:wrappingTextBoxFlag xmlns:ma14="http://schemas.microsoft.com/office/mac/drawingml/2011/main" xmlns="" val="1"/>
               </a:ext>
             </a:extLst>
           </p:spPr>
@@ -7222,7 +7292,7 @@
             </a:ln>
             <a:extLst>
               <a:ext uri="{C572A759-6A51-4108-AA02-DFA0A04FC94B}">
-                <ma14:wrappingTextBoxFlag xmlns="" xmlns:ma14="http://schemas.microsoft.com/office/mac/drawingml/2011/main" val="1"/>
+                <ma14:wrappingTextBoxFlag xmlns:ma14="http://schemas.microsoft.com/office/mac/drawingml/2011/main" xmlns="" val="1"/>
               </a:ext>
             </a:extLst>
           </p:spPr>
@@ -7940,7 +8010,7 @@
             </a:ln>
             <a:extLst>
               <a:ext uri="{C572A759-6A51-4108-AA02-DFA0A04FC94B}">
-                <ma14:wrappingTextBoxFlag xmlns="" xmlns:ma14="http://schemas.microsoft.com/office/mac/drawingml/2011/main" val="1"/>
+                <ma14:wrappingTextBoxFlag xmlns:ma14="http://schemas.microsoft.com/office/mac/drawingml/2011/main" xmlns="" val="1"/>
               </a:ext>
             </a:extLst>
           </p:spPr>
@@ -8106,7 +8176,7 @@
             </a:ln>
             <a:extLst>
               <a:ext uri="{C572A759-6A51-4108-AA02-DFA0A04FC94B}">
-                <ma14:wrappingTextBoxFlag xmlns="" xmlns:ma14="http://schemas.microsoft.com/office/mac/drawingml/2011/main" val="1"/>
+                <ma14:wrappingTextBoxFlag xmlns:ma14="http://schemas.microsoft.com/office/mac/drawingml/2011/main" xmlns="" val="1"/>
               </a:ext>
             </a:extLst>
           </p:spPr>
@@ -8145,7 +8215,7 @@
           </a:ln>
           <a:extLst>
             <a:ext uri="{C572A759-6A51-4108-AA02-DFA0A04FC94B}">
-              <ma14:wrappingTextBoxFlag xmlns="" xmlns:ma14="http://schemas.microsoft.com/office/mac/drawingml/2011/main" val="1"/>
+              <ma14:wrappingTextBoxFlag xmlns:ma14="http://schemas.microsoft.com/office/mac/drawingml/2011/main" xmlns="" val="1"/>
             </a:ext>
           </a:extLst>
         </p:spPr>
@@ -8674,7 +8744,7 @@
             </a:ln>
             <a:extLst>
               <a:ext uri="{C572A759-6A51-4108-AA02-DFA0A04FC94B}">
-                <ma14:wrappingTextBoxFlag xmlns="" xmlns:ma14="http://schemas.microsoft.com/office/mac/drawingml/2011/main" val="1"/>
+                <ma14:wrappingTextBoxFlag xmlns:ma14="http://schemas.microsoft.com/office/mac/drawingml/2011/main" xmlns="" val="1"/>
               </a:ext>
             </a:extLst>
           </p:spPr>
@@ -9041,7 +9111,7 @@
               </a:ln>
               <a:extLst>
                 <a:ext uri="{C572A759-6A51-4108-AA02-DFA0A04FC94B}">
-                  <ma14:wrappingTextBoxFlag xmlns="" xmlns:ma14="http://schemas.microsoft.com/office/mac/drawingml/2011/main" val="1"/>
+                  <ma14:wrappingTextBoxFlag xmlns:ma14="http://schemas.microsoft.com/office/mac/drawingml/2011/main" xmlns="" val="1"/>
                 </a:ext>
               </a:extLst>
             </p:spPr>
@@ -9360,7 +9430,7 @@
           </a:ln>
           <a:extLst>
             <a:ext uri="{C572A759-6A51-4108-AA02-DFA0A04FC94B}">
-              <ma14:wrappingTextBoxFlag xmlns="" xmlns:ma14="http://schemas.microsoft.com/office/mac/drawingml/2011/main" val="1"/>
+              <ma14:wrappingTextBoxFlag xmlns:ma14="http://schemas.microsoft.com/office/mac/drawingml/2011/main" xmlns="" val="1"/>
             </a:ext>
           </a:extLst>
         </p:spPr>
@@ -9454,7 +9524,7 @@
           </a:ln>
           <a:extLst>
             <a:ext uri="{C572A759-6A51-4108-AA02-DFA0A04FC94B}">
-              <ma14:wrappingTextBoxFlag xmlns="" xmlns:ma14="http://schemas.microsoft.com/office/mac/drawingml/2011/main" val="1"/>
+              <ma14:wrappingTextBoxFlag xmlns:ma14="http://schemas.microsoft.com/office/mac/drawingml/2011/main" xmlns="" val="1"/>
             </a:ext>
           </a:extLst>
         </p:spPr>
@@ -9881,7 +9951,7 @@
           </a:ln>
           <a:extLst>
             <a:ext uri="{C572A759-6A51-4108-AA02-DFA0A04FC94B}">
-              <ma14:wrappingTextBoxFlag xmlns="" xmlns:ma14="http://schemas.microsoft.com/office/mac/drawingml/2011/main" val="1"/>
+              <ma14:wrappingTextBoxFlag xmlns:ma14="http://schemas.microsoft.com/office/mac/drawingml/2011/main" xmlns="" val="1"/>
             </a:ext>
           </a:extLst>
         </p:spPr>
@@ -9933,7 +10003,7 @@
           </a:ln>
           <a:extLst>
             <a:ext uri="{C572A759-6A51-4108-AA02-DFA0A04FC94B}">
-              <ma14:wrappingTextBoxFlag xmlns="" xmlns:ma14="http://schemas.microsoft.com/office/mac/drawingml/2011/main" val="1"/>
+              <ma14:wrappingTextBoxFlag xmlns:ma14="http://schemas.microsoft.com/office/mac/drawingml/2011/main" xmlns="" val="1"/>
             </a:ext>
           </a:extLst>
         </p:spPr>
@@ -10911,7 +10981,7 @@
           </a:ln>
           <a:extLst>
             <a:ext uri="{C572A759-6A51-4108-AA02-DFA0A04FC94B}">
-              <ma14:wrappingTextBoxFlag xmlns="" xmlns:ma14="http://schemas.microsoft.com/office/mac/drawingml/2011/main" val="1"/>
+              <ma14:wrappingTextBoxFlag xmlns:ma14="http://schemas.microsoft.com/office/mac/drawingml/2011/main" xmlns="" val="1"/>
             </a:ext>
           </a:extLst>
         </p:spPr>
@@ -11054,7 +11124,7 @@
                 <a:ea typeface="Calibri"/>
                 <a:cs typeface="Calibri"/>
               </a:rPr>
-              <a:t>version: 20 June 2019:</a:t>
+              <a:t>version: 29 August 2019:</a:t>
             </a:r>
             <a:br>
               <a:rPr lang="en-US" sz="2800" dirty="0">
@@ -11400,7 +11470,7 @@
           </a:ln>
           <a:extLst>
             <a:ext uri="{C572A759-6A51-4108-AA02-DFA0A04FC94B}">
-              <ma14:wrappingTextBoxFlag xmlns="" xmlns:ma14="http://schemas.microsoft.com/office/mac/drawingml/2011/main" val="1"/>
+              <ma14:wrappingTextBoxFlag xmlns:ma14="http://schemas.microsoft.com/office/mac/drawingml/2011/main" xmlns="" val="1"/>
             </a:ext>
           </a:extLst>
         </p:spPr>
@@ -11980,7 +12050,7 @@
           </a:ln>
           <a:extLst>
             <a:ext uri="{C572A759-6A51-4108-AA02-DFA0A04FC94B}">
-              <ma14:wrappingTextBoxFlag xmlns="" xmlns:ma14="http://schemas.microsoft.com/office/mac/drawingml/2011/main" val="1"/>
+              <ma14:wrappingTextBoxFlag xmlns:ma14="http://schemas.microsoft.com/office/mac/drawingml/2011/main" xmlns="" val="1"/>
             </a:ext>
           </a:extLst>
         </p:spPr>

--- a/MoLOverviewPoster2019.pptx
+++ b/MoLOverviewPoster2019.pptx
@@ -4097,7 +4097,7 @@
                 </a:gsLst>
                 <a:lin ang="16200000" scaled="0"/>
               </a:gradFill>
-              <a:ln w="9525" cap="flat">
+              <a:ln w="76200" cap="flat">
                 <a:solidFill>
                   <a:schemeClr val="tx1"/>
                 </a:solidFill>
@@ -4706,7 +4706,18 @@
                 <a:latin typeface="Calibri" charset="0"/>
                 <a:cs typeface="Calibri" charset="0"/>
               </a:rPr>
-              <a:t>-FNWI] Basic Probability: Programming  (Aziz) </a:t>
+              <a:t>-FNWI] Basic Probability: Programming  (</a:t>
+            </a:r>
+            <a:r>
+              <a:rPr lang="en-US" sz="3200" dirty="0"/>
+              <a:t>Ferreira </a:t>
+            </a:r>
+            <a:r>
+              <a:rPr lang="en-US" sz="2900" dirty="0">
+                <a:latin typeface="Calibri" charset="0"/>
+                <a:cs typeface="Calibri" charset="0"/>
+              </a:rPr>
+              <a:t>Aziz) </a:t>
             </a:r>
             <a:br>
               <a:rPr lang="en-US" sz="2900" dirty="0">
@@ -6394,7 +6405,21 @@
                 <a:latin typeface="Calibri" charset="0"/>
                 <a:cs typeface="Calibri" charset="0"/>
               </a:rPr>
-              <a:t>(Aziz) </a:t>
+              <a:t>(</a:t>
+            </a:r>
+            <a:r>
+              <a:rPr lang="en-US" sz="3200" dirty="0"/>
+              <a:t>Ferreira </a:t>
+            </a:r>
+            <a:r>
+              <a:rPr lang="en-US" sz="2900" dirty="0">
+                <a:solidFill>
+                  <a:schemeClr val="lt1"/>
+                </a:solidFill>
+                <a:latin typeface="Calibri" charset="0"/>
+                <a:cs typeface="Calibri" charset="0"/>
+              </a:rPr>
+              <a:t>Aziz) </a:t>
             </a:r>
             <a:br>
               <a:rPr lang="en-US" sz="2900" dirty="0">
@@ -11934,25 +11959,30 @@
           <a:p>
             <a:pPr algn="ctr"/>
             <a:r>
+              <a:rPr lang="en-US" sz="2900" dirty="0"/>
+              <a:t>6</a:t>
+            </a:r>
+            <a:r>
               <a:rPr lang="en-US" sz="2900" dirty="0">
                 <a:latin typeface="Calibri"/>
                 <a:cs typeface="Calibri"/>
               </a:rPr>
-              <a:t>5: [</a:t>
-            </a:r>
-            <a:r>
-              <a:rPr lang="en-US" sz="2900" dirty="0" err="1">
+              <a:t>: </a:t>
+            </a:r>
+            <a:r>
+              <a:rPr lang="en-US" sz="2900" dirty="0"/>
+              <a:t>[</a:t>
+            </a:r>
+            <a:r>
+              <a:rPr lang="en-US" sz="2900" dirty="0" err="1"/>
+              <a:t>MScAI</a:t>
+            </a:r>
+            <a:r>
+              <a:rPr lang="en-US" sz="2900" dirty="0">
                 <a:latin typeface="Calibri"/>
                 <a:cs typeface="Calibri"/>
               </a:rPr>
-              <a:t>MoL</a:t>
-            </a:r>
-            <a:r>
-              <a:rPr lang="en-US" sz="2900" dirty="0">
-                <a:latin typeface="Calibri"/>
-                <a:cs typeface="Calibri"/>
-              </a:rPr>
-              <a:t>-FNWI]</a:t>
+              <a:t>]</a:t>
             </a:r>
           </a:p>
           <a:p>
